--- a/Aula_15_Projeto_Final/Aula_15.pptx
+++ b/Aula_15_Projeto_Final/Aula_15.pptx
@@ -5,12 +5,12 @@
     <p:sldMasterId id="2147483648" r:id="rId1"/>
   </p:sldMasterIdLst>
   <p:sldIdLst>
-    <p:sldId id="256" r:id="rId7"/>
-    <p:sldId id="257" r:id="rId8"/>
-    <p:sldId id="258" r:id="rId9"/>
-    <p:sldId id="259" r:id="rId10"/>
+    <p:sldId id="256" r:id="rId2"/>
+    <p:sldId id="257" r:id="rId3"/>
+    <p:sldId id="258" r:id="rId4"/>
+    <p:sldId id="259" r:id="rId5"/>
   </p:sldIdLst>
-  <p:sldSz cx="9144000" cy="6858000" type="screen4x3"/>
+  <p:sldSz cx="12192000" cy="6858000"/>
   <p:notesSz cx="6858000" cy="9144000"/>
   <p:defaultTextStyle>
     <a:defPPr>
@@ -107,7 +107,2846 @@
       </a:defRPr>
     </a:lvl9pPr>
   </p:defaultTextStyle>
+  <p:extLst>
+    <p:ext uri="{EFAFB233-063F-42B5-8137-9DF3F51BA10A}">
+      <p15:sldGuideLst xmlns:p15="http://schemas.microsoft.com/office/powerpoint/2012/main">
+        <p15:guide id="1" orient="horz" pos="2160" userDrawn="1">
+          <p15:clr>
+            <a:srgbClr val="A4A3A4"/>
+          </p15:clr>
+        </p15:guide>
+        <p15:guide id="2" pos="3840" userDrawn="1">
+          <p15:clr>
+            <a:srgbClr val="A4A3A4"/>
+          </p15:clr>
+        </p15:guide>
+      </p15:sldGuideLst>
+    </p:ext>
+  </p:extLst>
 </p:presentation>
+</file>
+
+<file path=ppt/diagrams/colors1.xml><?xml version="1.0" encoding="utf-8"?>
+<dgm:colorsDef xmlns:dgm="http://schemas.openxmlformats.org/drawingml/2006/diagram" xmlns:a="http://schemas.openxmlformats.org/drawingml/2006/main" uniqueId="urn:microsoft.com/office/officeart/2005/8/colors/colorful2">
+  <dgm:title val=""/>
+  <dgm:desc val=""/>
+  <dgm:catLst>
+    <dgm:cat type="colorful" pri="10200"/>
+  </dgm:catLst>
+  <dgm:styleLbl name="node0">
+    <dgm:fillClrLst meth="repeat">
+      <a:schemeClr val="accent1"/>
+    </dgm:fillClrLst>
+    <dgm:linClrLst meth="repeat">
+      <a:schemeClr val="lt1"/>
+    </dgm:linClrLst>
+    <dgm:effectClrLst/>
+    <dgm:txLinClrLst/>
+    <dgm:txFillClrLst/>
+    <dgm:txEffectClrLst/>
+  </dgm:styleLbl>
+  <dgm:styleLbl name="node1">
+    <dgm:fillClrLst>
+      <a:schemeClr val="accent2"/>
+      <a:schemeClr val="accent3"/>
+    </dgm:fillClrLst>
+    <dgm:linClrLst meth="repeat">
+      <a:schemeClr val="lt1"/>
+    </dgm:linClrLst>
+    <dgm:effectClrLst/>
+    <dgm:txLinClrLst/>
+    <dgm:txFillClrLst/>
+    <dgm:txEffectClrLst/>
+  </dgm:styleLbl>
+  <dgm:styleLbl name="alignNode1">
+    <dgm:fillClrLst>
+      <a:schemeClr val="accent2"/>
+      <a:schemeClr val="accent3"/>
+    </dgm:fillClrLst>
+    <dgm:linClrLst>
+      <a:schemeClr val="accent2"/>
+      <a:schemeClr val="accent3"/>
+    </dgm:linClrLst>
+    <dgm:effectClrLst/>
+    <dgm:txLinClrLst/>
+    <dgm:txFillClrLst/>
+    <dgm:txEffectClrLst/>
+  </dgm:styleLbl>
+  <dgm:styleLbl name="lnNode1">
+    <dgm:fillClrLst>
+      <a:schemeClr val="accent2"/>
+      <a:schemeClr val="accent3"/>
+    </dgm:fillClrLst>
+    <dgm:linClrLst meth="repeat">
+      <a:schemeClr val="lt1"/>
+    </dgm:linClrLst>
+    <dgm:effectClrLst/>
+    <dgm:txLinClrLst/>
+    <dgm:txFillClrLst/>
+    <dgm:txEffectClrLst/>
+  </dgm:styleLbl>
+  <dgm:styleLbl name="vennNode1">
+    <dgm:fillClrLst>
+      <a:schemeClr val="accent2">
+        <a:alpha val="50000"/>
+      </a:schemeClr>
+      <a:schemeClr val="accent3">
+        <a:alpha val="50000"/>
+      </a:schemeClr>
+    </dgm:fillClrLst>
+    <dgm:linClrLst meth="repeat">
+      <a:schemeClr val="lt1"/>
+    </dgm:linClrLst>
+    <dgm:effectClrLst/>
+    <dgm:txLinClrLst/>
+    <dgm:txFillClrLst/>
+    <dgm:txEffectClrLst/>
+  </dgm:styleLbl>
+  <dgm:styleLbl name="node2">
+    <dgm:fillClrLst>
+      <a:schemeClr val="accent3"/>
+    </dgm:fillClrLst>
+    <dgm:linClrLst meth="repeat">
+      <a:schemeClr val="lt1"/>
+    </dgm:linClrLst>
+    <dgm:effectClrLst/>
+    <dgm:txLinClrLst/>
+    <dgm:txFillClrLst/>
+    <dgm:txEffectClrLst/>
+  </dgm:styleLbl>
+  <dgm:styleLbl name="node3">
+    <dgm:fillClrLst>
+      <a:schemeClr val="accent4"/>
+    </dgm:fillClrLst>
+    <dgm:linClrLst meth="repeat">
+      <a:schemeClr val="lt1"/>
+    </dgm:linClrLst>
+    <dgm:effectClrLst/>
+    <dgm:txLinClrLst/>
+    <dgm:txFillClrLst/>
+    <dgm:txEffectClrLst/>
+  </dgm:styleLbl>
+  <dgm:styleLbl name="node4">
+    <dgm:fillClrLst>
+      <a:schemeClr val="accent5"/>
+    </dgm:fillClrLst>
+    <dgm:linClrLst meth="repeat">
+      <a:schemeClr val="lt1"/>
+    </dgm:linClrLst>
+    <dgm:effectClrLst/>
+    <dgm:txLinClrLst/>
+    <dgm:txFillClrLst/>
+    <dgm:txEffectClrLst/>
+  </dgm:styleLbl>
+  <dgm:styleLbl name="fgImgPlace1">
+    <dgm:fillClrLst>
+      <a:schemeClr val="accent2">
+        <a:tint val="50000"/>
+      </a:schemeClr>
+      <a:schemeClr val="accent3">
+        <a:tint val="50000"/>
+      </a:schemeClr>
+    </dgm:fillClrLst>
+    <dgm:linClrLst meth="repeat">
+      <a:schemeClr val="lt1"/>
+    </dgm:linClrLst>
+    <dgm:effectClrLst/>
+    <dgm:txLinClrLst/>
+    <dgm:txFillClrLst meth="repeat">
+      <a:schemeClr val="lt1"/>
+    </dgm:txFillClrLst>
+    <dgm:txEffectClrLst/>
+  </dgm:styleLbl>
+  <dgm:styleLbl name="alignImgPlace1">
+    <dgm:fillClrLst>
+      <a:schemeClr val="accent2">
+        <a:tint val="50000"/>
+      </a:schemeClr>
+      <a:schemeClr val="accent3">
+        <a:tint val="20000"/>
+      </a:schemeClr>
+    </dgm:fillClrLst>
+    <dgm:linClrLst meth="repeat">
+      <a:schemeClr val="lt1"/>
+    </dgm:linClrLst>
+    <dgm:effectClrLst/>
+    <dgm:txLinClrLst/>
+    <dgm:txFillClrLst meth="repeat">
+      <a:schemeClr val="lt1"/>
+    </dgm:txFillClrLst>
+    <dgm:txEffectClrLst/>
+  </dgm:styleLbl>
+  <dgm:styleLbl name="bgImgPlace1">
+    <dgm:fillClrLst>
+      <a:schemeClr val="accent2">
+        <a:tint val="50000"/>
+      </a:schemeClr>
+      <a:schemeClr val="accent3">
+        <a:tint val="20000"/>
+      </a:schemeClr>
+    </dgm:fillClrLst>
+    <dgm:linClrLst meth="repeat">
+      <a:schemeClr val="lt1"/>
+    </dgm:linClrLst>
+    <dgm:effectClrLst/>
+    <dgm:txLinClrLst/>
+    <dgm:txFillClrLst meth="repeat">
+      <a:schemeClr val="lt1"/>
+    </dgm:txFillClrLst>
+    <dgm:txEffectClrLst/>
+  </dgm:styleLbl>
+  <dgm:styleLbl name="sibTrans2D1">
+    <dgm:fillClrLst>
+      <a:schemeClr val="accent2"/>
+      <a:schemeClr val="accent3"/>
+    </dgm:fillClrLst>
+    <dgm:linClrLst meth="repeat">
+      <a:schemeClr val="lt1"/>
+    </dgm:linClrLst>
+    <dgm:effectClrLst/>
+    <dgm:txLinClrLst/>
+    <dgm:txFillClrLst/>
+    <dgm:txEffectClrLst/>
+  </dgm:styleLbl>
+  <dgm:styleLbl name="fgSibTrans2D1">
+    <dgm:fillClrLst>
+      <a:schemeClr val="accent2"/>
+      <a:schemeClr val="accent3"/>
+    </dgm:fillClrLst>
+    <dgm:linClrLst meth="repeat">
+      <a:schemeClr val="lt1"/>
+    </dgm:linClrLst>
+    <dgm:effectClrLst/>
+    <dgm:txLinClrLst/>
+    <dgm:txFillClrLst meth="repeat">
+      <a:schemeClr val="lt1"/>
+    </dgm:txFillClrLst>
+    <dgm:txEffectClrLst/>
+  </dgm:styleLbl>
+  <dgm:styleLbl name="bgSibTrans2D1">
+    <dgm:fillClrLst>
+      <a:schemeClr val="accent2"/>
+      <a:schemeClr val="accent3"/>
+    </dgm:fillClrLst>
+    <dgm:linClrLst meth="repeat">
+      <a:schemeClr val="lt1"/>
+    </dgm:linClrLst>
+    <dgm:effectClrLst/>
+    <dgm:txLinClrLst/>
+    <dgm:txFillClrLst meth="repeat">
+      <a:schemeClr val="lt1"/>
+    </dgm:txFillClrLst>
+    <dgm:txEffectClrLst/>
+  </dgm:styleLbl>
+  <dgm:styleLbl name="sibTrans1D1">
+    <dgm:fillClrLst/>
+    <dgm:linClrLst>
+      <a:schemeClr val="accent2"/>
+      <a:schemeClr val="accent3"/>
+    </dgm:linClrLst>
+    <dgm:effectClrLst/>
+    <dgm:txLinClrLst/>
+    <dgm:txFillClrLst meth="repeat">
+      <a:schemeClr val="tx1"/>
+    </dgm:txFillClrLst>
+    <dgm:txEffectClrLst/>
+  </dgm:styleLbl>
+  <dgm:styleLbl name="callout">
+    <dgm:fillClrLst meth="repeat">
+      <a:schemeClr val="accent2"/>
+    </dgm:fillClrLst>
+    <dgm:linClrLst meth="repeat">
+      <a:schemeClr val="accent2">
+        <a:tint val="50000"/>
+      </a:schemeClr>
+    </dgm:linClrLst>
+    <dgm:effectClrLst/>
+    <dgm:txLinClrLst/>
+    <dgm:txFillClrLst meth="repeat">
+      <a:schemeClr val="tx1"/>
+    </dgm:txFillClrLst>
+    <dgm:txEffectClrLst/>
+  </dgm:styleLbl>
+  <dgm:styleLbl name="asst0">
+    <dgm:fillClrLst meth="repeat">
+      <a:schemeClr val="accent2"/>
+    </dgm:fillClrLst>
+    <dgm:linClrLst meth="repeat">
+      <a:schemeClr val="lt1">
+        <a:shade val="80000"/>
+      </a:schemeClr>
+    </dgm:linClrLst>
+    <dgm:effectClrLst/>
+    <dgm:txLinClrLst/>
+    <dgm:txFillClrLst/>
+    <dgm:txEffectClrLst/>
+  </dgm:styleLbl>
+  <dgm:styleLbl name="asst1">
+    <dgm:fillClrLst meth="repeat">
+      <a:schemeClr val="accent3"/>
+    </dgm:fillClrLst>
+    <dgm:linClrLst meth="repeat">
+      <a:schemeClr val="lt1">
+        <a:shade val="80000"/>
+      </a:schemeClr>
+    </dgm:linClrLst>
+    <dgm:effectClrLst/>
+    <dgm:txLinClrLst/>
+    <dgm:txFillClrLst/>
+    <dgm:txEffectClrLst/>
+  </dgm:styleLbl>
+  <dgm:styleLbl name="asst2">
+    <dgm:fillClrLst>
+      <a:schemeClr val="accent4"/>
+    </dgm:fillClrLst>
+    <dgm:linClrLst meth="repeat">
+      <a:schemeClr val="lt1"/>
+    </dgm:linClrLst>
+    <dgm:effectClrLst/>
+    <dgm:txLinClrLst/>
+    <dgm:txFillClrLst/>
+    <dgm:txEffectClrLst/>
+  </dgm:styleLbl>
+  <dgm:styleLbl name="asst3">
+    <dgm:fillClrLst>
+      <a:schemeClr val="accent5"/>
+    </dgm:fillClrLst>
+    <dgm:linClrLst meth="repeat">
+      <a:schemeClr val="lt1"/>
+    </dgm:linClrLst>
+    <dgm:effectClrLst/>
+    <dgm:txLinClrLst/>
+    <dgm:txFillClrLst/>
+    <dgm:txEffectClrLst/>
+  </dgm:styleLbl>
+  <dgm:styleLbl name="asst4">
+    <dgm:fillClrLst>
+      <a:schemeClr val="accent6"/>
+    </dgm:fillClrLst>
+    <dgm:linClrLst meth="repeat">
+      <a:schemeClr val="lt1"/>
+    </dgm:linClrLst>
+    <dgm:effectClrLst/>
+    <dgm:txLinClrLst/>
+    <dgm:txFillClrLst/>
+    <dgm:txEffectClrLst/>
+  </dgm:styleLbl>
+  <dgm:styleLbl name="parChTrans2D1">
+    <dgm:fillClrLst meth="repeat">
+      <a:schemeClr val="accent2"/>
+    </dgm:fillClrLst>
+    <dgm:linClrLst meth="repeat">
+      <a:schemeClr val="lt1"/>
+    </dgm:linClrLst>
+    <dgm:effectClrLst/>
+    <dgm:txLinClrLst/>
+    <dgm:txFillClrLst meth="repeat">
+      <a:schemeClr val="lt1"/>
+    </dgm:txFillClrLst>
+    <dgm:txEffectClrLst/>
+  </dgm:styleLbl>
+  <dgm:styleLbl name="parChTrans2D2">
+    <dgm:fillClrLst meth="repeat">
+      <a:schemeClr val="accent3"/>
+    </dgm:fillClrLst>
+    <dgm:linClrLst meth="repeat">
+      <a:schemeClr val="lt1"/>
+    </dgm:linClrLst>
+    <dgm:effectClrLst/>
+    <dgm:txLinClrLst/>
+    <dgm:txFillClrLst/>
+    <dgm:txEffectClrLst/>
+  </dgm:styleLbl>
+  <dgm:styleLbl name="parChTrans2D3">
+    <dgm:fillClrLst meth="repeat">
+      <a:schemeClr val="accent4"/>
+    </dgm:fillClrLst>
+    <dgm:linClrLst meth="repeat">
+      <a:schemeClr val="lt1"/>
+    </dgm:linClrLst>
+    <dgm:effectClrLst/>
+    <dgm:txLinClrLst/>
+    <dgm:txFillClrLst/>
+    <dgm:txEffectClrLst/>
+  </dgm:styleLbl>
+  <dgm:styleLbl name="parChTrans2D4">
+    <dgm:fillClrLst meth="repeat">
+      <a:schemeClr val="accent5"/>
+    </dgm:fillClrLst>
+    <dgm:linClrLst meth="repeat">
+      <a:schemeClr val="lt1"/>
+    </dgm:linClrLst>
+    <dgm:effectClrLst/>
+    <dgm:txLinClrLst/>
+    <dgm:txFillClrLst meth="repeat">
+      <a:schemeClr val="lt1"/>
+    </dgm:txFillClrLst>
+    <dgm:txEffectClrLst/>
+  </dgm:styleLbl>
+  <dgm:styleLbl name="parChTrans1D1">
+    <dgm:fillClrLst meth="repeat">
+      <a:schemeClr val="accent2"/>
+    </dgm:fillClrLst>
+    <dgm:linClrLst meth="repeat">
+      <a:schemeClr val="accent2"/>
+    </dgm:linClrLst>
+    <dgm:effectClrLst/>
+    <dgm:txLinClrLst/>
+    <dgm:txFillClrLst meth="repeat">
+      <a:schemeClr val="tx1"/>
+    </dgm:txFillClrLst>
+    <dgm:txEffectClrLst/>
+  </dgm:styleLbl>
+  <dgm:styleLbl name="parChTrans1D2">
+    <dgm:fillClrLst meth="repeat">
+      <a:schemeClr val="accent2">
+        <a:tint val="90000"/>
+      </a:schemeClr>
+    </dgm:fillClrLst>
+    <dgm:linClrLst meth="repeat">
+      <a:schemeClr val="accent3"/>
+    </dgm:linClrLst>
+    <dgm:effectClrLst/>
+    <dgm:txLinClrLst/>
+    <dgm:txFillClrLst meth="repeat">
+      <a:schemeClr val="tx1"/>
+    </dgm:txFillClrLst>
+    <dgm:txEffectClrLst/>
+  </dgm:styleLbl>
+  <dgm:styleLbl name="parChTrans1D3">
+    <dgm:fillClrLst meth="repeat">
+      <a:schemeClr val="accent2">
+        <a:tint val="70000"/>
+      </a:schemeClr>
+    </dgm:fillClrLst>
+    <dgm:linClrLst meth="repeat">
+      <a:schemeClr val="accent4"/>
+    </dgm:linClrLst>
+    <dgm:effectClrLst/>
+    <dgm:txLinClrLst/>
+    <dgm:txFillClrLst meth="repeat">
+      <a:schemeClr val="tx1"/>
+    </dgm:txFillClrLst>
+    <dgm:txEffectClrLst/>
+  </dgm:styleLbl>
+  <dgm:styleLbl name="parChTrans1D4">
+    <dgm:fillClrLst meth="repeat">
+      <a:schemeClr val="accent2">
+        <a:tint val="50000"/>
+      </a:schemeClr>
+    </dgm:fillClrLst>
+    <dgm:linClrLst meth="repeat">
+      <a:schemeClr val="accent5"/>
+    </dgm:linClrLst>
+    <dgm:effectClrLst/>
+    <dgm:txLinClrLst/>
+    <dgm:txFillClrLst meth="repeat">
+      <a:schemeClr val="tx1"/>
+    </dgm:txFillClrLst>
+    <dgm:txEffectClrLst/>
+  </dgm:styleLbl>
+  <dgm:styleLbl name="fgAcc1">
+    <dgm:fillClrLst meth="repeat">
+      <a:schemeClr val="lt1">
+        <a:alpha val="90000"/>
+      </a:schemeClr>
+    </dgm:fillClrLst>
+    <dgm:linClrLst>
+      <a:schemeClr val="accent2"/>
+      <a:schemeClr val="accent3"/>
+    </dgm:linClrLst>
+    <dgm:effectClrLst/>
+    <dgm:txLinClrLst/>
+    <dgm:txFillClrLst meth="repeat">
+      <a:schemeClr val="dk1"/>
+    </dgm:txFillClrLst>
+    <dgm:txEffectClrLst/>
+  </dgm:styleLbl>
+  <dgm:styleLbl name="conFgAcc1">
+    <dgm:fillClrLst meth="repeat">
+      <a:schemeClr val="lt1">
+        <a:alpha val="90000"/>
+      </a:schemeClr>
+    </dgm:fillClrLst>
+    <dgm:linClrLst>
+      <a:schemeClr val="accent2"/>
+      <a:schemeClr val="accent3"/>
+    </dgm:linClrLst>
+    <dgm:effectClrLst/>
+    <dgm:txLinClrLst/>
+    <dgm:txFillClrLst meth="repeat">
+      <a:schemeClr val="dk1"/>
+    </dgm:txFillClrLst>
+    <dgm:txEffectClrLst/>
+  </dgm:styleLbl>
+  <dgm:styleLbl name="alignAcc1">
+    <dgm:fillClrLst meth="repeat">
+      <a:schemeClr val="lt1">
+        <a:alpha val="90000"/>
+      </a:schemeClr>
+    </dgm:fillClrLst>
+    <dgm:linClrLst>
+      <a:schemeClr val="accent2"/>
+      <a:schemeClr val="accent3"/>
+    </dgm:linClrLst>
+    <dgm:effectClrLst/>
+    <dgm:txLinClrLst/>
+    <dgm:txFillClrLst meth="repeat">
+      <a:schemeClr val="dk1"/>
+    </dgm:txFillClrLst>
+    <dgm:txEffectClrLst/>
+  </dgm:styleLbl>
+  <dgm:styleLbl name="trAlignAcc1">
+    <dgm:fillClrLst meth="repeat">
+      <a:schemeClr val="lt1">
+        <a:alpha val="40000"/>
+      </a:schemeClr>
+    </dgm:fillClrLst>
+    <dgm:linClrLst meth="repeat">
+      <a:schemeClr val="accent2"/>
+    </dgm:linClrLst>
+    <dgm:effectClrLst/>
+    <dgm:txLinClrLst/>
+    <dgm:txFillClrLst meth="repeat">
+      <a:schemeClr val="dk1"/>
+    </dgm:txFillClrLst>
+    <dgm:txEffectClrLst/>
+  </dgm:styleLbl>
+  <dgm:styleLbl name="bgAcc1">
+    <dgm:fillClrLst meth="repeat">
+      <a:schemeClr val="lt1">
+        <a:alpha val="90000"/>
+      </a:schemeClr>
+    </dgm:fillClrLst>
+    <dgm:linClrLst>
+      <a:schemeClr val="accent2"/>
+      <a:schemeClr val="accent3"/>
+    </dgm:linClrLst>
+    <dgm:effectClrLst/>
+    <dgm:txLinClrLst/>
+    <dgm:txFillClrLst meth="repeat">
+      <a:schemeClr val="dk1"/>
+    </dgm:txFillClrLst>
+    <dgm:txEffectClrLst/>
+  </dgm:styleLbl>
+  <dgm:styleLbl name="solidFgAcc1">
+    <dgm:fillClrLst meth="repeat">
+      <a:schemeClr val="lt1"/>
+    </dgm:fillClrLst>
+    <dgm:linClrLst>
+      <a:schemeClr val="accent2"/>
+      <a:schemeClr val="accent3"/>
+    </dgm:linClrLst>
+    <dgm:effectClrLst/>
+    <dgm:txLinClrLst/>
+    <dgm:txFillClrLst meth="repeat">
+      <a:schemeClr val="dk1"/>
+    </dgm:txFillClrLst>
+    <dgm:txEffectClrLst/>
+  </dgm:styleLbl>
+  <dgm:styleLbl name="solidAlignAcc1">
+    <dgm:fillClrLst meth="repeat">
+      <a:schemeClr val="lt1"/>
+    </dgm:fillClrLst>
+    <dgm:linClrLst>
+      <a:schemeClr val="accent2"/>
+      <a:schemeClr val="accent3"/>
+    </dgm:linClrLst>
+    <dgm:effectClrLst/>
+    <dgm:txLinClrLst/>
+    <dgm:txFillClrLst meth="repeat">
+      <a:schemeClr val="dk1"/>
+    </dgm:txFillClrLst>
+    <dgm:txEffectClrLst/>
+  </dgm:styleLbl>
+  <dgm:styleLbl name="solidBgAcc1">
+    <dgm:fillClrLst meth="repeat">
+      <a:schemeClr val="lt1"/>
+    </dgm:fillClrLst>
+    <dgm:linClrLst>
+      <a:schemeClr val="accent2"/>
+      <a:schemeClr val="accent3"/>
+    </dgm:linClrLst>
+    <dgm:effectClrLst/>
+    <dgm:txLinClrLst/>
+    <dgm:txFillClrLst meth="repeat">
+      <a:schemeClr val="dk1"/>
+    </dgm:txFillClrLst>
+    <dgm:txEffectClrLst/>
+  </dgm:styleLbl>
+  <dgm:styleLbl name="fgAccFollowNode1">
+    <dgm:fillClrLst>
+      <a:schemeClr val="accent2">
+        <a:tint val="40000"/>
+        <a:alpha val="90000"/>
+      </a:schemeClr>
+      <a:schemeClr val="accent3">
+        <a:tint val="40000"/>
+        <a:alpha val="90000"/>
+      </a:schemeClr>
+    </dgm:fillClrLst>
+    <dgm:linClrLst>
+      <a:schemeClr val="accent2">
+        <a:tint val="40000"/>
+        <a:alpha val="90000"/>
+      </a:schemeClr>
+      <a:schemeClr val="accent3">
+        <a:tint val="40000"/>
+        <a:alpha val="90000"/>
+      </a:schemeClr>
+    </dgm:linClrLst>
+    <dgm:effectClrLst/>
+    <dgm:txLinClrLst/>
+    <dgm:txFillClrLst meth="repeat">
+      <a:schemeClr val="dk1"/>
+    </dgm:txFillClrLst>
+    <dgm:txEffectClrLst/>
+  </dgm:styleLbl>
+  <dgm:styleLbl name="alignAccFollowNode1">
+    <dgm:fillClrLst>
+      <a:schemeClr val="accent2">
+        <a:tint val="40000"/>
+        <a:alpha val="90000"/>
+      </a:schemeClr>
+      <a:schemeClr val="accent3">
+        <a:tint val="40000"/>
+        <a:alpha val="90000"/>
+      </a:schemeClr>
+    </dgm:fillClrLst>
+    <dgm:linClrLst>
+      <a:schemeClr val="accent2">
+        <a:tint val="40000"/>
+        <a:alpha val="90000"/>
+      </a:schemeClr>
+      <a:schemeClr val="accent3">
+        <a:tint val="40000"/>
+        <a:alpha val="90000"/>
+      </a:schemeClr>
+    </dgm:linClrLst>
+    <dgm:effectClrLst/>
+    <dgm:txLinClrLst/>
+    <dgm:txFillClrLst meth="repeat">
+      <a:schemeClr val="dk1"/>
+    </dgm:txFillClrLst>
+    <dgm:txEffectClrLst/>
+  </dgm:styleLbl>
+  <dgm:styleLbl name="bgAccFollowNode1">
+    <dgm:fillClrLst>
+      <a:schemeClr val="accent2">
+        <a:tint val="40000"/>
+        <a:alpha val="90000"/>
+      </a:schemeClr>
+      <a:schemeClr val="accent3">
+        <a:tint val="40000"/>
+        <a:alpha val="90000"/>
+      </a:schemeClr>
+    </dgm:fillClrLst>
+    <dgm:linClrLst>
+      <a:schemeClr val="accent2">
+        <a:tint val="40000"/>
+        <a:alpha val="90000"/>
+      </a:schemeClr>
+      <a:schemeClr val="accent3">
+        <a:tint val="40000"/>
+        <a:alpha val="90000"/>
+      </a:schemeClr>
+    </dgm:linClrLst>
+    <dgm:effectClrLst/>
+    <dgm:txLinClrLst/>
+    <dgm:txFillClrLst meth="repeat">
+      <a:schemeClr val="dk1"/>
+    </dgm:txFillClrLst>
+    <dgm:txEffectClrLst/>
+  </dgm:styleLbl>
+  <dgm:styleLbl name="fgAcc0">
+    <dgm:fillClrLst meth="repeat">
+      <a:schemeClr val="lt1">
+        <a:alpha val="90000"/>
+      </a:schemeClr>
+    </dgm:fillClrLst>
+    <dgm:linClrLst>
+      <a:schemeClr val="accent1"/>
+    </dgm:linClrLst>
+    <dgm:effectClrLst/>
+    <dgm:txLinClrLst/>
+    <dgm:txFillClrLst meth="repeat">
+      <a:schemeClr val="dk1"/>
+    </dgm:txFillClrLst>
+    <dgm:txEffectClrLst/>
+  </dgm:styleLbl>
+  <dgm:styleLbl name="fgAcc2">
+    <dgm:fillClrLst meth="repeat">
+      <a:schemeClr val="lt1">
+        <a:alpha val="90000"/>
+      </a:schemeClr>
+    </dgm:fillClrLst>
+    <dgm:linClrLst>
+      <a:schemeClr val="accent3"/>
+    </dgm:linClrLst>
+    <dgm:effectClrLst/>
+    <dgm:txLinClrLst/>
+    <dgm:txFillClrLst meth="repeat">
+      <a:schemeClr val="dk1"/>
+    </dgm:txFillClrLst>
+    <dgm:txEffectClrLst/>
+  </dgm:styleLbl>
+  <dgm:styleLbl name="fgAcc3">
+    <dgm:fillClrLst meth="repeat">
+      <a:schemeClr val="lt1">
+        <a:alpha val="90000"/>
+      </a:schemeClr>
+    </dgm:fillClrLst>
+    <dgm:linClrLst>
+      <a:schemeClr val="accent4"/>
+    </dgm:linClrLst>
+    <dgm:effectClrLst/>
+    <dgm:txLinClrLst/>
+    <dgm:txFillClrLst meth="repeat">
+      <a:schemeClr val="dk1"/>
+    </dgm:txFillClrLst>
+    <dgm:txEffectClrLst/>
+  </dgm:styleLbl>
+  <dgm:styleLbl name="fgAcc4">
+    <dgm:fillClrLst meth="repeat">
+      <a:schemeClr val="lt1">
+        <a:alpha val="90000"/>
+      </a:schemeClr>
+    </dgm:fillClrLst>
+    <dgm:linClrLst>
+      <a:schemeClr val="accent5"/>
+    </dgm:linClrLst>
+    <dgm:effectClrLst/>
+    <dgm:txLinClrLst/>
+    <dgm:txFillClrLst meth="repeat">
+      <a:schemeClr val="dk1"/>
+    </dgm:txFillClrLst>
+    <dgm:txEffectClrLst/>
+  </dgm:styleLbl>
+  <dgm:styleLbl name="bgShp">
+    <dgm:fillClrLst meth="repeat">
+      <a:schemeClr val="accent2">
+        <a:tint val="40000"/>
+      </a:schemeClr>
+    </dgm:fillClrLst>
+    <dgm:linClrLst meth="repeat">
+      <a:schemeClr val="dk1"/>
+    </dgm:linClrLst>
+    <dgm:effectClrLst/>
+    <dgm:txLinClrLst/>
+    <dgm:txFillClrLst meth="repeat">
+      <a:schemeClr val="dk1"/>
+    </dgm:txFillClrLst>
+    <dgm:txEffectClrLst/>
+  </dgm:styleLbl>
+  <dgm:styleLbl name="dkBgShp">
+    <dgm:fillClrLst meth="repeat">
+      <a:schemeClr val="accent2">
+        <a:shade val="90000"/>
+      </a:schemeClr>
+    </dgm:fillClrLst>
+    <dgm:linClrLst meth="repeat">
+      <a:schemeClr val="dk1"/>
+    </dgm:linClrLst>
+    <dgm:effectClrLst/>
+    <dgm:txLinClrLst/>
+    <dgm:txFillClrLst meth="repeat">
+      <a:schemeClr val="lt1"/>
+    </dgm:txFillClrLst>
+    <dgm:txEffectClrLst/>
+  </dgm:styleLbl>
+  <dgm:styleLbl name="trBgShp">
+    <dgm:fillClrLst meth="repeat">
+      <a:schemeClr val="accent2">
+        <a:tint val="50000"/>
+        <a:alpha val="40000"/>
+      </a:schemeClr>
+    </dgm:fillClrLst>
+    <dgm:linClrLst meth="repeat">
+      <a:schemeClr val="accent2"/>
+    </dgm:linClrLst>
+    <dgm:effectClrLst/>
+    <dgm:txLinClrLst/>
+    <dgm:txFillClrLst meth="repeat">
+      <a:schemeClr val="lt1"/>
+    </dgm:txFillClrLst>
+    <dgm:txEffectClrLst/>
+  </dgm:styleLbl>
+  <dgm:styleLbl name="fgShp">
+    <dgm:fillClrLst meth="repeat">
+      <a:schemeClr val="accent2">
+        <a:tint val="40000"/>
+      </a:schemeClr>
+    </dgm:fillClrLst>
+    <dgm:linClrLst meth="repeat">
+      <a:schemeClr val="lt1"/>
+    </dgm:linClrLst>
+    <dgm:effectClrLst/>
+    <dgm:txLinClrLst/>
+    <dgm:txFillClrLst meth="repeat">
+      <a:schemeClr val="dk1"/>
+    </dgm:txFillClrLst>
+    <dgm:txEffectClrLst/>
+  </dgm:styleLbl>
+  <dgm:styleLbl name="revTx">
+    <dgm:fillClrLst meth="repeat">
+      <a:schemeClr val="lt1">
+        <a:alpha val="0"/>
+      </a:schemeClr>
+    </dgm:fillClrLst>
+    <dgm:linClrLst meth="repeat">
+      <a:schemeClr val="dk1">
+        <a:alpha val="0"/>
+      </a:schemeClr>
+    </dgm:linClrLst>
+    <dgm:effectClrLst/>
+    <dgm:txLinClrLst/>
+    <dgm:txFillClrLst meth="repeat">
+      <a:schemeClr val="tx1"/>
+    </dgm:txFillClrLst>
+    <dgm:txEffectClrLst/>
+  </dgm:styleLbl>
+</dgm:colorsDef>
+</file>
+
+<file path=ppt/diagrams/data1.xml><?xml version="1.0" encoding="utf-8"?>
+<dgm:dataModel xmlns:dgm="http://schemas.openxmlformats.org/drawingml/2006/diagram" xmlns:a="http://schemas.openxmlformats.org/drawingml/2006/main">
+  <dgm:ptLst>
+    <dgm:pt modelId="{EC573B4D-B508-4CEC-A586-729128CC9501}" type="doc">
+      <dgm:prSet loTypeId="urn:microsoft.com/office/officeart/2005/8/layout/hierarchy1" loCatId="hierarchy" qsTypeId="urn:microsoft.com/office/officeart/2005/8/quickstyle/simple1" qsCatId="simple" csTypeId="urn:microsoft.com/office/officeart/2005/8/colors/colorful2" csCatId="colorful"/>
+      <dgm:spPr/>
+      <dgm:t>
+        <a:bodyPr/>
+        <a:lstStyle/>
+        <a:p>
+          <a:endParaRPr lang="en-US"/>
+        </a:p>
+      </dgm:t>
+    </dgm:pt>
+    <dgm:pt modelId="{D88AE0D1-7199-4F86-9AC6-0C8441118F4C}">
+      <dgm:prSet/>
+      <dgm:spPr/>
+      <dgm:t>
+        <a:bodyPr/>
+        <a:lstStyle/>
+        <a:p>
+          <a:r>
+            <a:rPr lang="en-US"/>
+            <a:t>- Integrar bibliotecas</a:t>
+          </a:r>
+        </a:p>
+      </dgm:t>
+    </dgm:pt>
+    <dgm:pt modelId="{B98B30F8-699D-48E2-89AD-263531443B9C}" type="parTrans" cxnId="{E34E7AC8-9D42-4D6B-AB7D-FC47F5317068}">
+      <dgm:prSet/>
+      <dgm:spPr/>
+      <dgm:t>
+        <a:bodyPr/>
+        <a:lstStyle/>
+        <a:p>
+          <a:endParaRPr lang="en-US"/>
+        </a:p>
+      </dgm:t>
+    </dgm:pt>
+    <dgm:pt modelId="{380F8C0A-0159-42C0-992B-C521C82AC96B}" type="sibTrans" cxnId="{E34E7AC8-9D42-4D6B-AB7D-FC47F5317068}">
+      <dgm:prSet/>
+      <dgm:spPr/>
+      <dgm:t>
+        <a:bodyPr/>
+        <a:lstStyle/>
+        <a:p>
+          <a:endParaRPr lang="en-US"/>
+        </a:p>
+      </dgm:t>
+    </dgm:pt>
+    <dgm:pt modelId="{685A950C-F3ED-4605-8AAC-EC28651A4715}">
+      <dgm:prSet/>
+      <dgm:spPr/>
+      <dgm:t>
+        <a:bodyPr/>
+        <a:lstStyle/>
+        <a:p>
+          <a:r>
+            <a:rPr lang="en-US"/>
+            <a:t>- Aplicar em estudo de caso</a:t>
+          </a:r>
+        </a:p>
+      </dgm:t>
+    </dgm:pt>
+    <dgm:pt modelId="{BC7889AA-5E81-4DDC-B771-FDEED2284BA1}" type="parTrans" cxnId="{99CA250B-E00E-4B5A-BF83-A3D8AB4E0569}">
+      <dgm:prSet/>
+      <dgm:spPr/>
+      <dgm:t>
+        <a:bodyPr/>
+        <a:lstStyle/>
+        <a:p>
+          <a:endParaRPr lang="en-US"/>
+        </a:p>
+      </dgm:t>
+    </dgm:pt>
+    <dgm:pt modelId="{E0D9EC2B-110D-4D07-95BF-4E8AE1A3BF31}" type="sibTrans" cxnId="{99CA250B-E00E-4B5A-BF83-A3D8AB4E0569}">
+      <dgm:prSet/>
+      <dgm:spPr/>
+      <dgm:t>
+        <a:bodyPr/>
+        <a:lstStyle/>
+        <a:p>
+          <a:endParaRPr lang="en-US"/>
+        </a:p>
+      </dgm:t>
+    </dgm:pt>
+    <dgm:pt modelId="{7281B813-8194-4D4D-AF01-625B4B83AA8A}" type="pres">
+      <dgm:prSet presAssocID="{EC573B4D-B508-4CEC-A586-729128CC9501}" presName="hierChild1" presStyleCnt="0">
+        <dgm:presLayoutVars>
+          <dgm:chPref val="1"/>
+          <dgm:dir/>
+          <dgm:animOne val="branch"/>
+          <dgm:animLvl val="lvl"/>
+          <dgm:resizeHandles/>
+        </dgm:presLayoutVars>
+      </dgm:prSet>
+      <dgm:spPr/>
+    </dgm:pt>
+    <dgm:pt modelId="{A0B90945-D517-4697-878D-984B7E67279F}" type="pres">
+      <dgm:prSet presAssocID="{D88AE0D1-7199-4F86-9AC6-0C8441118F4C}" presName="hierRoot1" presStyleCnt="0"/>
+      <dgm:spPr/>
+    </dgm:pt>
+    <dgm:pt modelId="{69E65C2E-1A04-4A2F-9CC3-8708FEC452F8}" type="pres">
+      <dgm:prSet presAssocID="{D88AE0D1-7199-4F86-9AC6-0C8441118F4C}" presName="composite" presStyleCnt="0"/>
+      <dgm:spPr/>
+    </dgm:pt>
+    <dgm:pt modelId="{51FFFA0C-09B0-43DA-B05A-261F167E0948}" type="pres">
+      <dgm:prSet presAssocID="{D88AE0D1-7199-4F86-9AC6-0C8441118F4C}" presName="background" presStyleLbl="node0" presStyleIdx="0" presStyleCnt="2"/>
+      <dgm:spPr/>
+    </dgm:pt>
+    <dgm:pt modelId="{DD29044C-D6EC-4E94-8862-78F9A374C279}" type="pres">
+      <dgm:prSet presAssocID="{D88AE0D1-7199-4F86-9AC6-0C8441118F4C}" presName="text" presStyleLbl="fgAcc0" presStyleIdx="0" presStyleCnt="2">
+        <dgm:presLayoutVars>
+          <dgm:chPref val="3"/>
+        </dgm:presLayoutVars>
+      </dgm:prSet>
+      <dgm:spPr/>
+    </dgm:pt>
+    <dgm:pt modelId="{AAC56CE2-43CB-431E-999E-2FFB043D4F5B}" type="pres">
+      <dgm:prSet presAssocID="{D88AE0D1-7199-4F86-9AC6-0C8441118F4C}" presName="hierChild2" presStyleCnt="0"/>
+      <dgm:spPr/>
+    </dgm:pt>
+    <dgm:pt modelId="{04FA7BD7-85F4-4B03-A763-17906BB43A7F}" type="pres">
+      <dgm:prSet presAssocID="{685A950C-F3ED-4605-8AAC-EC28651A4715}" presName="hierRoot1" presStyleCnt="0"/>
+      <dgm:spPr/>
+    </dgm:pt>
+    <dgm:pt modelId="{724B01EC-8959-4135-93AA-433A32C8FEF9}" type="pres">
+      <dgm:prSet presAssocID="{685A950C-F3ED-4605-8AAC-EC28651A4715}" presName="composite" presStyleCnt="0"/>
+      <dgm:spPr/>
+    </dgm:pt>
+    <dgm:pt modelId="{E12F96F1-14A2-44E4-ACD9-30CFE996C438}" type="pres">
+      <dgm:prSet presAssocID="{685A950C-F3ED-4605-8AAC-EC28651A4715}" presName="background" presStyleLbl="node0" presStyleIdx="1" presStyleCnt="2"/>
+      <dgm:spPr/>
+    </dgm:pt>
+    <dgm:pt modelId="{96C46602-281C-47A3-B401-B78C23F73C22}" type="pres">
+      <dgm:prSet presAssocID="{685A950C-F3ED-4605-8AAC-EC28651A4715}" presName="text" presStyleLbl="fgAcc0" presStyleIdx="1" presStyleCnt="2">
+        <dgm:presLayoutVars>
+          <dgm:chPref val="3"/>
+        </dgm:presLayoutVars>
+      </dgm:prSet>
+      <dgm:spPr/>
+    </dgm:pt>
+    <dgm:pt modelId="{FC819B37-37C6-44E1-8B07-A3B76D888B6A}" type="pres">
+      <dgm:prSet presAssocID="{685A950C-F3ED-4605-8AAC-EC28651A4715}" presName="hierChild2" presStyleCnt="0"/>
+      <dgm:spPr/>
+    </dgm:pt>
+  </dgm:ptLst>
+  <dgm:cxnLst>
+    <dgm:cxn modelId="{99CA250B-E00E-4B5A-BF83-A3D8AB4E0569}" srcId="{EC573B4D-B508-4CEC-A586-729128CC9501}" destId="{685A950C-F3ED-4605-8AAC-EC28651A4715}" srcOrd="1" destOrd="0" parTransId="{BC7889AA-5E81-4DDC-B771-FDEED2284BA1}" sibTransId="{E0D9EC2B-110D-4D07-95BF-4E8AE1A3BF31}"/>
+    <dgm:cxn modelId="{25BC0889-3238-493D-B9A1-9C2D237D0C99}" type="presOf" srcId="{685A950C-F3ED-4605-8AAC-EC28651A4715}" destId="{96C46602-281C-47A3-B401-B78C23F73C22}" srcOrd="0" destOrd="0" presId="urn:microsoft.com/office/officeart/2005/8/layout/hierarchy1"/>
+    <dgm:cxn modelId="{FA7F679E-2854-4D3F-AF57-1B7C874B6CC0}" type="presOf" srcId="{D88AE0D1-7199-4F86-9AC6-0C8441118F4C}" destId="{DD29044C-D6EC-4E94-8862-78F9A374C279}" srcOrd="0" destOrd="0" presId="urn:microsoft.com/office/officeart/2005/8/layout/hierarchy1"/>
+    <dgm:cxn modelId="{E34E7AC8-9D42-4D6B-AB7D-FC47F5317068}" srcId="{EC573B4D-B508-4CEC-A586-729128CC9501}" destId="{D88AE0D1-7199-4F86-9AC6-0C8441118F4C}" srcOrd="0" destOrd="0" parTransId="{B98B30F8-699D-48E2-89AD-263531443B9C}" sibTransId="{380F8C0A-0159-42C0-992B-C521C82AC96B}"/>
+    <dgm:cxn modelId="{4A1A77FD-7AA4-4658-835A-AE49EBB63D27}" type="presOf" srcId="{EC573B4D-B508-4CEC-A586-729128CC9501}" destId="{7281B813-8194-4D4D-AF01-625B4B83AA8A}" srcOrd="0" destOrd="0" presId="urn:microsoft.com/office/officeart/2005/8/layout/hierarchy1"/>
+    <dgm:cxn modelId="{FBF4B98F-59B2-454B-A46D-CA28F3C634DA}" type="presParOf" srcId="{7281B813-8194-4D4D-AF01-625B4B83AA8A}" destId="{A0B90945-D517-4697-878D-984B7E67279F}" srcOrd="0" destOrd="0" presId="urn:microsoft.com/office/officeart/2005/8/layout/hierarchy1"/>
+    <dgm:cxn modelId="{2AF84C0D-FD22-4CC6-9D62-BB6FEAB1F191}" type="presParOf" srcId="{A0B90945-D517-4697-878D-984B7E67279F}" destId="{69E65C2E-1A04-4A2F-9CC3-8708FEC452F8}" srcOrd="0" destOrd="0" presId="urn:microsoft.com/office/officeart/2005/8/layout/hierarchy1"/>
+    <dgm:cxn modelId="{A2CED447-EEC2-41F5-82AB-091956847980}" type="presParOf" srcId="{69E65C2E-1A04-4A2F-9CC3-8708FEC452F8}" destId="{51FFFA0C-09B0-43DA-B05A-261F167E0948}" srcOrd="0" destOrd="0" presId="urn:microsoft.com/office/officeart/2005/8/layout/hierarchy1"/>
+    <dgm:cxn modelId="{A085E752-2B97-4ED1-A0B9-5443C91DCD68}" type="presParOf" srcId="{69E65C2E-1A04-4A2F-9CC3-8708FEC452F8}" destId="{DD29044C-D6EC-4E94-8862-78F9A374C279}" srcOrd="1" destOrd="0" presId="urn:microsoft.com/office/officeart/2005/8/layout/hierarchy1"/>
+    <dgm:cxn modelId="{84512737-4FD3-4670-8122-33A785A76BF6}" type="presParOf" srcId="{A0B90945-D517-4697-878D-984B7E67279F}" destId="{AAC56CE2-43CB-431E-999E-2FFB043D4F5B}" srcOrd="1" destOrd="0" presId="urn:microsoft.com/office/officeart/2005/8/layout/hierarchy1"/>
+    <dgm:cxn modelId="{23454E68-E4A7-4410-B8A0-1E392E372A02}" type="presParOf" srcId="{7281B813-8194-4D4D-AF01-625B4B83AA8A}" destId="{04FA7BD7-85F4-4B03-A763-17906BB43A7F}" srcOrd="1" destOrd="0" presId="urn:microsoft.com/office/officeart/2005/8/layout/hierarchy1"/>
+    <dgm:cxn modelId="{59AEEC12-A581-4568-B10B-087A3A7A6AB8}" type="presParOf" srcId="{04FA7BD7-85F4-4B03-A763-17906BB43A7F}" destId="{724B01EC-8959-4135-93AA-433A32C8FEF9}" srcOrd="0" destOrd="0" presId="urn:microsoft.com/office/officeart/2005/8/layout/hierarchy1"/>
+    <dgm:cxn modelId="{120A2498-3798-4206-9F76-38F6347AA0F9}" type="presParOf" srcId="{724B01EC-8959-4135-93AA-433A32C8FEF9}" destId="{E12F96F1-14A2-44E4-ACD9-30CFE996C438}" srcOrd="0" destOrd="0" presId="urn:microsoft.com/office/officeart/2005/8/layout/hierarchy1"/>
+    <dgm:cxn modelId="{3BF1C3F4-D975-4D5D-AF32-07A5B69FC49B}" type="presParOf" srcId="{724B01EC-8959-4135-93AA-433A32C8FEF9}" destId="{96C46602-281C-47A3-B401-B78C23F73C22}" srcOrd="1" destOrd="0" presId="urn:microsoft.com/office/officeart/2005/8/layout/hierarchy1"/>
+    <dgm:cxn modelId="{E1F08283-1320-477C-AC59-E53739F321F4}" type="presParOf" srcId="{04FA7BD7-85F4-4B03-A763-17906BB43A7F}" destId="{FC819B37-37C6-44E1-8B07-A3B76D888B6A}" srcOrd="1" destOrd="0" presId="urn:microsoft.com/office/officeart/2005/8/layout/hierarchy1"/>
+  </dgm:cxnLst>
+  <dgm:bg/>
+  <dgm:whole/>
+  <dgm:extLst>
+    <a:ext uri="http://schemas.microsoft.com/office/drawing/2008/diagram">
+      <dsp:dataModelExt xmlns:dsp="http://schemas.microsoft.com/office/drawing/2008/diagram" relId="rId6" minVer="http://schemas.openxmlformats.org/drawingml/2006/diagram"/>
+    </a:ext>
+  </dgm:extLst>
+</dgm:dataModel>
+</file>
+
+<file path=ppt/diagrams/drawing1.xml><?xml version="1.0" encoding="utf-8"?>
+<dsp:drawing xmlns:dgm="http://schemas.openxmlformats.org/drawingml/2006/diagram" xmlns:dsp="http://schemas.microsoft.com/office/drawing/2008/diagram" xmlns:a="http://schemas.openxmlformats.org/drawingml/2006/main">
+  <dsp:spTree>
+    <dsp:nvGrpSpPr>
+      <dsp:cNvPr id="0" name=""/>
+      <dsp:cNvGrpSpPr/>
+    </dsp:nvGrpSpPr>
+    <dsp:grpSpPr/>
+    <dsp:sp modelId="{51FFFA0C-09B0-43DA-B05A-261F167E0948}">
+      <dsp:nvSpPr>
+        <dsp:cNvPr id="0" name=""/>
+        <dsp:cNvSpPr/>
+      </dsp:nvSpPr>
+      <dsp:spPr>
+        <a:xfrm>
+          <a:off x="1000" y="544413"/>
+          <a:ext cx="3511658" cy="2229903"/>
+        </a:xfrm>
+        <a:prstGeom prst="roundRect">
+          <a:avLst>
+            <a:gd name="adj" fmla="val 10000"/>
+          </a:avLst>
+        </a:prstGeom>
+        <a:solidFill>
+          <a:schemeClr val="accent1">
+            <a:hueOff val="0"/>
+            <a:satOff val="0"/>
+            <a:lumOff val="0"/>
+            <a:alphaOff val="0"/>
+          </a:schemeClr>
+        </a:solidFill>
+        <a:ln w="25400" cap="flat" cmpd="sng" algn="ctr">
+          <a:solidFill>
+            <a:schemeClr val="lt1">
+              <a:hueOff val="0"/>
+              <a:satOff val="0"/>
+              <a:lumOff val="0"/>
+              <a:alphaOff val="0"/>
+            </a:schemeClr>
+          </a:solidFill>
+          <a:prstDash val="solid"/>
+        </a:ln>
+        <a:effectLst/>
+      </dsp:spPr>
+      <dsp:style>
+        <a:lnRef idx="2">
+          <a:scrgbClr r="0" g="0" b="0"/>
+        </a:lnRef>
+        <a:fillRef idx="1">
+          <a:scrgbClr r="0" g="0" b="0"/>
+        </a:fillRef>
+        <a:effectRef idx="0">
+          <a:scrgbClr r="0" g="0" b="0"/>
+        </a:effectRef>
+        <a:fontRef idx="minor">
+          <a:schemeClr val="lt1"/>
+        </a:fontRef>
+      </dsp:style>
+    </dsp:sp>
+    <dsp:sp modelId="{DD29044C-D6EC-4E94-8862-78F9A374C279}">
+      <dsp:nvSpPr>
+        <dsp:cNvPr id="0" name=""/>
+        <dsp:cNvSpPr/>
+      </dsp:nvSpPr>
+      <dsp:spPr>
+        <a:xfrm>
+          <a:off x="391184" y="915088"/>
+          <a:ext cx="3511658" cy="2229903"/>
+        </a:xfrm>
+        <a:prstGeom prst="roundRect">
+          <a:avLst>
+            <a:gd name="adj" fmla="val 10000"/>
+          </a:avLst>
+        </a:prstGeom>
+        <a:solidFill>
+          <a:schemeClr val="lt1">
+            <a:alpha val="90000"/>
+            <a:hueOff val="0"/>
+            <a:satOff val="0"/>
+            <a:lumOff val="0"/>
+            <a:alphaOff val="0"/>
+          </a:schemeClr>
+        </a:solidFill>
+        <a:ln w="25400" cap="flat" cmpd="sng" algn="ctr">
+          <a:solidFill>
+            <a:schemeClr val="accent1">
+              <a:hueOff val="0"/>
+              <a:satOff val="0"/>
+              <a:lumOff val="0"/>
+              <a:alphaOff val="0"/>
+            </a:schemeClr>
+          </a:solidFill>
+          <a:prstDash val="solid"/>
+        </a:ln>
+        <a:effectLst/>
+      </dsp:spPr>
+      <dsp:style>
+        <a:lnRef idx="2">
+          <a:scrgbClr r="0" g="0" b="0"/>
+        </a:lnRef>
+        <a:fillRef idx="1">
+          <a:scrgbClr r="0" g="0" b="0"/>
+        </a:fillRef>
+        <a:effectRef idx="0">
+          <a:scrgbClr r="0" g="0" b="0"/>
+        </a:effectRef>
+        <a:fontRef idx="minor"/>
+      </dsp:style>
+      <dsp:txBody>
+        <a:bodyPr spcFirstLastPara="0" vert="horz" wrap="square" lIns="160020" tIns="160020" rIns="160020" bIns="160020" numCol="1" spcCol="1270" anchor="ctr" anchorCtr="0">
+          <a:noAutofit/>
+        </a:bodyPr>
+        <a:lstStyle/>
+        <a:p>
+          <a:pPr marL="0" lvl="0" indent="0" algn="ctr" defTabSz="1866900">
+            <a:lnSpc>
+              <a:spcPct val="90000"/>
+            </a:lnSpc>
+            <a:spcBef>
+              <a:spcPct val="0"/>
+            </a:spcBef>
+            <a:spcAft>
+              <a:spcPct val="35000"/>
+            </a:spcAft>
+            <a:buNone/>
+          </a:pPr>
+          <a:r>
+            <a:rPr lang="en-US" sz="4200" kern="1200"/>
+            <a:t>- Integrar bibliotecas</a:t>
+          </a:r>
+        </a:p>
+      </dsp:txBody>
+      <dsp:txXfrm>
+        <a:off x="456496" y="980400"/>
+        <a:ext cx="3381034" cy="2099279"/>
+      </dsp:txXfrm>
+    </dsp:sp>
+    <dsp:sp modelId="{E12F96F1-14A2-44E4-ACD9-30CFE996C438}">
+      <dsp:nvSpPr>
+        <dsp:cNvPr id="0" name=""/>
+        <dsp:cNvSpPr/>
+      </dsp:nvSpPr>
+      <dsp:spPr>
+        <a:xfrm>
+          <a:off x="4293027" y="544413"/>
+          <a:ext cx="3511658" cy="2229903"/>
+        </a:xfrm>
+        <a:prstGeom prst="roundRect">
+          <a:avLst>
+            <a:gd name="adj" fmla="val 10000"/>
+          </a:avLst>
+        </a:prstGeom>
+        <a:solidFill>
+          <a:schemeClr val="accent1">
+            <a:hueOff val="0"/>
+            <a:satOff val="0"/>
+            <a:lumOff val="0"/>
+            <a:alphaOff val="0"/>
+          </a:schemeClr>
+        </a:solidFill>
+        <a:ln w="25400" cap="flat" cmpd="sng" algn="ctr">
+          <a:solidFill>
+            <a:schemeClr val="lt1">
+              <a:hueOff val="0"/>
+              <a:satOff val="0"/>
+              <a:lumOff val="0"/>
+              <a:alphaOff val="0"/>
+            </a:schemeClr>
+          </a:solidFill>
+          <a:prstDash val="solid"/>
+        </a:ln>
+        <a:effectLst/>
+      </dsp:spPr>
+      <dsp:style>
+        <a:lnRef idx="2">
+          <a:scrgbClr r="0" g="0" b="0"/>
+        </a:lnRef>
+        <a:fillRef idx="1">
+          <a:scrgbClr r="0" g="0" b="0"/>
+        </a:fillRef>
+        <a:effectRef idx="0">
+          <a:scrgbClr r="0" g="0" b="0"/>
+        </a:effectRef>
+        <a:fontRef idx="minor">
+          <a:schemeClr val="lt1"/>
+        </a:fontRef>
+      </dsp:style>
+    </dsp:sp>
+    <dsp:sp modelId="{96C46602-281C-47A3-B401-B78C23F73C22}">
+      <dsp:nvSpPr>
+        <dsp:cNvPr id="0" name=""/>
+        <dsp:cNvSpPr/>
+      </dsp:nvSpPr>
+      <dsp:spPr>
+        <a:xfrm>
+          <a:off x="4683211" y="915088"/>
+          <a:ext cx="3511658" cy="2229903"/>
+        </a:xfrm>
+        <a:prstGeom prst="roundRect">
+          <a:avLst>
+            <a:gd name="adj" fmla="val 10000"/>
+          </a:avLst>
+        </a:prstGeom>
+        <a:solidFill>
+          <a:schemeClr val="lt1">
+            <a:alpha val="90000"/>
+            <a:hueOff val="0"/>
+            <a:satOff val="0"/>
+            <a:lumOff val="0"/>
+            <a:alphaOff val="0"/>
+          </a:schemeClr>
+        </a:solidFill>
+        <a:ln w="25400" cap="flat" cmpd="sng" algn="ctr">
+          <a:solidFill>
+            <a:schemeClr val="accent1">
+              <a:hueOff val="0"/>
+              <a:satOff val="0"/>
+              <a:lumOff val="0"/>
+              <a:alphaOff val="0"/>
+            </a:schemeClr>
+          </a:solidFill>
+          <a:prstDash val="solid"/>
+        </a:ln>
+        <a:effectLst/>
+      </dsp:spPr>
+      <dsp:style>
+        <a:lnRef idx="2">
+          <a:scrgbClr r="0" g="0" b="0"/>
+        </a:lnRef>
+        <a:fillRef idx="1">
+          <a:scrgbClr r="0" g="0" b="0"/>
+        </a:fillRef>
+        <a:effectRef idx="0">
+          <a:scrgbClr r="0" g="0" b="0"/>
+        </a:effectRef>
+        <a:fontRef idx="minor"/>
+      </dsp:style>
+      <dsp:txBody>
+        <a:bodyPr spcFirstLastPara="0" vert="horz" wrap="square" lIns="160020" tIns="160020" rIns="160020" bIns="160020" numCol="1" spcCol="1270" anchor="ctr" anchorCtr="0">
+          <a:noAutofit/>
+        </a:bodyPr>
+        <a:lstStyle/>
+        <a:p>
+          <a:pPr marL="0" lvl="0" indent="0" algn="ctr" defTabSz="1866900">
+            <a:lnSpc>
+              <a:spcPct val="90000"/>
+            </a:lnSpc>
+            <a:spcBef>
+              <a:spcPct val="0"/>
+            </a:spcBef>
+            <a:spcAft>
+              <a:spcPct val="35000"/>
+            </a:spcAft>
+            <a:buNone/>
+          </a:pPr>
+          <a:r>
+            <a:rPr lang="en-US" sz="4200" kern="1200"/>
+            <a:t>- Aplicar em estudo de caso</a:t>
+          </a:r>
+        </a:p>
+      </dsp:txBody>
+      <dsp:txXfrm>
+        <a:off x="4748523" y="980400"/>
+        <a:ext cx="3381034" cy="2099279"/>
+      </dsp:txXfrm>
+    </dsp:sp>
+  </dsp:spTree>
+</dsp:drawing>
+</file>
+
+<file path=ppt/diagrams/layout1.xml><?xml version="1.0" encoding="utf-8"?>
+<dgm:layoutDef xmlns:dgm="http://schemas.openxmlformats.org/drawingml/2006/diagram" xmlns:a="http://schemas.openxmlformats.org/drawingml/2006/main" uniqueId="urn:microsoft.com/office/officeart/2005/8/layout/hierarchy1">
+  <dgm:title val=""/>
+  <dgm:desc val=""/>
+  <dgm:catLst>
+    <dgm:cat type="hierarchy" pri="2000"/>
+  </dgm:catLst>
+  <dgm:sampData>
+    <dgm:dataModel>
+      <dgm:ptLst>
+        <dgm:pt modelId="0" type="doc"/>
+        <dgm:pt modelId="1">
+          <dgm:prSet phldr="1"/>
+        </dgm:pt>
+        <dgm:pt modelId="2">
+          <dgm:prSet phldr="1"/>
+        </dgm:pt>
+        <dgm:pt modelId="21">
+          <dgm:prSet phldr="1"/>
+        </dgm:pt>
+        <dgm:pt modelId="22">
+          <dgm:prSet phldr="1"/>
+        </dgm:pt>
+        <dgm:pt modelId="3">
+          <dgm:prSet phldr="1"/>
+        </dgm:pt>
+        <dgm:pt modelId="31">
+          <dgm:prSet phldr="1"/>
+        </dgm:pt>
+      </dgm:ptLst>
+      <dgm:cxnLst>
+        <dgm:cxn modelId="4" srcId="0" destId="1" srcOrd="0" destOrd="0"/>
+        <dgm:cxn modelId="5" srcId="1" destId="2" srcOrd="0" destOrd="0"/>
+        <dgm:cxn modelId="6" srcId="1" destId="3" srcOrd="1" destOrd="0"/>
+        <dgm:cxn modelId="23" srcId="2" destId="21" srcOrd="0" destOrd="0"/>
+        <dgm:cxn modelId="24" srcId="2" destId="22" srcOrd="1" destOrd="0"/>
+        <dgm:cxn modelId="33" srcId="3" destId="31" srcOrd="0" destOrd="0"/>
+      </dgm:cxnLst>
+      <dgm:bg/>
+      <dgm:whole/>
+    </dgm:dataModel>
+  </dgm:sampData>
+  <dgm:styleData>
+    <dgm:dataModel>
+      <dgm:ptLst>
+        <dgm:pt modelId="0" type="doc"/>
+        <dgm:pt modelId="1"/>
+        <dgm:pt modelId="11"/>
+        <dgm:pt modelId="12"/>
+      </dgm:ptLst>
+      <dgm:cxnLst>
+        <dgm:cxn modelId="2" srcId="0" destId="1" srcOrd="0" destOrd="0"/>
+        <dgm:cxn modelId="13" srcId="1" destId="11" srcOrd="0" destOrd="0"/>
+        <dgm:cxn modelId="14" srcId="1" destId="12" srcOrd="1" destOrd="0"/>
+      </dgm:cxnLst>
+      <dgm:bg/>
+      <dgm:whole/>
+    </dgm:dataModel>
+  </dgm:styleData>
+  <dgm:clrData>
+    <dgm:dataModel>
+      <dgm:ptLst>
+        <dgm:pt modelId="0" type="doc"/>
+        <dgm:pt modelId="1"/>
+        <dgm:pt modelId="2"/>
+        <dgm:pt modelId="21"/>
+        <dgm:pt modelId="211"/>
+        <dgm:pt modelId="3"/>
+        <dgm:pt modelId="31"/>
+        <dgm:pt modelId="311"/>
+      </dgm:ptLst>
+      <dgm:cxnLst>
+        <dgm:cxn modelId="4" srcId="0" destId="1" srcOrd="0" destOrd="0"/>
+        <dgm:cxn modelId="5" srcId="1" destId="2" srcOrd="0" destOrd="0"/>
+        <dgm:cxn modelId="6" srcId="1" destId="3" srcOrd="1" destOrd="0"/>
+        <dgm:cxn modelId="23" srcId="2" destId="21" srcOrd="0" destOrd="0"/>
+        <dgm:cxn modelId="24" srcId="21" destId="211" srcOrd="0" destOrd="0"/>
+        <dgm:cxn modelId="33" srcId="3" destId="31" srcOrd="0" destOrd="0"/>
+        <dgm:cxn modelId="34" srcId="31" destId="311" srcOrd="0" destOrd="0"/>
+      </dgm:cxnLst>
+      <dgm:bg/>
+      <dgm:whole/>
+    </dgm:dataModel>
+  </dgm:clrData>
+  <dgm:layoutNode name="hierChild1">
+    <dgm:varLst>
+      <dgm:chPref val="1"/>
+      <dgm:dir/>
+      <dgm:animOne val="branch"/>
+      <dgm:animLvl val="lvl"/>
+      <dgm:resizeHandles/>
+    </dgm:varLst>
+    <dgm:choose name="Name0">
+      <dgm:if name="Name1" func="var" arg="dir" op="equ" val="norm">
+        <dgm:alg type="hierChild">
+          <dgm:param type="linDir" val="fromL"/>
+        </dgm:alg>
+      </dgm:if>
+      <dgm:else name="Name2">
+        <dgm:alg type="hierChild">
+          <dgm:param type="linDir" val="fromR"/>
+        </dgm:alg>
+      </dgm:else>
+    </dgm:choose>
+    <dgm:shape xmlns:r="http://schemas.openxmlformats.org/officeDocument/2006/relationships" r:blip="">
+      <dgm:adjLst/>
+    </dgm:shape>
+    <dgm:presOf/>
+    <dgm:constrLst>
+      <dgm:constr type="primFontSz" for="des" ptType="node" op="equ" val="65"/>
+      <dgm:constr type="w" for="des" forName="composite" refType="w"/>
+      <dgm:constr type="h" for="des" forName="composite" refType="w" refFor="des" refForName="composite" fact="0.667"/>
+      <dgm:constr type="w" for="des" forName="composite2" refType="w" refFor="des" refForName="composite"/>
+      <dgm:constr type="h" for="des" forName="composite2" refType="h" refFor="des" refForName="composite"/>
+      <dgm:constr type="w" for="des" forName="composite3" refType="w" refFor="des" refForName="composite"/>
+      <dgm:constr type="h" for="des" forName="composite3" refType="h" refFor="des" refForName="composite"/>
+      <dgm:constr type="w" for="des" forName="composite4" refType="w" refFor="des" refForName="composite"/>
+      <dgm:constr type="h" for="des" forName="composite4" refType="h" refFor="des" refForName="composite"/>
+      <dgm:constr type="w" for="des" forName="composite5" refType="w" refFor="des" refForName="composite"/>
+      <dgm:constr type="h" for="des" forName="composite5" refType="h" refFor="des" refForName="composite"/>
+      <dgm:constr type="sibSp" refType="w" refFor="des" refForName="composite" fact="0.1"/>
+      <dgm:constr type="sibSp" for="des" forName="hierChild2" refType="sibSp"/>
+      <dgm:constr type="sibSp" for="des" forName="hierChild3" refType="sibSp"/>
+      <dgm:constr type="sibSp" for="des" forName="hierChild4" refType="sibSp"/>
+      <dgm:constr type="sibSp" for="des" forName="hierChild5" refType="sibSp"/>
+      <dgm:constr type="sibSp" for="des" forName="hierChild6" refType="sibSp"/>
+      <dgm:constr type="sp" for="des" forName="hierRoot1" refType="h" refFor="des" refForName="composite" fact="0.25"/>
+      <dgm:constr type="sp" for="des" forName="hierRoot2" refType="sp" refFor="des" refForName="hierRoot1"/>
+      <dgm:constr type="sp" for="des" forName="hierRoot3" refType="sp" refFor="des" refForName="hierRoot1"/>
+      <dgm:constr type="sp" for="des" forName="hierRoot4" refType="sp" refFor="des" refForName="hierRoot1"/>
+      <dgm:constr type="sp" for="des" forName="hierRoot5" refType="sp" refFor="des" refForName="hierRoot1"/>
+    </dgm:constrLst>
+    <dgm:ruleLst/>
+    <dgm:forEach name="Name3" axis="ch">
+      <dgm:forEach name="Name4" axis="self" ptType="node">
+        <dgm:layoutNode name="hierRoot1">
+          <dgm:alg type="hierRoot"/>
+          <dgm:shape xmlns:r="http://schemas.openxmlformats.org/officeDocument/2006/relationships" r:blip="">
+            <dgm:adjLst/>
+          </dgm:shape>
+          <dgm:presOf/>
+          <dgm:constrLst>
+            <dgm:constr type="bendDist" for="des" ptType="parTrans" refType="sp" fact="0.5"/>
+          </dgm:constrLst>
+          <dgm:ruleLst/>
+          <dgm:layoutNode name="composite">
+            <dgm:alg type="composite"/>
+            <dgm:shape xmlns:r="http://schemas.openxmlformats.org/officeDocument/2006/relationships" r:blip="">
+              <dgm:adjLst/>
+            </dgm:shape>
+            <dgm:presOf/>
+            <dgm:constrLst>
+              <dgm:constr type="w" for="ch" forName="background" refType="w" fact="0.9"/>
+              <dgm:constr type="h" for="ch" forName="background" refType="w" refFor="ch" refForName="background" fact="0.635"/>
+              <dgm:constr type="t" for="ch" forName="background"/>
+              <dgm:constr type="l" for="ch" forName="background"/>
+              <dgm:constr type="w" for="ch" forName="text" refType="w" fact="0.9"/>
+              <dgm:constr type="h" for="ch" forName="text" refType="w" refFor="ch" refForName="text" fact="0.635"/>
+              <dgm:constr type="t" for="ch" forName="text" refType="w" fact="0.095"/>
+              <dgm:constr type="l" for="ch" forName="text" refType="w" fact="0.1"/>
+            </dgm:constrLst>
+            <dgm:ruleLst/>
+            <dgm:layoutNode name="background" styleLbl="node0" moveWith="text">
+              <dgm:alg type="sp"/>
+              <dgm:shape xmlns:r="http://schemas.openxmlformats.org/officeDocument/2006/relationships" type="roundRect" r:blip="">
+                <dgm:adjLst>
+                  <dgm:adj idx="1" val="0.1"/>
+                </dgm:adjLst>
+              </dgm:shape>
+              <dgm:presOf/>
+              <dgm:constrLst/>
+              <dgm:ruleLst/>
+            </dgm:layoutNode>
+            <dgm:layoutNode name="text" styleLbl="fgAcc0">
+              <dgm:varLst>
+                <dgm:chPref val="3"/>
+              </dgm:varLst>
+              <dgm:alg type="tx"/>
+              <dgm:shape xmlns:r="http://schemas.openxmlformats.org/officeDocument/2006/relationships" type="roundRect" r:blip="">
+                <dgm:adjLst>
+                  <dgm:adj idx="1" val="0.1"/>
+                </dgm:adjLst>
+              </dgm:shape>
+              <dgm:presOf axis="self"/>
+              <dgm:constrLst>
+                <dgm:constr type="tMarg" refType="primFontSz" fact="0.3"/>
+                <dgm:constr type="bMarg" refType="primFontSz" fact="0.3"/>
+                <dgm:constr type="lMarg" refType="primFontSz" fact="0.3"/>
+                <dgm:constr type="rMarg" refType="primFontSz" fact="0.3"/>
+              </dgm:constrLst>
+              <dgm:ruleLst>
+                <dgm:rule type="primFontSz" val="5" fact="NaN" max="NaN"/>
+              </dgm:ruleLst>
+            </dgm:layoutNode>
+          </dgm:layoutNode>
+          <dgm:layoutNode name="hierChild2">
+            <dgm:choose name="Name5">
+              <dgm:if name="Name6" func="var" arg="dir" op="equ" val="norm">
+                <dgm:alg type="hierChild">
+                  <dgm:param type="linDir" val="fromL"/>
+                </dgm:alg>
+              </dgm:if>
+              <dgm:else name="Name7">
+                <dgm:alg type="hierChild">
+                  <dgm:param type="linDir" val="fromR"/>
+                </dgm:alg>
+              </dgm:else>
+            </dgm:choose>
+            <dgm:shape xmlns:r="http://schemas.openxmlformats.org/officeDocument/2006/relationships" r:blip="">
+              <dgm:adjLst/>
+            </dgm:shape>
+            <dgm:presOf/>
+            <dgm:constrLst/>
+            <dgm:ruleLst/>
+            <dgm:forEach name="Name8" axis="ch">
+              <dgm:forEach name="Name9" axis="self" ptType="parTrans" cnt="1">
+                <dgm:layoutNode name="Name10">
+                  <dgm:alg type="conn">
+                    <dgm:param type="dim" val="1D"/>
+                    <dgm:param type="endSty" val="noArr"/>
+                    <dgm:param type="connRout" val="bend"/>
+                    <dgm:param type="bendPt" val="end"/>
+                    <dgm:param type="begPts" val="bCtr"/>
+                    <dgm:param type="endPts" val="tCtr"/>
+                    <dgm:param type="srcNode" val="background"/>
+                    <dgm:param type="dstNode" val="background2"/>
+                  </dgm:alg>
+                  <dgm:shape xmlns:r="http://schemas.openxmlformats.org/officeDocument/2006/relationships" type="conn" r:blip="" zOrderOff="-999">
+                    <dgm:adjLst/>
+                  </dgm:shape>
+                  <dgm:presOf axis="self"/>
+                  <dgm:constrLst>
+                    <dgm:constr type="begPad"/>
+                    <dgm:constr type="endPad"/>
+                  </dgm:constrLst>
+                  <dgm:ruleLst/>
+                </dgm:layoutNode>
+              </dgm:forEach>
+              <dgm:forEach name="Name11" axis="self" ptType="node">
+                <dgm:layoutNode name="hierRoot2">
+                  <dgm:alg type="hierRoot"/>
+                  <dgm:shape xmlns:r="http://schemas.openxmlformats.org/officeDocument/2006/relationships" r:blip="">
+                    <dgm:adjLst/>
+                  </dgm:shape>
+                  <dgm:presOf/>
+                  <dgm:constrLst>
+                    <dgm:constr type="bendDist" for="des" ptType="parTrans" refType="sp" fact="0.5"/>
+                  </dgm:constrLst>
+                  <dgm:ruleLst/>
+                  <dgm:layoutNode name="composite2">
+                    <dgm:alg type="composite"/>
+                    <dgm:shape xmlns:r="http://schemas.openxmlformats.org/officeDocument/2006/relationships" r:blip="">
+                      <dgm:adjLst/>
+                    </dgm:shape>
+                    <dgm:presOf/>
+                    <dgm:constrLst>
+                      <dgm:constr type="w" for="ch" forName="background2" refType="w" fact="0.9"/>
+                      <dgm:constr type="h" for="ch" forName="background2" refType="w" refFor="ch" refForName="background2" fact="0.635"/>
+                      <dgm:constr type="t" for="ch" forName="background2"/>
+                      <dgm:constr type="l" for="ch" forName="background2"/>
+                      <dgm:constr type="w" for="ch" forName="text2" refType="w" fact="0.9"/>
+                      <dgm:constr type="h" for="ch" forName="text2" refType="w" refFor="ch" refForName="text2" fact="0.635"/>
+                      <dgm:constr type="t" for="ch" forName="text2" refType="w" fact="0.095"/>
+                      <dgm:constr type="l" for="ch" forName="text2" refType="w" fact="0.1"/>
+                    </dgm:constrLst>
+                    <dgm:ruleLst/>
+                    <dgm:layoutNode name="background2" moveWith="text2">
+                      <dgm:alg type="sp"/>
+                      <dgm:shape xmlns:r="http://schemas.openxmlformats.org/officeDocument/2006/relationships" type="roundRect" r:blip="">
+                        <dgm:adjLst>
+                          <dgm:adj idx="1" val="0.1"/>
+                        </dgm:adjLst>
+                      </dgm:shape>
+                      <dgm:presOf/>
+                      <dgm:constrLst/>
+                      <dgm:ruleLst/>
+                    </dgm:layoutNode>
+                    <dgm:layoutNode name="text2" styleLbl="fgAcc2">
+                      <dgm:varLst>
+                        <dgm:chPref val="3"/>
+                      </dgm:varLst>
+                      <dgm:alg type="tx"/>
+                      <dgm:shape xmlns:r="http://schemas.openxmlformats.org/officeDocument/2006/relationships" type="roundRect" r:blip="">
+                        <dgm:adjLst>
+                          <dgm:adj idx="1" val="0.1"/>
+                        </dgm:adjLst>
+                      </dgm:shape>
+                      <dgm:presOf axis="self"/>
+                      <dgm:constrLst>
+                        <dgm:constr type="tMarg" refType="primFontSz" fact="0.3"/>
+                        <dgm:constr type="bMarg" refType="primFontSz" fact="0.3"/>
+                        <dgm:constr type="lMarg" refType="primFontSz" fact="0.3"/>
+                        <dgm:constr type="rMarg" refType="primFontSz" fact="0.3"/>
+                      </dgm:constrLst>
+                      <dgm:ruleLst>
+                        <dgm:rule type="primFontSz" val="5" fact="NaN" max="NaN"/>
+                      </dgm:ruleLst>
+                    </dgm:layoutNode>
+                  </dgm:layoutNode>
+                  <dgm:layoutNode name="hierChild3">
+                    <dgm:choose name="Name12">
+                      <dgm:if name="Name13" func="var" arg="dir" op="equ" val="norm">
+                        <dgm:alg type="hierChild">
+                          <dgm:param type="linDir" val="fromL"/>
+                        </dgm:alg>
+                      </dgm:if>
+                      <dgm:else name="Name14">
+                        <dgm:alg type="hierChild">
+                          <dgm:param type="linDir" val="fromR"/>
+                        </dgm:alg>
+                      </dgm:else>
+                    </dgm:choose>
+                    <dgm:shape xmlns:r="http://schemas.openxmlformats.org/officeDocument/2006/relationships" r:blip="">
+                      <dgm:adjLst/>
+                    </dgm:shape>
+                    <dgm:presOf/>
+                    <dgm:constrLst/>
+                    <dgm:ruleLst/>
+                    <dgm:forEach name="Name15" axis="ch">
+                      <dgm:forEach name="Name16" axis="self" ptType="parTrans" cnt="1">
+                        <dgm:layoutNode name="Name17">
+                          <dgm:alg type="conn">
+                            <dgm:param type="dim" val="1D"/>
+                            <dgm:param type="endSty" val="noArr"/>
+                            <dgm:param type="connRout" val="bend"/>
+                            <dgm:param type="bendPt" val="end"/>
+                            <dgm:param type="begPts" val="bCtr"/>
+                            <dgm:param type="endPts" val="tCtr"/>
+                            <dgm:param type="srcNode" val="background2"/>
+                            <dgm:param type="dstNode" val="background3"/>
+                          </dgm:alg>
+                          <dgm:shape xmlns:r="http://schemas.openxmlformats.org/officeDocument/2006/relationships" type="conn" r:blip="" zOrderOff="-999">
+                            <dgm:adjLst/>
+                          </dgm:shape>
+                          <dgm:presOf axis="self"/>
+                          <dgm:constrLst>
+                            <dgm:constr type="begPad"/>
+                            <dgm:constr type="endPad"/>
+                          </dgm:constrLst>
+                          <dgm:ruleLst/>
+                        </dgm:layoutNode>
+                      </dgm:forEach>
+                      <dgm:forEach name="Name18" axis="self" ptType="node">
+                        <dgm:layoutNode name="hierRoot3">
+                          <dgm:alg type="hierRoot"/>
+                          <dgm:shape xmlns:r="http://schemas.openxmlformats.org/officeDocument/2006/relationships" r:blip="">
+                            <dgm:adjLst/>
+                          </dgm:shape>
+                          <dgm:presOf/>
+                          <dgm:constrLst>
+                            <dgm:constr type="bendDist" for="des" ptType="parTrans" refType="sp" fact="0.5"/>
+                          </dgm:constrLst>
+                          <dgm:ruleLst/>
+                          <dgm:layoutNode name="composite3">
+                            <dgm:alg type="composite"/>
+                            <dgm:shape xmlns:r="http://schemas.openxmlformats.org/officeDocument/2006/relationships" r:blip="">
+                              <dgm:adjLst/>
+                            </dgm:shape>
+                            <dgm:presOf/>
+                            <dgm:constrLst>
+                              <dgm:constr type="w" for="ch" forName="background3" refType="w" fact="0.9"/>
+                              <dgm:constr type="h" for="ch" forName="background3" refType="w" refFor="ch" refForName="background3" fact="0.635"/>
+                              <dgm:constr type="t" for="ch" forName="background3"/>
+                              <dgm:constr type="l" for="ch" forName="background3"/>
+                              <dgm:constr type="w" for="ch" forName="text3" refType="w" fact="0.9"/>
+                              <dgm:constr type="h" for="ch" forName="text3" refType="w" refFor="ch" refForName="text3" fact="0.635"/>
+                              <dgm:constr type="t" for="ch" forName="text3" refType="w" fact="0.095"/>
+                              <dgm:constr type="l" for="ch" forName="text3" refType="w" fact="0.1"/>
+                            </dgm:constrLst>
+                            <dgm:ruleLst/>
+                            <dgm:layoutNode name="background3" moveWith="text3">
+                              <dgm:alg type="sp"/>
+                              <dgm:shape xmlns:r="http://schemas.openxmlformats.org/officeDocument/2006/relationships" type="roundRect" r:blip="">
+                                <dgm:adjLst>
+                                  <dgm:adj idx="1" val="0.1"/>
+                                </dgm:adjLst>
+                              </dgm:shape>
+                              <dgm:presOf/>
+                              <dgm:constrLst/>
+                              <dgm:ruleLst/>
+                            </dgm:layoutNode>
+                            <dgm:layoutNode name="text3" styleLbl="fgAcc3">
+                              <dgm:varLst>
+                                <dgm:chPref val="3"/>
+                              </dgm:varLst>
+                              <dgm:alg type="tx"/>
+                              <dgm:shape xmlns:r="http://schemas.openxmlformats.org/officeDocument/2006/relationships" type="roundRect" r:blip="">
+                                <dgm:adjLst>
+                                  <dgm:adj idx="1" val="0.1"/>
+                                </dgm:adjLst>
+                              </dgm:shape>
+                              <dgm:presOf axis="self"/>
+                              <dgm:constrLst>
+                                <dgm:constr type="tMarg" refType="primFontSz" fact="0.3"/>
+                                <dgm:constr type="bMarg" refType="primFontSz" fact="0.3"/>
+                                <dgm:constr type="lMarg" refType="primFontSz" fact="0.3"/>
+                                <dgm:constr type="rMarg" refType="primFontSz" fact="0.3"/>
+                              </dgm:constrLst>
+                              <dgm:ruleLst>
+                                <dgm:rule type="primFontSz" val="5" fact="NaN" max="NaN"/>
+                              </dgm:ruleLst>
+                            </dgm:layoutNode>
+                          </dgm:layoutNode>
+                          <dgm:layoutNode name="hierChild4">
+                            <dgm:choose name="Name19">
+                              <dgm:if name="Name20" func="var" arg="dir" op="equ" val="norm">
+                                <dgm:alg type="hierChild">
+                                  <dgm:param type="linDir" val="fromL"/>
+                                </dgm:alg>
+                              </dgm:if>
+                              <dgm:else name="Name21">
+                                <dgm:alg type="hierChild">
+                                  <dgm:param type="linDir" val="fromR"/>
+                                </dgm:alg>
+                              </dgm:else>
+                            </dgm:choose>
+                            <dgm:shape xmlns:r="http://schemas.openxmlformats.org/officeDocument/2006/relationships" r:blip="">
+                              <dgm:adjLst/>
+                            </dgm:shape>
+                            <dgm:presOf/>
+                            <dgm:constrLst/>
+                            <dgm:ruleLst/>
+                            <dgm:forEach name="repeat" axis="ch">
+                              <dgm:forEach name="Name22" axis="self" ptType="parTrans" cnt="1">
+                                <dgm:layoutNode name="Name23">
+                                  <dgm:choose name="Name24">
+                                    <dgm:if name="Name25" axis="self" func="depth" op="lte" val="4">
+                                      <dgm:alg type="conn">
+                                        <dgm:param type="dim" val="1D"/>
+                                        <dgm:param type="endSty" val="noArr"/>
+                                        <dgm:param type="connRout" val="bend"/>
+                                        <dgm:param type="bendPt" val="end"/>
+                                        <dgm:param type="begPts" val="bCtr"/>
+                                        <dgm:param type="endPts" val="tCtr"/>
+                                        <dgm:param type="srcNode" val="background3"/>
+                                        <dgm:param type="dstNode" val="background4"/>
+                                      </dgm:alg>
+                                    </dgm:if>
+                                    <dgm:else name="Name26">
+                                      <dgm:alg type="conn">
+                                        <dgm:param type="dim" val="1D"/>
+                                        <dgm:param type="endSty" val="noArr"/>
+                                        <dgm:param type="connRout" val="bend"/>
+                                        <dgm:param type="bendPt" val="end"/>
+                                        <dgm:param type="begPts" val="bCtr"/>
+                                        <dgm:param type="endPts" val="tCtr"/>
+                                        <dgm:param type="srcNode" val="background4"/>
+                                        <dgm:param type="dstNode" val="background4"/>
+                                      </dgm:alg>
+                                    </dgm:else>
+                                  </dgm:choose>
+                                  <dgm:shape xmlns:r="http://schemas.openxmlformats.org/officeDocument/2006/relationships" type="conn" r:blip="" zOrderOff="-999">
+                                    <dgm:adjLst/>
+                                  </dgm:shape>
+                                  <dgm:presOf axis="self"/>
+                                  <dgm:constrLst>
+                                    <dgm:constr type="begPad"/>
+                                    <dgm:constr type="endPad"/>
+                                  </dgm:constrLst>
+                                  <dgm:ruleLst/>
+                                </dgm:layoutNode>
+                              </dgm:forEach>
+                              <dgm:forEach name="Name27" axis="self" ptType="node">
+                                <dgm:layoutNode name="hierRoot4">
+                                  <dgm:alg type="hierRoot"/>
+                                  <dgm:shape xmlns:r="http://schemas.openxmlformats.org/officeDocument/2006/relationships" r:blip="">
+                                    <dgm:adjLst/>
+                                  </dgm:shape>
+                                  <dgm:presOf/>
+                                  <dgm:constrLst>
+                                    <dgm:constr type="bendDist" for="des" ptType="parTrans" refType="sp" fact="0.5"/>
+                                  </dgm:constrLst>
+                                  <dgm:ruleLst/>
+                                  <dgm:layoutNode name="composite4">
+                                    <dgm:alg type="composite"/>
+                                    <dgm:shape xmlns:r="http://schemas.openxmlformats.org/officeDocument/2006/relationships" r:blip="">
+                                      <dgm:adjLst/>
+                                    </dgm:shape>
+                                    <dgm:presOf/>
+                                    <dgm:constrLst>
+                                      <dgm:constr type="w" for="ch" forName="background4" refType="w" fact="0.9"/>
+                                      <dgm:constr type="h" for="ch" forName="background4" refType="w" refFor="ch" refForName="background4" fact="0.635"/>
+                                      <dgm:constr type="t" for="ch" forName="background4"/>
+                                      <dgm:constr type="l" for="ch" forName="background4"/>
+                                      <dgm:constr type="w" for="ch" forName="text4" refType="w" fact="0.9"/>
+                                      <dgm:constr type="h" for="ch" forName="text4" refType="w" refFor="ch" refForName="text4" fact="0.635"/>
+                                      <dgm:constr type="t" for="ch" forName="text4" refType="w" fact="0.095"/>
+                                      <dgm:constr type="l" for="ch" forName="text4" refType="w" fact="0.1"/>
+                                    </dgm:constrLst>
+                                    <dgm:ruleLst/>
+                                    <dgm:layoutNode name="background4" moveWith="text4">
+                                      <dgm:alg type="sp"/>
+                                      <dgm:shape xmlns:r="http://schemas.openxmlformats.org/officeDocument/2006/relationships" type="roundRect" r:blip="">
+                                        <dgm:adjLst>
+                                          <dgm:adj idx="1" val="0.1"/>
+                                        </dgm:adjLst>
+                                      </dgm:shape>
+                                      <dgm:presOf/>
+                                      <dgm:constrLst/>
+                                      <dgm:ruleLst/>
+                                    </dgm:layoutNode>
+                                    <dgm:layoutNode name="text4" styleLbl="fgAcc4">
+                                      <dgm:varLst>
+                                        <dgm:chPref val="3"/>
+                                      </dgm:varLst>
+                                      <dgm:alg type="tx"/>
+                                      <dgm:shape xmlns:r="http://schemas.openxmlformats.org/officeDocument/2006/relationships" type="roundRect" r:blip="">
+                                        <dgm:adjLst>
+                                          <dgm:adj idx="1" val="0.1"/>
+                                        </dgm:adjLst>
+                                      </dgm:shape>
+                                      <dgm:presOf axis="self"/>
+                                      <dgm:constrLst>
+                                        <dgm:constr type="tMarg" refType="primFontSz" fact="0.3"/>
+                                        <dgm:constr type="bMarg" refType="primFontSz" fact="0.3"/>
+                                        <dgm:constr type="lMarg" refType="primFontSz" fact="0.3"/>
+                                        <dgm:constr type="rMarg" refType="primFontSz" fact="0.3"/>
+                                      </dgm:constrLst>
+                                      <dgm:ruleLst>
+                                        <dgm:rule type="primFontSz" val="5" fact="NaN" max="NaN"/>
+                                      </dgm:ruleLst>
+                                    </dgm:layoutNode>
+                                  </dgm:layoutNode>
+                                  <dgm:layoutNode name="hierChild5">
+                                    <dgm:choose name="Name28">
+                                      <dgm:if name="Name29" func="var" arg="dir" op="equ" val="norm">
+                                        <dgm:alg type="hierChild">
+                                          <dgm:param type="linDir" val="fromL"/>
+                                        </dgm:alg>
+                                      </dgm:if>
+                                      <dgm:else name="Name30">
+                                        <dgm:alg type="hierChild">
+                                          <dgm:param type="linDir" val="fromR"/>
+                                        </dgm:alg>
+                                      </dgm:else>
+                                    </dgm:choose>
+                                    <dgm:shape xmlns:r="http://schemas.openxmlformats.org/officeDocument/2006/relationships" r:blip="">
+                                      <dgm:adjLst/>
+                                    </dgm:shape>
+                                    <dgm:presOf/>
+                                    <dgm:constrLst/>
+                                    <dgm:ruleLst/>
+                                    <dgm:forEach name="Name31" ref="repeat"/>
+                                  </dgm:layoutNode>
+                                </dgm:layoutNode>
+                              </dgm:forEach>
+                            </dgm:forEach>
+                          </dgm:layoutNode>
+                        </dgm:layoutNode>
+                      </dgm:forEach>
+                    </dgm:forEach>
+                  </dgm:layoutNode>
+                </dgm:layoutNode>
+              </dgm:forEach>
+            </dgm:forEach>
+          </dgm:layoutNode>
+        </dgm:layoutNode>
+      </dgm:forEach>
+    </dgm:forEach>
+  </dgm:layoutNode>
+</dgm:layoutDef>
+</file>
+
+<file path=ppt/diagrams/quickStyle1.xml><?xml version="1.0" encoding="utf-8"?>
+<dgm:styleDef xmlns:dgm="http://schemas.openxmlformats.org/drawingml/2006/diagram" xmlns:a="http://schemas.openxmlformats.org/drawingml/2006/main" uniqueId="urn:microsoft.com/office/officeart/2005/8/quickstyle/simple1">
+  <dgm:title val=""/>
+  <dgm:desc val=""/>
+  <dgm:catLst>
+    <dgm:cat type="simple" pri="10100"/>
+  </dgm:catLst>
+  <dgm:scene3d>
+    <a:camera prst="orthographicFront"/>
+    <a:lightRig rig="threePt" dir="t"/>
+  </dgm:scene3d>
+  <dgm:styleLbl name="node0">
+    <dgm:scene3d>
+      <a:camera prst="orthographicFront"/>
+      <a:lightRig rig="threePt" dir="t"/>
+    </dgm:scene3d>
+    <dgm:sp3d/>
+    <dgm:txPr/>
+    <dgm:style>
+      <a:lnRef idx="2">
+        <a:scrgbClr r="0" g="0" b="0"/>
+      </a:lnRef>
+      <a:fillRef idx="1">
+        <a:scrgbClr r="0" g="0" b="0"/>
+      </a:fillRef>
+      <a:effectRef idx="0">
+        <a:scrgbClr r="0" g="0" b="0"/>
+      </a:effectRef>
+      <a:fontRef idx="minor">
+        <a:schemeClr val="lt1"/>
+      </a:fontRef>
+    </dgm:style>
+  </dgm:styleLbl>
+  <dgm:styleLbl name="lnNode1">
+    <dgm:scene3d>
+      <a:camera prst="orthographicFront"/>
+      <a:lightRig rig="threePt" dir="t"/>
+    </dgm:scene3d>
+    <dgm:sp3d/>
+    <dgm:txPr/>
+    <dgm:style>
+      <a:lnRef idx="2">
+        <a:scrgbClr r="0" g="0" b="0"/>
+      </a:lnRef>
+      <a:fillRef idx="1">
+        <a:scrgbClr r="0" g="0" b="0"/>
+      </a:fillRef>
+      <a:effectRef idx="0">
+        <a:scrgbClr r="0" g="0" b="0"/>
+      </a:effectRef>
+      <a:fontRef idx="minor">
+        <a:schemeClr val="lt1"/>
+      </a:fontRef>
+    </dgm:style>
+  </dgm:styleLbl>
+  <dgm:styleLbl name="vennNode1">
+    <dgm:scene3d>
+      <a:camera prst="orthographicFront"/>
+      <a:lightRig rig="threePt" dir="t"/>
+    </dgm:scene3d>
+    <dgm:sp3d/>
+    <dgm:txPr/>
+    <dgm:style>
+      <a:lnRef idx="2">
+        <a:scrgbClr r="0" g="0" b="0"/>
+      </a:lnRef>
+      <a:fillRef idx="1">
+        <a:scrgbClr r="0" g="0" b="0"/>
+      </a:fillRef>
+      <a:effectRef idx="0">
+        <a:scrgbClr r="0" g="0" b="0"/>
+      </a:effectRef>
+      <a:fontRef idx="minor">
+        <a:schemeClr val="tx1"/>
+      </a:fontRef>
+    </dgm:style>
+  </dgm:styleLbl>
+  <dgm:styleLbl name="alignNode1">
+    <dgm:scene3d>
+      <a:camera prst="orthographicFront"/>
+      <a:lightRig rig="threePt" dir="t"/>
+    </dgm:scene3d>
+    <dgm:sp3d/>
+    <dgm:txPr/>
+    <dgm:style>
+      <a:lnRef idx="2">
+        <a:scrgbClr r="0" g="0" b="0"/>
+      </a:lnRef>
+      <a:fillRef idx="1">
+        <a:scrgbClr r="0" g="0" b="0"/>
+      </a:fillRef>
+      <a:effectRef idx="0">
+        <a:scrgbClr r="0" g="0" b="0"/>
+      </a:effectRef>
+      <a:fontRef idx="minor">
+        <a:schemeClr val="lt1"/>
+      </a:fontRef>
+    </dgm:style>
+  </dgm:styleLbl>
+  <dgm:styleLbl name="node1">
+    <dgm:scene3d>
+      <a:camera prst="orthographicFront"/>
+      <a:lightRig rig="threePt" dir="t"/>
+    </dgm:scene3d>
+    <dgm:sp3d/>
+    <dgm:txPr/>
+    <dgm:style>
+      <a:lnRef idx="2">
+        <a:scrgbClr r="0" g="0" b="0"/>
+      </a:lnRef>
+      <a:fillRef idx="1">
+        <a:scrgbClr r="0" g="0" b="0"/>
+      </a:fillRef>
+      <a:effectRef idx="0">
+        <a:scrgbClr r="0" g="0" b="0"/>
+      </a:effectRef>
+      <a:fontRef idx="minor">
+        <a:schemeClr val="lt1"/>
+      </a:fontRef>
+    </dgm:style>
+  </dgm:styleLbl>
+  <dgm:styleLbl name="node2">
+    <dgm:scene3d>
+      <a:camera prst="orthographicFront"/>
+      <a:lightRig rig="threePt" dir="t"/>
+    </dgm:scene3d>
+    <dgm:sp3d/>
+    <dgm:txPr/>
+    <dgm:style>
+      <a:lnRef idx="2">
+        <a:scrgbClr r="0" g="0" b="0"/>
+      </a:lnRef>
+      <a:fillRef idx="1">
+        <a:scrgbClr r="0" g="0" b="0"/>
+      </a:fillRef>
+      <a:effectRef idx="0">
+        <a:scrgbClr r="0" g="0" b="0"/>
+      </a:effectRef>
+      <a:fontRef idx="minor">
+        <a:schemeClr val="lt1"/>
+      </a:fontRef>
+    </dgm:style>
+  </dgm:styleLbl>
+  <dgm:styleLbl name="node3">
+    <dgm:scene3d>
+      <a:camera prst="orthographicFront"/>
+      <a:lightRig rig="threePt" dir="t"/>
+    </dgm:scene3d>
+    <dgm:sp3d/>
+    <dgm:txPr/>
+    <dgm:style>
+      <a:lnRef idx="2">
+        <a:scrgbClr r="0" g="0" b="0"/>
+      </a:lnRef>
+      <a:fillRef idx="1">
+        <a:scrgbClr r="0" g="0" b="0"/>
+      </a:fillRef>
+      <a:effectRef idx="0">
+        <a:scrgbClr r="0" g="0" b="0"/>
+      </a:effectRef>
+      <a:fontRef idx="minor">
+        <a:schemeClr val="lt1"/>
+      </a:fontRef>
+    </dgm:style>
+  </dgm:styleLbl>
+  <dgm:styleLbl name="node4">
+    <dgm:scene3d>
+      <a:camera prst="orthographicFront"/>
+      <a:lightRig rig="threePt" dir="t"/>
+    </dgm:scene3d>
+    <dgm:sp3d/>
+    <dgm:txPr/>
+    <dgm:style>
+      <a:lnRef idx="2">
+        <a:scrgbClr r="0" g="0" b="0"/>
+      </a:lnRef>
+      <a:fillRef idx="1">
+        <a:scrgbClr r="0" g="0" b="0"/>
+      </a:fillRef>
+      <a:effectRef idx="0">
+        <a:scrgbClr r="0" g="0" b="0"/>
+      </a:effectRef>
+      <a:fontRef idx="minor">
+        <a:schemeClr val="lt1"/>
+      </a:fontRef>
+    </dgm:style>
+  </dgm:styleLbl>
+  <dgm:styleLbl name="fgImgPlace1">
+    <dgm:scene3d>
+      <a:camera prst="orthographicFront"/>
+      <a:lightRig rig="threePt" dir="t"/>
+    </dgm:scene3d>
+    <dgm:sp3d/>
+    <dgm:txPr/>
+    <dgm:style>
+      <a:lnRef idx="2">
+        <a:scrgbClr r="0" g="0" b="0"/>
+      </a:lnRef>
+      <a:fillRef idx="1">
+        <a:scrgbClr r="0" g="0" b="0"/>
+      </a:fillRef>
+      <a:effectRef idx="0">
+        <a:scrgbClr r="0" g="0" b="0"/>
+      </a:effectRef>
+      <a:fontRef idx="minor"/>
+    </dgm:style>
+  </dgm:styleLbl>
+  <dgm:styleLbl name="alignImgPlace1">
+    <dgm:scene3d>
+      <a:camera prst="orthographicFront"/>
+      <a:lightRig rig="threePt" dir="t"/>
+    </dgm:scene3d>
+    <dgm:sp3d/>
+    <dgm:txPr/>
+    <dgm:style>
+      <a:lnRef idx="2">
+        <a:scrgbClr r="0" g="0" b="0"/>
+      </a:lnRef>
+      <a:fillRef idx="1">
+        <a:scrgbClr r="0" g="0" b="0"/>
+      </a:fillRef>
+      <a:effectRef idx="0">
+        <a:scrgbClr r="0" g="0" b="0"/>
+      </a:effectRef>
+      <a:fontRef idx="minor"/>
+    </dgm:style>
+  </dgm:styleLbl>
+  <dgm:styleLbl name="bgImgPlace1">
+    <dgm:scene3d>
+      <a:camera prst="orthographicFront"/>
+      <a:lightRig rig="threePt" dir="t"/>
+    </dgm:scene3d>
+    <dgm:sp3d/>
+    <dgm:txPr/>
+    <dgm:style>
+      <a:lnRef idx="2">
+        <a:scrgbClr r="0" g="0" b="0"/>
+      </a:lnRef>
+      <a:fillRef idx="1">
+        <a:scrgbClr r="0" g="0" b="0"/>
+      </a:fillRef>
+      <a:effectRef idx="0">
+        <a:scrgbClr r="0" g="0" b="0"/>
+      </a:effectRef>
+      <a:fontRef idx="minor"/>
+    </dgm:style>
+  </dgm:styleLbl>
+  <dgm:styleLbl name="sibTrans2D1">
+    <dgm:scene3d>
+      <a:camera prst="orthographicFront"/>
+      <a:lightRig rig="threePt" dir="t"/>
+    </dgm:scene3d>
+    <dgm:sp3d/>
+    <dgm:txPr/>
+    <dgm:style>
+      <a:lnRef idx="0">
+        <a:scrgbClr r="0" g="0" b="0"/>
+      </a:lnRef>
+      <a:fillRef idx="1">
+        <a:scrgbClr r="0" g="0" b="0"/>
+      </a:fillRef>
+      <a:effectRef idx="0">
+        <a:scrgbClr r="0" g="0" b="0"/>
+      </a:effectRef>
+      <a:fontRef idx="minor">
+        <a:schemeClr val="lt1"/>
+      </a:fontRef>
+    </dgm:style>
+  </dgm:styleLbl>
+  <dgm:styleLbl name="fgSibTrans2D1">
+    <dgm:scene3d>
+      <a:camera prst="orthographicFront"/>
+      <a:lightRig rig="threePt" dir="t"/>
+    </dgm:scene3d>
+    <dgm:sp3d/>
+    <dgm:txPr/>
+    <dgm:style>
+      <a:lnRef idx="0">
+        <a:scrgbClr r="0" g="0" b="0"/>
+      </a:lnRef>
+      <a:fillRef idx="1">
+        <a:scrgbClr r="0" g="0" b="0"/>
+      </a:fillRef>
+      <a:effectRef idx="0">
+        <a:scrgbClr r="0" g="0" b="0"/>
+      </a:effectRef>
+      <a:fontRef idx="minor">
+        <a:schemeClr val="lt1"/>
+      </a:fontRef>
+    </dgm:style>
+  </dgm:styleLbl>
+  <dgm:styleLbl name="bgSibTrans2D1">
+    <dgm:scene3d>
+      <a:camera prst="orthographicFront"/>
+      <a:lightRig rig="threePt" dir="t"/>
+    </dgm:scene3d>
+    <dgm:sp3d/>
+    <dgm:txPr/>
+    <dgm:style>
+      <a:lnRef idx="0">
+        <a:scrgbClr r="0" g="0" b="0"/>
+      </a:lnRef>
+      <a:fillRef idx="1">
+        <a:scrgbClr r="0" g="0" b="0"/>
+      </a:fillRef>
+      <a:effectRef idx="0">
+        <a:scrgbClr r="0" g="0" b="0"/>
+      </a:effectRef>
+      <a:fontRef idx="minor">
+        <a:schemeClr val="lt1"/>
+      </a:fontRef>
+    </dgm:style>
+  </dgm:styleLbl>
+  <dgm:styleLbl name="sibTrans1D1">
+    <dgm:scene3d>
+      <a:camera prst="orthographicFront"/>
+      <a:lightRig rig="threePt" dir="t"/>
+    </dgm:scene3d>
+    <dgm:sp3d/>
+    <dgm:txPr/>
+    <dgm:style>
+      <a:lnRef idx="1">
+        <a:scrgbClr r="0" g="0" b="0"/>
+      </a:lnRef>
+      <a:fillRef idx="0">
+        <a:scrgbClr r="0" g="0" b="0"/>
+      </a:fillRef>
+      <a:effectRef idx="0">
+        <a:scrgbClr r="0" g="0" b="0"/>
+      </a:effectRef>
+      <a:fontRef idx="minor"/>
+    </dgm:style>
+  </dgm:styleLbl>
+  <dgm:styleLbl name="callout">
+    <dgm:scene3d>
+      <a:camera prst="orthographicFront"/>
+      <a:lightRig rig="threePt" dir="t"/>
+    </dgm:scene3d>
+    <dgm:sp3d/>
+    <dgm:txPr/>
+    <dgm:style>
+      <a:lnRef idx="2">
+        <a:scrgbClr r="0" g="0" b="0"/>
+      </a:lnRef>
+      <a:fillRef idx="1">
+        <a:scrgbClr r="0" g="0" b="0"/>
+      </a:fillRef>
+      <a:effectRef idx="0">
+        <a:scrgbClr r="0" g="0" b="0"/>
+      </a:effectRef>
+      <a:fontRef idx="minor"/>
+    </dgm:style>
+  </dgm:styleLbl>
+  <dgm:styleLbl name="asst0">
+    <dgm:scene3d>
+      <a:camera prst="orthographicFront"/>
+      <a:lightRig rig="threePt" dir="t"/>
+    </dgm:scene3d>
+    <dgm:sp3d/>
+    <dgm:txPr/>
+    <dgm:style>
+      <a:lnRef idx="2">
+        <a:scrgbClr r="0" g="0" b="0"/>
+      </a:lnRef>
+      <a:fillRef idx="1">
+        <a:scrgbClr r="0" g="0" b="0"/>
+      </a:fillRef>
+      <a:effectRef idx="0">
+        <a:scrgbClr r="0" g="0" b="0"/>
+      </a:effectRef>
+      <a:fontRef idx="minor">
+        <a:schemeClr val="lt1"/>
+      </a:fontRef>
+    </dgm:style>
+  </dgm:styleLbl>
+  <dgm:styleLbl name="asst1">
+    <dgm:scene3d>
+      <a:camera prst="orthographicFront"/>
+      <a:lightRig rig="threePt" dir="t"/>
+    </dgm:scene3d>
+    <dgm:sp3d/>
+    <dgm:txPr/>
+    <dgm:style>
+      <a:lnRef idx="2">
+        <a:scrgbClr r="0" g="0" b="0"/>
+      </a:lnRef>
+      <a:fillRef idx="1">
+        <a:scrgbClr r="0" g="0" b="0"/>
+      </a:fillRef>
+      <a:effectRef idx="0">
+        <a:scrgbClr r="0" g="0" b="0"/>
+      </a:effectRef>
+      <a:fontRef idx="minor">
+        <a:schemeClr val="lt1"/>
+      </a:fontRef>
+    </dgm:style>
+  </dgm:styleLbl>
+  <dgm:styleLbl name="asst2">
+    <dgm:scene3d>
+      <a:camera prst="orthographicFront"/>
+      <a:lightRig rig="threePt" dir="t"/>
+    </dgm:scene3d>
+    <dgm:sp3d/>
+    <dgm:txPr/>
+    <dgm:style>
+      <a:lnRef idx="2">
+        <a:scrgbClr r="0" g="0" b="0"/>
+      </a:lnRef>
+      <a:fillRef idx="1">
+        <a:scrgbClr r="0" g="0" b="0"/>
+      </a:fillRef>
+      <a:effectRef idx="0">
+        <a:scrgbClr r="0" g="0" b="0"/>
+      </a:effectRef>
+      <a:fontRef idx="minor">
+        <a:schemeClr val="lt1"/>
+      </a:fontRef>
+    </dgm:style>
+  </dgm:styleLbl>
+  <dgm:styleLbl name="asst3">
+    <dgm:scene3d>
+      <a:camera prst="orthographicFront"/>
+      <a:lightRig rig="threePt" dir="t"/>
+    </dgm:scene3d>
+    <dgm:sp3d/>
+    <dgm:txPr/>
+    <dgm:style>
+      <a:lnRef idx="2">
+        <a:scrgbClr r="0" g="0" b="0"/>
+      </a:lnRef>
+      <a:fillRef idx="1">
+        <a:scrgbClr r="0" g="0" b="0"/>
+      </a:fillRef>
+      <a:effectRef idx="0">
+        <a:scrgbClr r="0" g="0" b="0"/>
+      </a:effectRef>
+      <a:fontRef idx="minor">
+        <a:schemeClr val="lt1"/>
+      </a:fontRef>
+    </dgm:style>
+  </dgm:styleLbl>
+  <dgm:styleLbl name="asst4">
+    <dgm:scene3d>
+      <a:camera prst="orthographicFront"/>
+      <a:lightRig rig="threePt" dir="t"/>
+    </dgm:scene3d>
+    <dgm:sp3d/>
+    <dgm:txPr/>
+    <dgm:style>
+      <a:lnRef idx="2">
+        <a:scrgbClr r="0" g="0" b="0"/>
+      </a:lnRef>
+      <a:fillRef idx="1">
+        <a:scrgbClr r="0" g="0" b="0"/>
+      </a:fillRef>
+      <a:effectRef idx="0">
+        <a:scrgbClr r="0" g="0" b="0"/>
+      </a:effectRef>
+      <a:fontRef idx="minor">
+        <a:schemeClr val="lt1"/>
+      </a:fontRef>
+    </dgm:style>
+  </dgm:styleLbl>
+  <dgm:styleLbl name="parChTrans2D1">
+    <dgm:scene3d>
+      <a:camera prst="orthographicFront"/>
+      <a:lightRig rig="threePt" dir="t"/>
+    </dgm:scene3d>
+    <dgm:sp3d/>
+    <dgm:txPr/>
+    <dgm:style>
+      <a:lnRef idx="2">
+        <a:scrgbClr r="0" g="0" b="0"/>
+      </a:lnRef>
+      <a:fillRef idx="1">
+        <a:scrgbClr r="0" g="0" b="0"/>
+      </a:fillRef>
+      <a:effectRef idx="0">
+        <a:scrgbClr r="0" g="0" b="0"/>
+      </a:effectRef>
+      <a:fontRef idx="minor">
+        <a:schemeClr val="lt1"/>
+      </a:fontRef>
+    </dgm:style>
+  </dgm:styleLbl>
+  <dgm:styleLbl name="parChTrans2D2">
+    <dgm:scene3d>
+      <a:camera prst="orthographicFront"/>
+      <a:lightRig rig="threePt" dir="t"/>
+    </dgm:scene3d>
+    <dgm:sp3d/>
+    <dgm:txPr/>
+    <dgm:style>
+      <a:lnRef idx="2">
+        <a:scrgbClr r="0" g="0" b="0"/>
+      </a:lnRef>
+      <a:fillRef idx="1">
+        <a:scrgbClr r="0" g="0" b="0"/>
+      </a:fillRef>
+      <a:effectRef idx="0">
+        <a:scrgbClr r="0" g="0" b="0"/>
+      </a:effectRef>
+      <a:fontRef idx="minor">
+        <a:schemeClr val="lt1"/>
+      </a:fontRef>
+    </dgm:style>
+  </dgm:styleLbl>
+  <dgm:styleLbl name="parChTrans2D3">
+    <dgm:scene3d>
+      <a:camera prst="orthographicFront"/>
+      <a:lightRig rig="threePt" dir="t"/>
+    </dgm:scene3d>
+    <dgm:sp3d/>
+    <dgm:txPr/>
+    <dgm:style>
+      <a:lnRef idx="2">
+        <a:scrgbClr r="0" g="0" b="0"/>
+      </a:lnRef>
+      <a:fillRef idx="1">
+        <a:scrgbClr r="0" g="0" b="0"/>
+      </a:fillRef>
+      <a:effectRef idx="0">
+        <a:scrgbClr r="0" g="0" b="0"/>
+      </a:effectRef>
+      <a:fontRef idx="minor">
+        <a:schemeClr val="lt1"/>
+      </a:fontRef>
+    </dgm:style>
+  </dgm:styleLbl>
+  <dgm:styleLbl name="parChTrans2D4">
+    <dgm:scene3d>
+      <a:camera prst="orthographicFront"/>
+      <a:lightRig rig="threePt" dir="t"/>
+    </dgm:scene3d>
+    <dgm:sp3d/>
+    <dgm:txPr/>
+    <dgm:style>
+      <a:lnRef idx="2">
+        <a:scrgbClr r="0" g="0" b="0"/>
+      </a:lnRef>
+      <a:fillRef idx="1">
+        <a:scrgbClr r="0" g="0" b="0"/>
+      </a:fillRef>
+      <a:effectRef idx="0">
+        <a:scrgbClr r="0" g="0" b="0"/>
+      </a:effectRef>
+      <a:fontRef idx="minor">
+        <a:schemeClr val="lt1"/>
+      </a:fontRef>
+    </dgm:style>
+  </dgm:styleLbl>
+  <dgm:styleLbl name="parChTrans1D1">
+    <dgm:scene3d>
+      <a:camera prst="orthographicFront"/>
+      <a:lightRig rig="threePt" dir="t"/>
+    </dgm:scene3d>
+    <dgm:sp3d/>
+    <dgm:txPr/>
+    <dgm:style>
+      <a:lnRef idx="2">
+        <a:scrgbClr r="0" g="0" b="0"/>
+      </a:lnRef>
+      <a:fillRef idx="0">
+        <a:scrgbClr r="0" g="0" b="0"/>
+      </a:fillRef>
+      <a:effectRef idx="0">
+        <a:scrgbClr r="0" g="0" b="0"/>
+      </a:effectRef>
+      <a:fontRef idx="minor"/>
+    </dgm:style>
+  </dgm:styleLbl>
+  <dgm:styleLbl name="parChTrans1D2">
+    <dgm:scene3d>
+      <a:camera prst="orthographicFront"/>
+      <a:lightRig rig="threePt" dir="t"/>
+    </dgm:scene3d>
+    <dgm:sp3d/>
+    <dgm:txPr/>
+    <dgm:style>
+      <a:lnRef idx="2">
+        <a:scrgbClr r="0" g="0" b="0"/>
+      </a:lnRef>
+      <a:fillRef idx="0">
+        <a:scrgbClr r="0" g="0" b="0"/>
+      </a:fillRef>
+      <a:effectRef idx="0">
+        <a:scrgbClr r="0" g="0" b="0"/>
+      </a:effectRef>
+      <a:fontRef idx="minor"/>
+    </dgm:style>
+  </dgm:styleLbl>
+  <dgm:styleLbl name="parChTrans1D3">
+    <dgm:scene3d>
+      <a:camera prst="orthographicFront"/>
+      <a:lightRig rig="threePt" dir="t"/>
+    </dgm:scene3d>
+    <dgm:sp3d/>
+    <dgm:txPr/>
+    <dgm:style>
+      <a:lnRef idx="2">
+        <a:scrgbClr r="0" g="0" b="0"/>
+      </a:lnRef>
+      <a:fillRef idx="0">
+        <a:scrgbClr r="0" g="0" b="0"/>
+      </a:fillRef>
+      <a:effectRef idx="0">
+        <a:scrgbClr r="0" g="0" b="0"/>
+      </a:effectRef>
+      <a:fontRef idx="minor"/>
+    </dgm:style>
+  </dgm:styleLbl>
+  <dgm:styleLbl name="parChTrans1D4">
+    <dgm:scene3d>
+      <a:camera prst="orthographicFront"/>
+      <a:lightRig rig="threePt" dir="t"/>
+    </dgm:scene3d>
+    <dgm:sp3d/>
+    <dgm:txPr/>
+    <dgm:style>
+      <a:lnRef idx="2">
+        <a:scrgbClr r="0" g="0" b="0"/>
+      </a:lnRef>
+      <a:fillRef idx="0">
+        <a:scrgbClr r="0" g="0" b="0"/>
+      </a:fillRef>
+      <a:effectRef idx="0">
+        <a:scrgbClr r="0" g="0" b="0"/>
+      </a:effectRef>
+      <a:fontRef idx="minor"/>
+    </dgm:style>
+  </dgm:styleLbl>
+  <dgm:styleLbl name="fgAcc1">
+    <dgm:scene3d>
+      <a:camera prst="orthographicFront"/>
+      <a:lightRig rig="threePt" dir="t"/>
+    </dgm:scene3d>
+    <dgm:sp3d/>
+    <dgm:txPr/>
+    <dgm:style>
+      <a:lnRef idx="2">
+        <a:scrgbClr r="0" g="0" b="0"/>
+      </a:lnRef>
+      <a:fillRef idx="1">
+        <a:scrgbClr r="0" g="0" b="0"/>
+      </a:fillRef>
+      <a:effectRef idx="0">
+        <a:scrgbClr r="0" g="0" b="0"/>
+      </a:effectRef>
+      <a:fontRef idx="minor"/>
+    </dgm:style>
+  </dgm:styleLbl>
+  <dgm:styleLbl name="conFgAcc1">
+    <dgm:scene3d>
+      <a:camera prst="orthographicFront"/>
+      <a:lightRig rig="threePt" dir="t"/>
+    </dgm:scene3d>
+    <dgm:sp3d/>
+    <dgm:txPr/>
+    <dgm:style>
+      <a:lnRef idx="2">
+        <a:scrgbClr r="0" g="0" b="0"/>
+      </a:lnRef>
+      <a:fillRef idx="1">
+        <a:scrgbClr r="0" g="0" b="0"/>
+      </a:fillRef>
+      <a:effectRef idx="0">
+        <a:scrgbClr r="0" g="0" b="0"/>
+      </a:effectRef>
+      <a:fontRef idx="minor"/>
+    </dgm:style>
+  </dgm:styleLbl>
+  <dgm:styleLbl name="alignAcc1">
+    <dgm:scene3d>
+      <a:camera prst="orthographicFront"/>
+      <a:lightRig rig="threePt" dir="t"/>
+    </dgm:scene3d>
+    <dgm:sp3d/>
+    <dgm:txPr/>
+    <dgm:style>
+      <a:lnRef idx="2">
+        <a:scrgbClr r="0" g="0" b="0"/>
+      </a:lnRef>
+      <a:fillRef idx="1">
+        <a:scrgbClr r="0" g="0" b="0"/>
+      </a:fillRef>
+      <a:effectRef idx="0">
+        <a:scrgbClr r="0" g="0" b="0"/>
+      </a:effectRef>
+      <a:fontRef idx="minor"/>
+    </dgm:style>
+  </dgm:styleLbl>
+  <dgm:styleLbl name="trAlignAcc1">
+    <dgm:scene3d>
+      <a:camera prst="orthographicFront"/>
+      <a:lightRig rig="threePt" dir="t"/>
+    </dgm:scene3d>
+    <dgm:sp3d/>
+    <dgm:txPr/>
+    <dgm:style>
+      <a:lnRef idx="1">
+        <a:scrgbClr r="0" g="0" b="0"/>
+      </a:lnRef>
+      <a:fillRef idx="1">
+        <a:scrgbClr r="0" g="0" b="0"/>
+      </a:fillRef>
+      <a:effectRef idx="0">
+        <a:scrgbClr r="0" g="0" b="0"/>
+      </a:effectRef>
+      <a:fontRef idx="minor"/>
+    </dgm:style>
+  </dgm:styleLbl>
+  <dgm:styleLbl name="bgAcc1">
+    <dgm:scene3d>
+      <a:camera prst="orthographicFront"/>
+      <a:lightRig rig="threePt" dir="t"/>
+    </dgm:scene3d>
+    <dgm:sp3d/>
+    <dgm:txPr/>
+    <dgm:style>
+      <a:lnRef idx="2">
+        <a:scrgbClr r="0" g="0" b="0"/>
+      </a:lnRef>
+      <a:fillRef idx="1">
+        <a:scrgbClr r="0" g="0" b="0"/>
+      </a:fillRef>
+      <a:effectRef idx="0">
+        <a:scrgbClr r="0" g="0" b="0"/>
+      </a:effectRef>
+      <a:fontRef idx="minor"/>
+    </dgm:style>
+  </dgm:styleLbl>
+  <dgm:styleLbl name="solidFgAcc1">
+    <dgm:scene3d>
+      <a:camera prst="orthographicFront"/>
+      <a:lightRig rig="threePt" dir="t"/>
+    </dgm:scene3d>
+    <dgm:sp3d/>
+    <dgm:txPr/>
+    <dgm:style>
+      <a:lnRef idx="2">
+        <a:scrgbClr r="0" g="0" b="0"/>
+      </a:lnRef>
+      <a:fillRef idx="1">
+        <a:scrgbClr r="0" g="0" b="0"/>
+      </a:fillRef>
+      <a:effectRef idx="0">
+        <a:scrgbClr r="0" g="0" b="0"/>
+      </a:effectRef>
+      <a:fontRef idx="minor"/>
+    </dgm:style>
+  </dgm:styleLbl>
+  <dgm:styleLbl name="solidAlignAcc1">
+    <dgm:scene3d>
+      <a:camera prst="orthographicFront"/>
+      <a:lightRig rig="threePt" dir="t"/>
+    </dgm:scene3d>
+    <dgm:sp3d/>
+    <dgm:txPr/>
+    <dgm:style>
+      <a:lnRef idx="2">
+        <a:scrgbClr r="0" g="0" b="0"/>
+      </a:lnRef>
+      <a:fillRef idx="1">
+        <a:scrgbClr r="0" g="0" b="0"/>
+      </a:fillRef>
+      <a:effectRef idx="0">
+        <a:scrgbClr r="0" g="0" b="0"/>
+      </a:effectRef>
+      <a:fontRef idx="minor"/>
+    </dgm:style>
+  </dgm:styleLbl>
+  <dgm:styleLbl name="solidBgAcc1">
+    <dgm:scene3d>
+      <a:camera prst="orthographicFront"/>
+      <a:lightRig rig="threePt" dir="t"/>
+    </dgm:scene3d>
+    <dgm:sp3d/>
+    <dgm:txPr/>
+    <dgm:style>
+      <a:lnRef idx="2">
+        <a:scrgbClr r="0" g="0" b="0"/>
+      </a:lnRef>
+      <a:fillRef idx="1">
+        <a:scrgbClr r="0" g="0" b="0"/>
+      </a:fillRef>
+      <a:effectRef idx="0">
+        <a:scrgbClr r="0" g="0" b="0"/>
+      </a:effectRef>
+      <a:fontRef idx="minor"/>
+    </dgm:style>
+  </dgm:styleLbl>
+  <dgm:styleLbl name="fgAccFollowNode1">
+    <dgm:scene3d>
+      <a:camera prst="orthographicFront"/>
+      <a:lightRig rig="threePt" dir="t"/>
+    </dgm:scene3d>
+    <dgm:sp3d/>
+    <dgm:txPr/>
+    <dgm:style>
+      <a:lnRef idx="2">
+        <a:scrgbClr r="0" g="0" b="0"/>
+      </a:lnRef>
+      <a:fillRef idx="1">
+        <a:scrgbClr r="0" g="0" b="0"/>
+      </a:fillRef>
+      <a:effectRef idx="0">
+        <a:scrgbClr r="0" g="0" b="0"/>
+      </a:effectRef>
+      <a:fontRef idx="minor"/>
+    </dgm:style>
+  </dgm:styleLbl>
+  <dgm:styleLbl name="alignAccFollowNode1">
+    <dgm:scene3d>
+      <a:camera prst="orthographicFront"/>
+      <a:lightRig rig="threePt" dir="t"/>
+    </dgm:scene3d>
+    <dgm:sp3d/>
+    <dgm:txPr/>
+    <dgm:style>
+      <a:lnRef idx="2">
+        <a:scrgbClr r="0" g="0" b="0"/>
+      </a:lnRef>
+      <a:fillRef idx="1">
+        <a:scrgbClr r="0" g="0" b="0"/>
+      </a:fillRef>
+      <a:effectRef idx="0">
+        <a:scrgbClr r="0" g="0" b="0"/>
+      </a:effectRef>
+      <a:fontRef idx="minor"/>
+    </dgm:style>
+  </dgm:styleLbl>
+  <dgm:styleLbl name="bgAccFollowNode1">
+    <dgm:scene3d>
+      <a:camera prst="orthographicFront"/>
+      <a:lightRig rig="threePt" dir="t"/>
+    </dgm:scene3d>
+    <dgm:sp3d/>
+    <dgm:txPr/>
+    <dgm:style>
+      <a:lnRef idx="2">
+        <a:scrgbClr r="0" g="0" b="0"/>
+      </a:lnRef>
+      <a:fillRef idx="1">
+        <a:scrgbClr r="0" g="0" b="0"/>
+      </a:fillRef>
+      <a:effectRef idx="0">
+        <a:scrgbClr r="0" g="0" b="0"/>
+      </a:effectRef>
+      <a:fontRef idx="minor"/>
+    </dgm:style>
+  </dgm:styleLbl>
+  <dgm:styleLbl name="fgAcc0">
+    <dgm:scene3d>
+      <a:camera prst="orthographicFront"/>
+      <a:lightRig rig="threePt" dir="t"/>
+    </dgm:scene3d>
+    <dgm:sp3d/>
+    <dgm:txPr/>
+    <dgm:style>
+      <a:lnRef idx="2">
+        <a:scrgbClr r="0" g="0" b="0"/>
+      </a:lnRef>
+      <a:fillRef idx="1">
+        <a:scrgbClr r="0" g="0" b="0"/>
+      </a:fillRef>
+      <a:effectRef idx="0">
+        <a:scrgbClr r="0" g="0" b="0"/>
+      </a:effectRef>
+      <a:fontRef idx="minor"/>
+    </dgm:style>
+  </dgm:styleLbl>
+  <dgm:styleLbl name="fgAcc2">
+    <dgm:scene3d>
+      <a:camera prst="orthographicFront"/>
+      <a:lightRig rig="threePt" dir="t"/>
+    </dgm:scene3d>
+    <dgm:sp3d/>
+    <dgm:txPr/>
+    <dgm:style>
+      <a:lnRef idx="2">
+        <a:scrgbClr r="0" g="0" b="0"/>
+      </a:lnRef>
+      <a:fillRef idx="1">
+        <a:scrgbClr r="0" g="0" b="0"/>
+      </a:fillRef>
+      <a:effectRef idx="0">
+        <a:scrgbClr r="0" g="0" b="0"/>
+      </a:effectRef>
+      <a:fontRef idx="minor"/>
+    </dgm:style>
+  </dgm:styleLbl>
+  <dgm:styleLbl name="fgAcc3">
+    <dgm:scene3d>
+      <a:camera prst="orthographicFront"/>
+      <a:lightRig rig="threePt" dir="t"/>
+    </dgm:scene3d>
+    <dgm:sp3d/>
+    <dgm:txPr/>
+    <dgm:style>
+      <a:lnRef idx="2">
+        <a:scrgbClr r="0" g="0" b="0"/>
+      </a:lnRef>
+      <a:fillRef idx="1">
+        <a:scrgbClr r="0" g="0" b="0"/>
+      </a:fillRef>
+      <a:effectRef idx="0">
+        <a:scrgbClr r="0" g="0" b="0"/>
+      </a:effectRef>
+      <a:fontRef idx="minor"/>
+    </dgm:style>
+  </dgm:styleLbl>
+  <dgm:styleLbl name="fgAcc4">
+    <dgm:scene3d>
+      <a:camera prst="orthographicFront"/>
+      <a:lightRig rig="threePt" dir="t"/>
+    </dgm:scene3d>
+    <dgm:sp3d/>
+    <dgm:txPr/>
+    <dgm:style>
+      <a:lnRef idx="2">
+        <a:scrgbClr r="0" g="0" b="0"/>
+      </a:lnRef>
+      <a:fillRef idx="1">
+        <a:scrgbClr r="0" g="0" b="0"/>
+      </a:fillRef>
+      <a:effectRef idx="0">
+        <a:scrgbClr r="0" g="0" b="0"/>
+      </a:effectRef>
+      <a:fontRef idx="minor"/>
+    </dgm:style>
+  </dgm:styleLbl>
+  <dgm:styleLbl name="bgShp">
+    <dgm:scene3d>
+      <a:camera prst="orthographicFront"/>
+      <a:lightRig rig="threePt" dir="t"/>
+    </dgm:scene3d>
+    <dgm:sp3d/>
+    <dgm:txPr/>
+    <dgm:style>
+      <a:lnRef idx="0">
+        <a:scrgbClr r="0" g="0" b="0"/>
+      </a:lnRef>
+      <a:fillRef idx="1">
+        <a:scrgbClr r="0" g="0" b="0"/>
+      </a:fillRef>
+      <a:effectRef idx="0">
+        <a:scrgbClr r="0" g="0" b="0"/>
+      </a:effectRef>
+      <a:fontRef idx="minor"/>
+    </dgm:style>
+  </dgm:styleLbl>
+  <dgm:styleLbl name="dkBgShp">
+    <dgm:scene3d>
+      <a:camera prst="orthographicFront"/>
+      <a:lightRig rig="threePt" dir="t"/>
+    </dgm:scene3d>
+    <dgm:sp3d/>
+    <dgm:txPr/>
+    <dgm:style>
+      <a:lnRef idx="0">
+        <a:scrgbClr r="0" g="0" b="0"/>
+      </a:lnRef>
+      <a:fillRef idx="1">
+        <a:scrgbClr r="0" g="0" b="0"/>
+      </a:fillRef>
+      <a:effectRef idx="0">
+        <a:scrgbClr r="0" g="0" b="0"/>
+      </a:effectRef>
+      <a:fontRef idx="minor"/>
+    </dgm:style>
+  </dgm:styleLbl>
+  <dgm:styleLbl name="trBgShp">
+    <dgm:scene3d>
+      <a:camera prst="orthographicFront"/>
+      <a:lightRig rig="threePt" dir="t"/>
+    </dgm:scene3d>
+    <dgm:sp3d/>
+    <dgm:txPr/>
+    <dgm:style>
+      <a:lnRef idx="0">
+        <a:scrgbClr r="0" g="0" b="0"/>
+      </a:lnRef>
+      <a:fillRef idx="1">
+        <a:scrgbClr r="0" g="0" b="0"/>
+      </a:fillRef>
+      <a:effectRef idx="0">
+        <a:scrgbClr r="0" g="0" b="0"/>
+      </a:effectRef>
+      <a:fontRef idx="minor"/>
+    </dgm:style>
+  </dgm:styleLbl>
+  <dgm:styleLbl name="fgShp">
+    <dgm:scene3d>
+      <a:camera prst="orthographicFront"/>
+      <a:lightRig rig="threePt" dir="t"/>
+    </dgm:scene3d>
+    <dgm:sp3d/>
+    <dgm:txPr/>
+    <dgm:style>
+      <a:lnRef idx="2">
+        <a:scrgbClr r="0" g="0" b="0"/>
+      </a:lnRef>
+      <a:fillRef idx="1">
+        <a:scrgbClr r="0" g="0" b="0"/>
+      </a:fillRef>
+      <a:effectRef idx="0">
+        <a:scrgbClr r="0" g="0" b="0"/>
+      </a:effectRef>
+      <a:fontRef idx="minor"/>
+    </dgm:style>
+  </dgm:styleLbl>
+  <dgm:styleLbl name="revTx">
+    <dgm:scene3d>
+      <a:camera prst="orthographicFront"/>
+      <a:lightRig rig="threePt" dir="t"/>
+    </dgm:scene3d>
+    <dgm:sp3d/>
+    <dgm:txPr/>
+    <dgm:style>
+      <a:lnRef idx="0">
+        <a:scrgbClr r="0" g="0" b="0"/>
+      </a:lnRef>
+      <a:fillRef idx="0">
+        <a:scrgbClr r="0" g="0" b="0"/>
+      </a:fillRef>
+      <a:effectRef idx="0">
+        <a:scrgbClr r="0" g="0" b="0"/>
+      </a:effectRef>
+      <a:fontRef idx="minor"/>
+    </dgm:style>
+  </dgm:styleLbl>
+</dgm:styleDef>
 </file>
 
 <file path=ppt/slideLayouts/slideLayout1.xml><?xml version="1.0" encoding="utf-8"?>
@@ -139,8 +2978,8 @@
         </p:nvSpPr>
         <p:spPr>
           <a:xfrm>
-            <a:off x="685800" y="2130425"/>
-            <a:ext cx="7772400" cy="1470025"/>
+            <a:off x="914400" y="2130426"/>
+            <a:ext cx="10363200" cy="1470025"/>
           </a:xfrm>
         </p:spPr>
         <p:txBody>
@@ -148,10 +2987,9 @@
           <a:lstStyle/>
           <a:p>
             <a:r>
-              <a:rPr lang="en-US" smtClean="0"/>
+              <a:rPr lang="en-US"/>
               <a:t>Click to edit Master title style</a:t>
             </a:r>
-            <a:endParaRPr lang="en-US"/>
           </a:p>
         </p:txBody>
       </p:sp>
@@ -167,8 +3005,8 @@
         </p:nvSpPr>
         <p:spPr>
           <a:xfrm>
-            <a:off x="1371600" y="3886200"/>
-            <a:ext cx="6400800" cy="1752600"/>
+            <a:off x="1828800" y="3886200"/>
+            <a:ext cx="8534400" cy="1752600"/>
           </a:xfrm>
         </p:spPr>
         <p:txBody>
@@ -267,10 +3105,9 @@
           </a:lstStyle>
           <a:p>
             <a:r>
-              <a:rPr lang="en-US" smtClean="0"/>
+              <a:rPr lang="en-US"/>
               <a:t>Click to edit Master subtitle style</a:t>
             </a:r>
-            <a:endParaRPr lang="en-US"/>
           </a:p>
         </p:txBody>
       </p:sp>
@@ -291,7 +3128,7 @@
           <a:p>
             <a:fld id="{5BCAD085-E8A6-8845-BD4E-CB4CCA059FC4}" type="datetimeFigureOut">
               <a:rPr lang="en-US" smtClean="0"/>
-              <a:t>1/27/13</a:t>
+              <a:t>9/11/2025</a:t>
             </a:fld>
             <a:endParaRPr lang="en-US"/>
           </a:p>
@@ -333,7 +3170,7 @@
           <a:p>
             <a:fld id="{C1FF6DA9-008F-8B48-92A6-B652298478BF}" type="slidenum">
               <a:rPr lang="en-US" smtClean="0"/>
-              <a:t>‹#›</a:t>
+              <a:t>‹nº›</a:t>
             </a:fld>
             <a:endParaRPr lang="en-US"/>
           </a:p>
@@ -385,10 +3222,9 @@
           <a:lstStyle/>
           <a:p>
             <a:r>
-              <a:rPr lang="en-US" smtClean="0"/>
+              <a:rPr lang="en-US"/>
               <a:t>Click to edit Master title style</a:t>
             </a:r>
-            <a:endParaRPr lang="en-US"/>
           </a:p>
         </p:txBody>
       </p:sp>
@@ -409,38 +3245,37 @@
           <a:p>
             <a:pPr lvl="0"/>
             <a:r>
-              <a:rPr lang="en-US" smtClean="0"/>
+              <a:rPr lang="en-US"/>
               <a:t>Click to edit Master text styles</a:t>
             </a:r>
           </a:p>
           <a:p>
             <a:pPr lvl="1"/>
             <a:r>
-              <a:rPr lang="en-US" smtClean="0"/>
+              <a:rPr lang="en-US"/>
               <a:t>Second level</a:t>
             </a:r>
           </a:p>
           <a:p>
             <a:pPr lvl="2"/>
             <a:r>
-              <a:rPr lang="en-US" smtClean="0"/>
+              <a:rPr lang="en-US"/>
               <a:t>Third level</a:t>
             </a:r>
           </a:p>
           <a:p>
             <a:pPr lvl="3"/>
             <a:r>
-              <a:rPr lang="en-US" smtClean="0"/>
+              <a:rPr lang="en-US"/>
               <a:t>Fourth level</a:t>
             </a:r>
           </a:p>
           <a:p>
             <a:pPr lvl="4"/>
             <a:r>
-              <a:rPr lang="en-US" smtClean="0"/>
+              <a:rPr lang="en-US"/>
               <a:t>Fifth level</a:t>
             </a:r>
-            <a:endParaRPr lang="en-US"/>
           </a:p>
         </p:txBody>
       </p:sp>
@@ -461,7 +3296,7 @@
           <a:p>
             <a:fld id="{5BCAD085-E8A6-8845-BD4E-CB4CCA059FC4}" type="datetimeFigureOut">
               <a:rPr lang="en-US" smtClean="0"/>
-              <a:t>1/27/13</a:t>
+              <a:t>9/11/2025</a:t>
             </a:fld>
             <a:endParaRPr lang="en-US"/>
           </a:p>
@@ -503,7 +3338,7 @@
           <a:p>
             <a:fld id="{C1FF6DA9-008F-8B48-92A6-B652298478BF}" type="slidenum">
               <a:rPr lang="en-US" smtClean="0"/>
-              <a:t>‹#›</a:t>
+              <a:t>‹nº›</a:t>
             </a:fld>
             <a:endParaRPr lang="en-US"/>
           </a:p>
@@ -551,8 +3386,8 @@
         </p:nvSpPr>
         <p:spPr>
           <a:xfrm>
-            <a:off x="6629400" y="274638"/>
-            <a:ext cx="2057400" cy="5851525"/>
+            <a:off x="8839200" y="274639"/>
+            <a:ext cx="2743200" cy="5851525"/>
           </a:xfrm>
         </p:spPr>
         <p:txBody>
@@ -560,10 +3395,9 @@
           <a:lstStyle/>
           <a:p>
             <a:r>
-              <a:rPr lang="en-US" smtClean="0"/>
+              <a:rPr lang="en-US"/>
               <a:t>Click to edit Master title style</a:t>
             </a:r>
-            <a:endParaRPr lang="en-US"/>
           </a:p>
         </p:txBody>
       </p:sp>
@@ -579,8 +3413,8 @@
         </p:nvSpPr>
         <p:spPr>
           <a:xfrm>
-            <a:off x="457200" y="274638"/>
-            <a:ext cx="6019800" cy="5851525"/>
+            <a:off x="609600" y="274639"/>
+            <a:ext cx="8026400" cy="5851525"/>
           </a:xfrm>
         </p:spPr>
         <p:txBody>
@@ -589,38 +3423,37 @@
           <a:p>
             <a:pPr lvl="0"/>
             <a:r>
-              <a:rPr lang="en-US" smtClean="0"/>
+              <a:rPr lang="en-US"/>
               <a:t>Click to edit Master text styles</a:t>
             </a:r>
           </a:p>
           <a:p>
             <a:pPr lvl="1"/>
             <a:r>
-              <a:rPr lang="en-US" smtClean="0"/>
+              <a:rPr lang="en-US"/>
               <a:t>Second level</a:t>
             </a:r>
           </a:p>
           <a:p>
             <a:pPr lvl="2"/>
             <a:r>
-              <a:rPr lang="en-US" smtClean="0"/>
+              <a:rPr lang="en-US"/>
               <a:t>Third level</a:t>
             </a:r>
           </a:p>
           <a:p>
             <a:pPr lvl="3"/>
             <a:r>
-              <a:rPr lang="en-US" smtClean="0"/>
+              <a:rPr lang="en-US"/>
               <a:t>Fourth level</a:t>
             </a:r>
           </a:p>
           <a:p>
             <a:pPr lvl="4"/>
             <a:r>
-              <a:rPr lang="en-US" smtClean="0"/>
+              <a:rPr lang="en-US"/>
               <a:t>Fifth level</a:t>
             </a:r>
-            <a:endParaRPr lang="en-US"/>
           </a:p>
         </p:txBody>
       </p:sp>
@@ -641,7 +3474,7 @@
           <a:p>
             <a:fld id="{5BCAD085-E8A6-8845-BD4E-CB4CCA059FC4}" type="datetimeFigureOut">
               <a:rPr lang="en-US" smtClean="0"/>
-              <a:t>1/27/13</a:t>
+              <a:t>9/11/2025</a:t>
             </a:fld>
             <a:endParaRPr lang="en-US"/>
           </a:p>
@@ -683,7 +3516,7 @@
           <a:p>
             <a:fld id="{C1FF6DA9-008F-8B48-92A6-B652298478BF}" type="slidenum">
               <a:rPr lang="en-US" smtClean="0"/>
-              <a:t>‹#›</a:t>
+              <a:t>‹nº›</a:t>
             </a:fld>
             <a:endParaRPr lang="en-US"/>
           </a:p>
@@ -735,10 +3568,9 @@
           <a:lstStyle/>
           <a:p>
             <a:r>
-              <a:rPr lang="en-US" smtClean="0"/>
+              <a:rPr lang="en-US"/>
               <a:t>Click to edit Master title style</a:t>
             </a:r>
-            <a:endParaRPr lang="en-US"/>
           </a:p>
         </p:txBody>
       </p:sp>
@@ -759,38 +3591,37 @@
           <a:p>
             <a:pPr lvl="0"/>
             <a:r>
-              <a:rPr lang="en-US" smtClean="0"/>
+              <a:rPr lang="en-US"/>
               <a:t>Click to edit Master text styles</a:t>
             </a:r>
           </a:p>
           <a:p>
             <a:pPr lvl="1"/>
             <a:r>
-              <a:rPr lang="en-US" smtClean="0"/>
+              <a:rPr lang="en-US"/>
               <a:t>Second level</a:t>
             </a:r>
           </a:p>
           <a:p>
             <a:pPr lvl="2"/>
             <a:r>
-              <a:rPr lang="en-US" smtClean="0"/>
+              <a:rPr lang="en-US"/>
               <a:t>Third level</a:t>
             </a:r>
           </a:p>
           <a:p>
             <a:pPr lvl="3"/>
             <a:r>
-              <a:rPr lang="en-US" smtClean="0"/>
+              <a:rPr lang="en-US"/>
               <a:t>Fourth level</a:t>
             </a:r>
           </a:p>
           <a:p>
             <a:pPr lvl="4"/>
             <a:r>
-              <a:rPr lang="en-US" smtClean="0"/>
+              <a:rPr lang="en-US"/>
               <a:t>Fifth level</a:t>
             </a:r>
-            <a:endParaRPr lang="en-US"/>
           </a:p>
         </p:txBody>
       </p:sp>
@@ -811,7 +3642,7 @@
           <a:p>
             <a:fld id="{5BCAD085-E8A6-8845-BD4E-CB4CCA059FC4}" type="datetimeFigureOut">
               <a:rPr lang="en-US" smtClean="0"/>
-              <a:t>1/27/13</a:t>
+              <a:t>9/11/2025</a:t>
             </a:fld>
             <a:endParaRPr lang="en-US"/>
           </a:p>
@@ -853,7 +3684,7 @@
           <a:p>
             <a:fld id="{C1FF6DA9-008F-8B48-92A6-B652298478BF}" type="slidenum">
               <a:rPr lang="en-US" smtClean="0"/>
-              <a:t>‹#›</a:t>
+              <a:t>‹nº›</a:t>
             </a:fld>
             <a:endParaRPr lang="en-US"/>
           </a:p>
@@ -901,8 +3732,8 @@
         </p:nvSpPr>
         <p:spPr>
           <a:xfrm>
-            <a:off x="722313" y="4406900"/>
-            <a:ext cx="7772400" cy="1362075"/>
+            <a:off x="963084" y="4406901"/>
+            <a:ext cx="10363200" cy="1362075"/>
           </a:xfrm>
         </p:spPr>
         <p:txBody>
@@ -914,10 +3745,9 @@
           </a:lstStyle>
           <a:p>
             <a:r>
-              <a:rPr lang="en-US" smtClean="0"/>
+              <a:rPr lang="en-US"/>
               <a:t>Click to edit Master title style</a:t>
             </a:r>
-            <a:endParaRPr lang="en-US"/>
           </a:p>
         </p:txBody>
       </p:sp>
@@ -933,8 +3763,8 @@
         </p:nvSpPr>
         <p:spPr>
           <a:xfrm>
-            <a:off x="722313" y="2906713"/>
-            <a:ext cx="7772400" cy="1500187"/>
+            <a:off x="963084" y="2906713"/>
+            <a:ext cx="10363200" cy="1500187"/>
           </a:xfrm>
         </p:spPr>
         <p:txBody>
@@ -1034,7 +3864,7 @@
           <a:p>
             <a:pPr lvl="0"/>
             <a:r>
-              <a:rPr lang="en-US" smtClean="0"/>
+              <a:rPr lang="en-US"/>
               <a:t>Click to edit Master text styles</a:t>
             </a:r>
           </a:p>
@@ -1057,7 +3887,7 @@
           <a:p>
             <a:fld id="{5BCAD085-E8A6-8845-BD4E-CB4CCA059FC4}" type="datetimeFigureOut">
               <a:rPr lang="en-US" smtClean="0"/>
-              <a:t>1/27/13</a:t>
+              <a:t>9/11/2025</a:t>
             </a:fld>
             <a:endParaRPr lang="en-US"/>
           </a:p>
@@ -1099,7 +3929,7 @@
           <a:p>
             <a:fld id="{C1FF6DA9-008F-8B48-92A6-B652298478BF}" type="slidenum">
               <a:rPr lang="en-US" smtClean="0"/>
-              <a:t>‹#›</a:t>
+              <a:t>‹nº›</a:t>
             </a:fld>
             <a:endParaRPr lang="en-US"/>
           </a:p>
@@ -1151,10 +3981,9 @@
           <a:lstStyle/>
           <a:p>
             <a:r>
-              <a:rPr lang="en-US" smtClean="0"/>
+              <a:rPr lang="en-US"/>
               <a:t>Click to edit Master title style</a:t>
             </a:r>
-            <a:endParaRPr lang="en-US"/>
           </a:p>
         </p:txBody>
       </p:sp>
@@ -1170,8 +3999,8 @@
         </p:nvSpPr>
         <p:spPr>
           <a:xfrm>
-            <a:off x="457200" y="1600200"/>
-            <a:ext cx="4038600" cy="4525963"/>
+            <a:off x="609600" y="1600201"/>
+            <a:ext cx="5384800" cy="4525963"/>
           </a:xfrm>
         </p:spPr>
         <p:txBody>
@@ -1208,38 +4037,37 @@
           <a:p>
             <a:pPr lvl="0"/>
             <a:r>
-              <a:rPr lang="en-US" smtClean="0"/>
+              <a:rPr lang="en-US"/>
               <a:t>Click to edit Master text styles</a:t>
             </a:r>
           </a:p>
           <a:p>
             <a:pPr lvl="1"/>
             <a:r>
-              <a:rPr lang="en-US" smtClean="0"/>
+              <a:rPr lang="en-US"/>
               <a:t>Second level</a:t>
             </a:r>
           </a:p>
           <a:p>
             <a:pPr lvl="2"/>
             <a:r>
-              <a:rPr lang="en-US" smtClean="0"/>
+              <a:rPr lang="en-US"/>
               <a:t>Third level</a:t>
             </a:r>
           </a:p>
           <a:p>
             <a:pPr lvl="3"/>
             <a:r>
-              <a:rPr lang="en-US" smtClean="0"/>
+              <a:rPr lang="en-US"/>
               <a:t>Fourth level</a:t>
             </a:r>
           </a:p>
           <a:p>
             <a:pPr lvl="4"/>
             <a:r>
-              <a:rPr lang="en-US" smtClean="0"/>
+              <a:rPr lang="en-US"/>
               <a:t>Fifth level</a:t>
             </a:r>
-            <a:endParaRPr lang="en-US"/>
           </a:p>
         </p:txBody>
       </p:sp>
@@ -1255,8 +4083,8 @@
         </p:nvSpPr>
         <p:spPr>
           <a:xfrm>
-            <a:off x="4648200" y="1600200"/>
-            <a:ext cx="4038600" cy="4525963"/>
+            <a:off x="6197600" y="1600201"/>
+            <a:ext cx="5384800" cy="4525963"/>
           </a:xfrm>
         </p:spPr>
         <p:txBody>
@@ -1293,38 +4121,37 @@
           <a:p>
             <a:pPr lvl="0"/>
             <a:r>
-              <a:rPr lang="en-US" smtClean="0"/>
+              <a:rPr lang="en-US"/>
               <a:t>Click to edit Master text styles</a:t>
             </a:r>
           </a:p>
           <a:p>
             <a:pPr lvl="1"/>
             <a:r>
-              <a:rPr lang="en-US" smtClean="0"/>
+              <a:rPr lang="en-US"/>
               <a:t>Second level</a:t>
             </a:r>
           </a:p>
           <a:p>
             <a:pPr lvl="2"/>
             <a:r>
-              <a:rPr lang="en-US" smtClean="0"/>
+              <a:rPr lang="en-US"/>
               <a:t>Third level</a:t>
             </a:r>
           </a:p>
           <a:p>
             <a:pPr lvl="3"/>
             <a:r>
-              <a:rPr lang="en-US" smtClean="0"/>
+              <a:rPr lang="en-US"/>
               <a:t>Fourth level</a:t>
             </a:r>
           </a:p>
           <a:p>
             <a:pPr lvl="4"/>
             <a:r>
-              <a:rPr lang="en-US" smtClean="0"/>
+              <a:rPr lang="en-US"/>
               <a:t>Fifth level</a:t>
             </a:r>
-            <a:endParaRPr lang="en-US"/>
           </a:p>
         </p:txBody>
       </p:sp>
@@ -1345,7 +4172,7 @@
           <a:p>
             <a:fld id="{5BCAD085-E8A6-8845-BD4E-CB4CCA059FC4}" type="datetimeFigureOut">
               <a:rPr lang="en-US" smtClean="0"/>
-              <a:t>1/27/13</a:t>
+              <a:t>9/11/2025</a:t>
             </a:fld>
             <a:endParaRPr lang="en-US"/>
           </a:p>
@@ -1387,7 +4214,7 @@
           <a:p>
             <a:fld id="{C1FF6DA9-008F-8B48-92A6-B652298478BF}" type="slidenum">
               <a:rPr lang="en-US" smtClean="0"/>
-              <a:t>‹#›</a:t>
+              <a:t>‹nº›</a:t>
             </a:fld>
             <a:endParaRPr lang="en-US"/>
           </a:p>
@@ -1443,10 +4270,9 @@
           </a:lstStyle>
           <a:p>
             <a:r>
-              <a:rPr lang="en-US" smtClean="0"/>
+              <a:rPr lang="en-US"/>
               <a:t>Click to edit Master title style</a:t>
             </a:r>
-            <a:endParaRPr lang="en-US"/>
           </a:p>
         </p:txBody>
       </p:sp>
@@ -1462,8 +4288,8 @@
         </p:nvSpPr>
         <p:spPr>
           <a:xfrm>
-            <a:off x="457200" y="1535113"/>
-            <a:ext cx="4040188" cy="639762"/>
+            <a:off x="609600" y="1535113"/>
+            <a:ext cx="5386917" cy="639762"/>
           </a:xfrm>
         </p:spPr>
         <p:txBody>
@@ -1509,7 +4335,7 @@
           <a:p>
             <a:pPr lvl="0"/>
             <a:r>
-              <a:rPr lang="en-US" smtClean="0"/>
+              <a:rPr lang="en-US"/>
               <a:t>Click to edit Master text styles</a:t>
             </a:r>
           </a:p>
@@ -1527,8 +4353,8 @@
         </p:nvSpPr>
         <p:spPr>
           <a:xfrm>
-            <a:off x="457200" y="2174875"/>
-            <a:ext cx="4040188" cy="3951288"/>
+            <a:off x="609600" y="2174875"/>
+            <a:ext cx="5386917" cy="3951288"/>
           </a:xfrm>
         </p:spPr>
         <p:txBody>
@@ -1565,38 +4391,37 @@
           <a:p>
             <a:pPr lvl="0"/>
             <a:r>
-              <a:rPr lang="en-US" smtClean="0"/>
+              <a:rPr lang="en-US"/>
               <a:t>Click to edit Master text styles</a:t>
             </a:r>
           </a:p>
           <a:p>
             <a:pPr lvl="1"/>
             <a:r>
-              <a:rPr lang="en-US" smtClean="0"/>
+              <a:rPr lang="en-US"/>
               <a:t>Second level</a:t>
             </a:r>
           </a:p>
           <a:p>
             <a:pPr lvl="2"/>
             <a:r>
-              <a:rPr lang="en-US" smtClean="0"/>
+              <a:rPr lang="en-US"/>
               <a:t>Third level</a:t>
             </a:r>
           </a:p>
           <a:p>
             <a:pPr lvl="3"/>
             <a:r>
-              <a:rPr lang="en-US" smtClean="0"/>
+              <a:rPr lang="en-US"/>
               <a:t>Fourth level</a:t>
             </a:r>
           </a:p>
           <a:p>
             <a:pPr lvl="4"/>
             <a:r>
-              <a:rPr lang="en-US" smtClean="0"/>
+              <a:rPr lang="en-US"/>
               <a:t>Fifth level</a:t>
             </a:r>
-            <a:endParaRPr lang="en-US"/>
           </a:p>
         </p:txBody>
       </p:sp>
@@ -1612,8 +4437,8 @@
         </p:nvSpPr>
         <p:spPr>
           <a:xfrm>
-            <a:off x="4645025" y="1535113"/>
-            <a:ext cx="4041775" cy="639762"/>
+            <a:off x="6193368" y="1535113"/>
+            <a:ext cx="5389033" cy="639762"/>
           </a:xfrm>
         </p:spPr>
         <p:txBody>
@@ -1659,7 +4484,7 @@
           <a:p>
             <a:pPr lvl="0"/>
             <a:r>
-              <a:rPr lang="en-US" smtClean="0"/>
+              <a:rPr lang="en-US"/>
               <a:t>Click to edit Master text styles</a:t>
             </a:r>
           </a:p>
@@ -1677,8 +4502,8 @@
         </p:nvSpPr>
         <p:spPr>
           <a:xfrm>
-            <a:off x="4645025" y="2174875"/>
-            <a:ext cx="4041775" cy="3951288"/>
+            <a:off x="6193368" y="2174875"/>
+            <a:ext cx="5389033" cy="3951288"/>
           </a:xfrm>
         </p:spPr>
         <p:txBody>
@@ -1715,38 +4540,37 @@
           <a:p>
             <a:pPr lvl="0"/>
             <a:r>
-              <a:rPr lang="en-US" smtClean="0"/>
+              <a:rPr lang="en-US"/>
               <a:t>Click to edit Master text styles</a:t>
             </a:r>
           </a:p>
           <a:p>
             <a:pPr lvl="1"/>
             <a:r>
-              <a:rPr lang="en-US" smtClean="0"/>
+              <a:rPr lang="en-US"/>
               <a:t>Second level</a:t>
             </a:r>
           </a:p>
           <a:p>
             <a:pPr lvl="2"/>
             <a:r>
-              <a:rPr lang="en-US" smtClean="0"/>
+              <a:rPr lang="en-US"/>
               <a:t>Third level</a:t>
             </a:r>
           </a:p>
           <a:p>
             <a:pPr lvl="3"/>
             <a:r>
-              <a:rPr lang="en-US" smtClean="0"/>
+              <a:rPr lang="en-US"/>
               <a:t>Fourth level</a:t>
             </a:r>
           </a:p>
           <a:p>
             <a:pPr lvl="4"/>
             <a:r>
-              <a:rPr lang="en-US" smtClean="0"/>
+              <a:rPr lang="en-US"/>
               <a:t>Fifth level</a:t>
             </a:r>
-            <a:endParaRPr lang="en-US"/>
           </a:p>
         </p:txBody>
       </p:sp>
@@ -1767,7 +4591,7 @@
           <a:p>
             <a:fld id="{5BCAD085-E8A6-8845-BD4E-CB4CCA059FC4}" type="datetimeFigureOut">
               <a:rPr lang="en-US" smtClean="0"/>
-              <a:t>1/27/13</a:t>
+              <a:t>9/11/2025</a:t>
             </a:fld>
             <a:endParaRPr lang="en-US"/>
           </a:p>
@@ -1809,7 +4633,7 @@
           <a:p>
             <a:fld id="{C1FF6DA9-008F-8B48-92A6-B652298478BF}" type="slidenum">
               <a:rPr lang="en-US" smtClean="0"/>
-              <a:t>‹#›</a:t>
+              <a:t>‹nº›</a:t>
             </a:fld>
             <a:endParaRPr lang="en-US"/>
           </a:p>
@@ -1861,10 +4685,9 @@
           <a:lstStyle/>
           <a:p>
             <a:r>
-              <a:rPr lang="en-US" smtClean="0"/>
+              <a:rPr lang="en-US"/>
               <a:t>Click to edit Master title style</a:t>
             </a:r>
-            <a:endParaRPr lang="en-US"/>
           </a:p>
         </p:txBody>
       </p:sp>
@@ -1885,7 +4708,7 @@
           <a:p>
             <a:fld id="{5BCAD085-E8A6-8845-BD4E-CB4CCA059FC4}" type="datetimeFigureOut">
               <a:rPr lang="en-US" smtClean="0"/>
-              <a:t>1/27/13</a:t>
+              <a:t>9/11/2025</a:t>
             </a:fld>
             <a:endParaRPr lang="en-US"/>
           </a:p>
@@ -1927,7 +4750,7 @@
           <a:p>
             <a:fld id="{C1FF6DA9-008F-8B48-92A6-B652298478BF}" type="slidenum">
               <a:rPr lang="en-US" smtClean="0"/>
-              <a:t>‹#›</a:t>
+              <a:t>‹nº›</a:t>
             </a:fld>
             <a:endParaRPr lang="en-US"/>
           </a:p>
@@ -1980,7 +4803,7 @@
           <a:p>
             <a:fld id="{5BCAD085-E8A6-8845-BD4E-CB4CCA059FC4}" type="datetimeFigureOut">
               <a:rPr lang="en-US" smtClean="0"/>
-              <a:t>1/27/13</a:t>
+              <a:t>9/11/2025</a:t>
             </a:fld>
             <a:endParaRPr lang="en-US"/>
           </a:p>
@@ -2022,7 +4845,7 @@
           <a:p>
             <a:fld id="{C1FF6DA9-008F-8B48-92A6-B652298478BF}" type="slidenum">
               <a:rPr lang="en-US" smtClean="0"/>
-              <a:t>‹#›</a:t>
+              <a:t>‹nº›</a:t>
             </a:fld>
             <a:endParaRPr lang="en-US"/>
           </a:p>
@@ -2070,8 +4893,8 @@
         </p:nvSpPr>
         <p:spPr>
           <a:xfrm>
-            <a:off x="457200" y="273050"/>
-            <a:ext cx="3008313" cy="1162050"/>
+            <a:off x="609601" y="273050"/>
+            <a:ext cx="4011084" cy="1162050"/>
           </a:xfrm>
         </p:spPr>
         <p:txBody>
@@ -2083,10 +4906,9 @@
           </a:lstStyle>
           <a:p>
             <a:r>
-              <a:rPr lang="en-US" smtClean="0"/>
+              <a:rPr lang="en-US"/>
               <a:t>Click to edit Master title style</a:t>
             </a:r>
-            <a:endParaRPr lang="en-US"/>
           </a:p>
         </p:txBody>
       </p:sp>
@@ -2102,8 +4924,8 @@
         </p:nvSpPr>
         <p:spPr>
           <a:xfrm>
-            <a:off x="3575050" y="273050"/>
-            <a:ext cx="5111750" cy="5853113"/>
+            <a:off x="4766733" y="273051"/>
+            <a:ext cx="6815667" cy="5853113"/>
           </a:xfrm>
         </p:spPr>
         <p:txBody>
@@ -2140,38 +4962,37 @@
           <a:p>
             <a:pPr lvl="0"/>
             <a:r>
-              <a:rPr lang="en-US" smtClean="0"/>
+              <a:rPr lang="en-US"/>
               <a:t>Click to edit Master text styles</a:t>
             </a:r>
           </a:p>
           <a:p>
             <a:pPr lvl="1"/>
             <a:r>
-              <a:rPr lang="en-US" smtClean="0"/>
+              <a:rPr lang="en-US"/>
               <a:t>Second level</a:t>
             </a:r>
           </a:p>
           <a:p>
             <a:pPr lvl="2"/>
             <a:r>
-              <a:rPr lang="en-US" smtClean="0"/>
+              <a:rPr lang="en-US"/>
               <a:t>Third level</a:t>
             </a:r>
           </a:p>
           <a:p>
             <a:pPr lvl="3"/>
             <a:r>
-              <a:rPr lang="en-US" smtClean="0"/>
+              <a:rPr lang="en-US"/>
               <a:t>Fourth level</a:t>
             </a:r>
           </a:p>
           <a:p>
             <a:pPr lvl="4"/>
             <a:r>
-              <a:rPr lang="en-US" smtClean="0"/>
+              <a:rPr lang="en-US"/>
               <a:t>Fifth level</a:t>
             </a:r>
-            <a:endParaRPr lang="en-US"/>
           </a:p>
         </p:txBody>
       </p:sp>
@@ -2187,8 +5008,8 @@
         </p:nvSpPr>
         <p:spPr>
           <a:xfrm>
-            <a:off x="457200" y="1435100"/>
-            <a:ext cx="3008313" cy="4691063"/>
+            <a:off x="609601" y="1435101"/>
+            <a:ext cx="4011084" cy="4691063"/>
           </a:xfrm>
         </p:spPr>
         <p:txBody>
@@ -2234,7 +5055,7 @@
           <a:p>
             <a:pPr lvl="0"/>
             <a:r>
-              <a:rPr lang="en-US" smtClean="0"/>
+              <a:rPr lang="en-US"/>
               <a:t>Click to edit Master text styles</a:t>
             </a:r>
           </a:p>
@@ -2257,7 +5078,7 @@
           <a:p>
             <a:fld id="{5BCAD085-E8A6-8845-BD4E-CB4CCA059FC4}" type="datetimeFigureOut">
               <a:rPr lang="en-US" smtClean="0"/>
-              <a:t>1/27/13</a:t>
+              <a:t>9/11/2025</a:t>
             </a:fld>
             <a:endParaRPr lang="en-US"/>
           </a:p>
@@ -2299,7 +5120,7 @@
           <a:p>
             <a:fld id="{C1FF6DA9-008F-8B48-92A6-B652298478BF}" type="slidenum">
               <a:rPr lang="en-US" smtClean="0"/>
-              <a:t>‹#›</a:t>
+              <a:t>‹nº›</a:t>
             </a:fld>
             <a:endParaRPr lang="en-US"/>
           </a:p>
@@ -2347,8 +5168,8 @@
         </p:nvSpPr>
         <p:spPr>
           <a:xfrm>
-            <a:off x="1792288" y="4800600"/>
-            <a:ext cx="5486400" cy="566738"/>
+            <a:off x="2389717" y="4800600"/>
+            <a:ext cx="7315200" cy="566738"/>
           </a:xfrm>
         </p:spPr>
         <p:txBody>
@@ -2360,10 +5181,9 @@
           </a:lstStyle>
           <a:p>
             <a:r>
-              <a:rPr lang="en-US" smtClean="0"/>
+              <a:rPr lang="en-US"/>
               <a:t>Click to edit Master title style</a:t>
             </a:r>
-            <a:endParaRPr lang="en-US"/>
           </a:p>
         </p:txBody>
       </p:sp>
@@ -2379,8 +5199,8 @@
         </p:nvSpPr>
         <p:spPr>
           <a:xfrm>
-            <a:off x="1792288" y="612775"/>
-            <a:ext cx="5486400" cy="4114800"/>
+            <a:off x="2389717" y="612775"/>
+            <a:ext cx="7315200" cy="4114800"/>
           </a:xfrm>
         </p:spPr>
         <p:txBody>
@@ -2440,8 +5260,8 @@
         </p:nvSpPr>
         <p:spPr>
           <a:xfrm>
-            <a:off x="1792288" y="5367338"/>
-            <a:ext cx="5486400" cy="804862"/>
+            <a:off x="2389717" y="5367338"/>
+            <a:ext cx="7315200" cy="804862"/>
           </a:xfrm>
         </p:spPr>
         <p:txBody>
@@ -2487,7 +5307,7 @@
           <a:p>
             <a:pPr lvl="0"/>
             <a:r>
-              <a:rPr lang="en-US" smtClean="0"/>
+              <a:rPr lang="en-US"/>
               <a:t>Click to edit Master text styles</a:t>
             </a:r>
           </a:p>
@@ -2510,7 +5330,7 @@
           <a:p>
             <a:fld id="{5BCAD085-E8A6-8845-BD4E-CB4CCA059FC4}" type="datetimeFigureOut">
               <a:rPr lang="en-US" smtClean="0"/>
-              <a:t>1/27/13</a:t>
+              <a:t>9/11/2025</a:t>
             </a:fld>
             <a:endParaRPr lang="en-US"/>
           </a:p>
@@ -2552,7 +5372,7 @@
           <a:p>
             <a:fld id="{C1FF6DA9-008F-8B48-92A6-B652298478BF}" type="slidenum">
               <a:rPr lang="en-US" smtClean="0"/>
-              <a:t>‹#›</a:t>
+              <a:t>‹nº›</a:t>
             </a:fld>
             <a:endParaRPr lang="en-US"/>
           </a:p>
@@ -2605,8 +5425,8 @@
         </p:nvSpPr>
         <p:spPr>
           <a:xfrm>
-            <a:off x="457200" y="274638"/>
-            <a:ext cx="8229600" cy="1143000"/>
+            <a:off x="609600" y="274638"/>
+            <a:ext cx="10972800" cy="1143000"/>
           </a:xfrm>
           <a:prstGeom prst="rect">
             <a:avLst/>
@@ -2619,10 +5439,9 @@
           <a:lstStyle/>
           <a:p>
             <a:r>
-              <a:rPr lang="en-US" smtClean="0"/>
+              <a:rPr lang="en-US"/>
               <a:t>Click to edit Master title style</a:t>
             </a:r>
-            <a:endParaRPr lang="en-US"/>
           </a:p>
         </p:txBody>
       </p:sp>
@@ -2638,8 +5457,8 @@
         </p:nvSpPr>
         <p:spPr>
           <a:xfrm>
-            <a:off x="457200" y="1600200"/>
-            <a:ext cx="8229600" cy="4525963"/>
+            <a:off x="609600" y="1600201"/>
+            <a:ext cx="10972800" cy="4525963"/>
           </a:xfrm>
           <a:prstGeom prst="rect">
             <a:avLst/>
@@ -2653,38 +5472,37 @@
           <a:p>
             <a:pPr lvl="0"/>
             <a:r>
-              <a:rPr lang="en-US" smtClean="0"/>
+              <a:rPr lang="en-US"/>
               <a:t>Click to edit Master text styles</a:t>
             </a:r>
           </a:p>
           <a:p>
             <a:pPr lvl="1"/>
             <a:r>
-              <a:rPr lang="en-US" smtClean="0"/>
+              <a:rPr lang="en-US"/>
               <a:t>Second level</a:t>
             </a:r>
           </a:p>
           <a:p>
             <a:pPr lvl="2"/>
             <a:r>
-              <a:rPr lang="en-US" smtClean="0"/>
+              <a:rPr lang="en-US"/>
               <a:t>Third level</a:t>
             </a:r>
           </a:p>
           <a:p>
             <a:pPr lvl="3"/>
             <a:r>
-              <a:rPr lang="en-US" smtClean="0"/>
+              <a:rPr lang="en-US"/>
               <a:t>Fourth level</a:t>
             </a:r>
           </a:p>
           <a:p>
             <a:pPr lvl="4"/>
             <a:r>
-              <a:rPr lang="en-US" smtClean="0"/>
+              <a:rPr lang="en-US"/>
               <a:t>Fifth level</a:t>
             </a:r>
-            <a:endParaRPr lang="en-US"/>
           </a:p>
         </p:txBody>
       </p:sp>
@@ -2700,8 +5518,8 @@
         </p:nvSpPr>
         <p:spPr>
           <a:xfrm>
-            <a:off x="457200" y="6356350"/>
-            <a:ext cx="2133600" cy="365125"/>
+            <a:off x="609600" y="6356351"/>
+            <a:ext cx="2844800" cy="365125"/>
           </a:xfrm>
           <a:prstGeom prst="rect">
             <a:avLst/>
@@ -2723,7 +5541,7 @@
           <a:p>
             <a:fld id="{5BCAD085-E8A6-8845-BD4E-CB4CCA059FC4}" type="datetimeFigureOut">
               <a:rPr lang="en-US" smtClean="0"/>
-              <a:t>1/27/13</a:t>
+              <a:t>9/11/2025</a:t>
             </a:fld>
             <a:endParaRPr lang="en-US"/>
           </a:p>
@@ -2741,8 +5559,8 @@
         </p:nvSpPr>
         <p:spPr>
           <a:xfrm>
-            <a:off x="3124200" y="6356350"/>
-            <a:ext cx="2895600" cy="365125"/>
+            <a:off x="4165600" y="6356351"/>
+            <a:ext cx="3860800" cy="365125"/>
           </a:xfrm>
           <a:prstGeom prst="rect">
             <a:avLst/>
@@ -2778,8 +5596,8 @@
         </p:nvSpPr>
         <p:spPr>
           <a:xfrm>
-            <a:off x="6553200" y="6356350"/>
-            <a:ext cx="2133600" cy="365125"/>
+            <a:off x="8737600" y="6356351"/>
+            <a:ext cx="2844800" cy="365125"/>
           </a:xfrm>
           <a:prstGeom prst="rect">
             <a:avLst/>
@@ -2801,7 +5619,7 @@
           <a:p>
             <a:fld id="{C1FF6DA9-008F-8B48-92A6-B652298478BF}" type="slidenum">
               <a:rPr lang="en-US" smtClean="0"/>
-              <a:t>‹#›</a:t>
+              <a:t>‹nº›</a:t>
             </a:fld>
             <a:endParaRPr lang="en-US"/>
           </a:p>
@@ -3082,15 +5900,550 @@
 </file>
 
 <file path=ppt/slides/slide1.xml><?xml version="1.0" encoding="utf-8"?>
-<p:sld xmlns:a="http://schemas.openxmlformats.org/drawingml/2006/main" xmlns:p="http://schemas.openxmlformats.org/presentationml/2006/main" xmlns:r="http://schemas.openxmlformats.org/officeDocument/2006/relationships">
+<p:sld xmlns:a="http://schemas.openxmlformats.org/drawingml/2006/main" xmlns:r="http://schemas.openxmlformats.org/officeDocument/2006/relationships" xmlns:p="http://schemas.openxmlformats.org/presentationml/2006/main">
   <p:cSld>
+    <p:bg>
+      <p:bgPr>
+        <a:solidFill>
+          <a:schemeClr val="bg1"/>
+        </a:solidFill>
+        <a:effectLst/>
+      </p:bgPr>
+    </p:bg>
     <p:spTree>
       <p:nvGrpSpPr>
         <p:cNvPr id="1" name=""/>
         <p:cNvGrpSpPr/>
         <p:nvPr/>
       </p:nvGrpSpPr>
-      <p:grpSpPr/>
+      <p:grpSpPr>
+        <a:xfrm>
+          <a:off x="0" y="0"/>
+          <a:ext cx="0" cy="0"/>
+          <a:chOff x="0" y="0"/>
+          <a:chExt cx="0" cy="0"/>
+        </a:xfrm>
+      </p:grpSpPr>
+      <p:sp useBgFill="1">
+        <p:nvSpPr>
+          <p:cNvPr id="8" name="Rectangle 7">
+            <a:extLst>
+              <a:ext uri="{FF2B5EF4-FFF2-40B4-BE49-F238E27FC236}">
+                <a16:creationId xmlns:a16="http://schemas.microsoft.com/office/drawing/2014/main" id="{6F5A5072-7B47-4D32-B52A-4EBBF590B8A5}"/>
+              </a:ext>
+              <a:ext uri="{C183D7F6-B498-43B3-948B-1728B52AA6E4}">
+                <adec:decorative xmlns:adec="http://schemas.microsoft.com/office/drawing/2017/decorative" val="1"/>
+              </a:ext>
+            </a:extLst>
+          </p:cNvPr>
+          <p:cNvSpPr>
+            <a:spLocks noGrp="1" noRot="1" noChangeAspect="1" noMove="1" noResize="1" noEditPoints="1" noAdjustHandles="1" noChangeArrowheads="1" noChangeShapeType="1" noTextEdit="1"/>
+          </p:cNvSpPr>
+          <p:nvPr>
+            <p:extLst>
+              <p:ext uri="{386F3935-93C4-4BCD-93E2-E3B085C9AB24}">
+                <p16:designElem xmlns:p16="http://schemas.microsoft.com/office/powerpoint/2015/main" val="1"/>
+              </p:ext>
+            </p:extLst>
+          </p:nvPr>
+        </p:nvSpPr>
+        <p:spPr>
+          <a:xfrm>
+            <a:off x="1524000" y="0"/>
+            <a:ext cx="9144000" cy="6858000"/>
+          </a:xfrm>
+          <a:prstGeom prst="rect">
+            <a:avLst/>
+          </a:prstGeom>
+          <a:ln w="12700" cap="flat" cmpd="sng" algn="ctr">
+            <a:noFill/>
+            <a:prstDash val="solid"/>
+            <a:miter lim="800000"/>
+          </a:ln>
+          <a:effectLst/>
+          <a:extLst>
+            <a:ext uri="{91240B29-F687-4F45-9708-019B960494DF}">
+              <a14:hiddenLine xmlns:a14="http://schemas.microsoft.com/office/drawing/2010/main" w="12700" cap="flat" cmpd="sng" algn="ctr">
+                <a:solidFill>
+                  <a:schemeClr val="accent1">
+                    <a:shade val="50000"/>
+                  </a:schemeClr>
+                </a:solidFill>
+                <a:prstDash val="solid"/>
+                <a:miter lim="800000"/>
+              </a14:hiddenLine>
+            </a:ext>
+          </a:extLst>
+        </p:spPr>
+        <p:style>
+          <a:lnRef idx="2">
+            <a:schemeClr val="accent1">
+              <a:shade val="50000"/>
+            </a:schemeClr>
+          </a:lnRef>
+          <a:fillRef idx="1">
+            <a:schemeClr val="accent1"/>
+          </a:fillRef>
+          <a:effectRef idx="0">
+            <a:schemeClr val="accent1"/>
+          </a:effectRef>
+          <a:fontRef idx="minor">
+            <a:schemeClr val="lt1"/>
+          </a:fontRef>
+        </p:style>
+        <p:txBody>
+          <a:bodyPr rtlCol="0" anchor="ctr"/>
+          <a:lstStyle/>
+          <a:p>
+            <a:pPr algn="ctr"/>
+            <a:endParaRPr lang="en-US"/>
+          </a:p>
+        </p:txBody>
+      </p:sp>
+      <p:sp>
+        <p:nvSpPr>
+          <p:cNvPr id="10" name="Rectangle 9">
+            <a:extLst>
+              <a:ext uri="{FF2B5EF4-FFF2-40B4-BE49-F238E27FC236}">
+                <a16:creationId xmlns:a16="http://schemas.microsoft.com/office/drawing/2014/main" id="{9715DAF0-AE1B-46C9-8A6B-DB2AA05AB91D}"/>
+              </a:ext>
+              <a:ext uri="{C183D7F6-B498-43B3-948B-1728B52AA6E4}">
+                <adec:decorative xmlns:adec="http://schemas.microsoft.com/office/drawing/2017/decorative" val="1"/>
+              </a:ext>
+            </a:extLst>
+          </p:cNvPr>
+          <p:cNvSpPr>
+            <a:spLocks noGrp="1" noRot="1" noChangeAspect="1" noMove="1" noResize="1" noEditPoints="1" noAdjustHandles="1" noChangeArrowheads="1" noChangeShapeType="1" noTextEdit="1"/>
+          </p:cNvSpPr>
+          <p:nvPr>
+            <p:extLst>
+              <p:ext uri="{386F3935-93C4-4BCD-93E2-E3B085C9AB24}">
+                <p16:designElem xmlns:p16="http://schemas.microsoft.com/office/powerpoint/2015/main" val="1"/>
+              </p:ext>
+            </p:extLst>
+          </p:nvPr>
+        </p:nvSpPr>
+        <p:spPr>
+          <a:xfrm rot="10800000">
+            <a:off x="1523999" y="-22693"/>
+            <a:ext cx="9143998" cy="4374129"/>
+          </a:xfrm>
+          <a:prstGeom prst="rect">
+            <a:avLst/>
+          </a:prstGeom>
+          <a:gradFill>
+            <a:gsLst>
+              <a:gs pos="0">
+                <a:schemeClr val="accent1">
+                  <a:lumMod val="75000"/>
+                </a:schemeClr>
+              </a:gs>
+              <a:gs pos="100000">
+                <a:srgbClr val="000000"/>
+              </a:gs>
+            </a:gsLst>
+            <a:lin ang="15000000" scaled="0"/>
+          </a:gradFill>
+          <a:ln>
+            <a:noFill/>
+          </a:ln>
+        </p:spPr>
+        <p:style>
+          <a:lnRef idx="2">
+            <a:schemeClr val="accent1">
+              <a:shade val="50000"/>
+            </a:schemeClr>
+          </a:lnRef>
+          <a:fillRef idx="1">
+            <a:schemeClr val="accent1"/>
+          </a:fillRef>
+          <a:effectRef idx="0">
+            <a:schemeClr val="accent1"/>
+          </a:effectRef>
+          <a:fontRef idx="minor">
+            <a:schemeClr val="lt1"/>
+          </a:fontRef>
+        </p:style>
+        <p:txBody>
+          <a:bodyPr rtlCol="0" anchor="ctr"/>
+          <a:lstStyle/>
+          <a:p>
+            <a:pPr algn="ctr"/>
+            <a:endParaRPr lang="en-US"/>
+          </a:p>
+        </p:txBody>
+      </p:sp>
+      <p:sp>
+        <p:nvSpPr>
+          <p:cNvPr id="12" name="Rectangle 11">
+            <a:extLst>
+              <a:ext uri="{FF2B5EF4-FFF2-40B4-BE49-F238E27FC236}">
+                <a16:creationId xmlns:a16="http://schemas.microsoft.com/office/drawing/2014/main" id="{6016219D-510E-4184-9090-6D5578A87BD1}"/>
+              </a:ext>
+              <a:ext uri="{C183D7F6-B498-43B3-948B-1728B52AA6E4}">
+                <adec:decorative xmlns:adec="http://schemas.microsoft.com/office/drawing/2017/decorative" val="1"/>
+              </a:ext>
+            </a:extLst>
+          </p:cNvPr>
+          <p:cNvSpPr>
+            <a:spLocks noGrp="1" noRot="1" noChangeAspect="1" noMove="1" noResize="1" noEditPoints="1" noAdjustHandles="1" noChangeArrowheads="1" noChangeShapeType="1" noTextEdit="1"/>
+          </p:cNvSpPr>
+          <p:nvPr>
+            <p:extLst>
+              <p:ext uri="{386F3935-93C4-4BCD-93E2-E3B085C9AB24}">
+                <p16:designElem xmlns:p16="http://schemas.microsoft.com/office/powerpoint/2015/main" val="1"/>
+              </p:ext>
+            </p:extLst>
+          </p:nvPr>
+        </p:nvSpPr>
+        <p:spPr>
+          <a:xfrm rot="5400000">
+            <a:off x="3908721" y="-2407841"/>
+            <a:ext cx="4374557" cy="9144000"/>
+          </a:xfrm>
+          <a:prstGeom prst="rect">
+            <a:avLst/>
+          </a:prstGeom>
+          <a:gradFill>
+            <a:gsLst>
+              <a:gs pos="40000">
+                <a:schemeClr val="accent1">
+                  <a:alpha val="0"/>
+                </a:schemeClr>
+              </a:gs>
+              <a:gs pos="100000">
+                <a:schemeClr val="accent1">
+                  <a:lumMod val="75000"/>
+                  <a:alpha val="52000"/>
+                </a:schemeClr>
+              </a:gs>
+            </a:gsLst>
+            <a:lin ang="2400000" scaled="0"/>
+          </a:gradFill>
+          <a:ln>
+            <a:noFill/>
+          </a:ln>
+        </p:spPr>
+        <p:style>
+          <a:lnRef idx="2">
+            <a:schemeClr val="accent1">
+              <a:shade val="50000"/>
+            </a:schemeClr>
+          </a:lnRef>
+          <a:fillRef idx="1">
+            <a:schemeClr val="accent1"/>
+          </a:fillRef>
+          <a:effectRef idx="0">
+            <a:schemeClr val="accent1"/>
+          </a:effectRef>
+          <a:fontRef idx="minor">
+            <a:schemeClr val="lt1"/>
+          </a:fontRef>
+        </p:style>
+        <p:txBody>
+          <a:bodyPr rtlCol="0" anchor="ctr"/>
+          <a:lstStyle/>
+          <a:p>
+            <a:pPr algn="ctr"/>
+            <a:endParaRPr lang="en-US"/>
+          </a:p>
+        </p:txBody>
+      </p:sp>
+      <p:sp>
+        <p:nvSpPr>
+          <p:cNvPr id="14" name="Rectangle 13">
+            <a:extLst>
+              <a:ext uri="{FF2B5EF4-FFF2-40B4-BE49-F238E27FC236}">
+                <a16:creationId xmlns:a16="http://schemas.microsoft.com/office/drawing/2014/main" id="{AFF4A713-7B75-4B21-90D7-5AB19547C728}"/>
+              </a:ext>
+              <a:ext uri="{C183D7F6-B498-43B3-948B-1728B52AA6E4}">
+                <adec:decorative xmlns:adec="http://schemas.microsoft.com/office/drawing/2017/decorative" val="1"/>
+              </a:ext>
+            </a:extLst>
+          </p:cNvPr>
+          <p:cNvSpPr>
+            <a:spLocks noGrp="1" noRot="1" noChangeAspect="1" noMove="1" noResize="1" noEditPoints="1" noAdjustHandles="1" noChangeArrowheads="1" noChangeShapeType="1" noTextEdit="1"/>
+          </p:cNvSpPr>
+          <p:nvPr>
+            <p:extLst>
+              <p:ext uri="{386F3935-93C4-4BCD-93E2-E3B085C9AB24}">
+                <p16:designElem xmlns:p16="http://schemas.microsoft.com/office/powerpoint/2015/main" val="1"/>
+              </p:ext>
+            </p:extLst>
+          </p:nvPr>
+        </p:nvSpPr>
+        <p:spPr>
+          <a:xfrm rot="5400000">
+            <a:off x="4079756" y="-2236808"/>
+            <a:ext cx="4374128" cy="8802359"/>
+          </a:xfrm>
+          <a:prstGeom prst="rect">
+            <a:avLst/>
+          </a:prstGeom>
+          <a:gradFill>
+            <a:gsLst>
+              <a:gs pos="17000">
+                <a:schemeClr val="accent1">
+                  <a:alpha val="0"/>
+                </a:schemeClr>
+              </a:gs>
+              <a:gs pos="100000">
+                <a:srgbClr val="000000">
+                  <a:alpha val="37000"/>
+                </a:srgbClr>
+              </a:gs>
+            </a:gsLst>
+            <a:lin ang="7800000" scaled="0"/>
+          </a:gradFill>
+          <a:ln>
+            <a:noFill/>
+          </a:ln>
+        </p:spPr>
+        <p:style>
+          <a:lnRef idx="2">
+            <a:schemeClr val="accent1">
+              <a:shade val="50000"/>
+            </a:schemeClr>
+          </a:lnRef>
+          <a:fillRef idx="1">
+            <a:schemeClr val="accent1"/>
+          </a:fillRef>
+          <a:effectRef idx="0">
+            <a:schemeClr val="accent1"/>
+          </a:effectRef>
+          <a:fontRef idx="minor">
+            <a:schemeClr val="lt1"/>
+          </a:fontRef>
+        </p:style>
+        <p:txBody>
+          <a:bodyPr rtlCol="0" anchor="ctr"/>
+          <a:lstStyle/>
+          <a:p>
+            <a:pPr algn="ctr"/>
+            <a:endParaRPr lang="en-US"/>
+          </a:p>
+        </p:txBody>
+      </p:sp>
+      <p:sp>
+        <p:nvSpPr>
+          <p:cNvPr id="16" name="Rectangle 15">
+            <a:extLst>
+              <a:ext uri="{FF2B5EF4-FFF2-40B4-BE49-F238E27FC236}">
+                <a16:creationId xmlns:a16="http://schemas.microsoft.com/office/drawing/2014/main" id="{DC631C0B-6DA6-4E57-8231-CE32B3434A7E}"/>
+              </a:ext>
+              <a:ext uri="{C183D7F6-B498-43B3-948B-1728B52AA6E4}">
+                <adec:decorative xmlns:adec="http://schemas.microsoft.com/office/drawing/2017/decorative" val="1"/>
+              </a:ext>
+            </a:extLst>
+          </p:cNvPr>
+          <p:cNvSpPr>
+            <a:spLocks noGrp="1" noRot="1" noChangeAspect="1" noMove="1" noResize="1" noEditPoints="1" noAdjustHandles="1" noChangeArrowheads="1" noChangeShapeType="1" noTextEdit="1"/>
+          </p:cNvSpPr>
+          <p:nvPr>
+            <p:extLst>
+              <p:ext uri="{386F3935-93C4-4BCD-93E2-E3B085C9AB24}">
+                <p16:designElem xmlns:p16="http://schemas.microsoft.com/office/powerpoint/2015/main" val="1"/>
+              </p:ext>
+            </p:extLst>
+          </p:nvPr>
+        </p:nvSpPr>
+        <p:spPr>
+          <a:xfrm>
+            <a:off x="1523998" y="-22690"/>
+            <a:ext cx="6406863" cy="4374126"/>
+          </a:xfrm>
+          <a:prstGeom prst="rect">
+            <a:avLst/>
+          </a:prstGeom>
+          <a:gradFill>
+            <a:gsLst>
+              <a:gs pos="0">
+                <a:schemeClr val="accent1">
+                  <a:lumMod val="50000"/>
+                  <a:alpha val="0"/>
+                </a:schemeClr>
+              </a:gs>
+              <a:gs pos="100000">
+                <a:srgbClr val="000000">
+                  <a:alpha val="25000"/>
+                </a:srgbClr>
+              </a:gs>
+            </a:gsLst>
+            <a:lin ang="18600000" scaled="0"/>
+          </a:gradFill>
+          <a:ln>
+            <a:noFill/>
+          </a:ln>
+        </p:spPr>
+        <p:style>
+          <a:lnRef idx="2">
+            <a:schemeClr val="accent1">
+              <a:shade val="50000"/>
+            </a:schemeClr>
+          </a:lnRef>
+          <a:fillRef idx="1">
+            <a:schemeClr val="accent1"/>
+          </a:fillRef>
+          <a:effectRef idx="0">
+            <a:schemeClr val="accent1"/>
+          </a:effectRef>
+          <a:fontRef idx="minor">
+            <a:schemeClr val="lt1"/>
+          </a:fontRef>
+        </p:style>
+        <p:txBody>
+          <a:bodyPr rtlCol="0" anchor="ctr"/>
+          <a:lstStyle/>
+          <a:p>
+            <a:pPr algn="ctr"/>
+            <a:endParaRPr lang="en-US"/>
+          </a:p>
+        </p:txBody>
+      </p:sp>
+      <p:sp>
+        <p:nvSpPr>
+          <p:cNvPr id="18" name="Freeform: Shape 17">
+            <a:extLst>
+              <a:ext uri="{FF2B5EF4-FFF2-40B4-BE49-F238E27FC236}">
+                <a16:creationId xmlns:a16="http://schemas.microsoft.com/office/drawing/2014/main" id="{C29501E6-A978-4A61-9689-9085AF97A53A}"/>
+              </a:ext>
+              <a:ext uri="{C183D7F6-B498-43B3-948B-1728B52AA6E4}">
+                <adec:decorative xmlns:adec="http://schemas.microsoft.com/office/drawing/2017/decorative" val="1"/>
+              </a:ext>
+            </a:extLst>
+          </p:cNvPr>
+          <p:cNvSpPr>
+            <a:spLocks noGrp="1" noRot="1" noChangeAspect="1" noMove="1" noResize="1" noEditPoints="1" noAdjustHandles="1" noChangeArrowheads="1" noChangeShapeType="1" noTextEdit="1"/>
+          </p:cNvSpPr>
+          <p:nvPr>
+            <p:extLst>
+              <p:ext uri="{386F3935-93C4-4BCD-93E2-E3B085C9AB24}">
+                <p16:designElem xmlns:p16="http://schemas.microsoft.com/office/powerpoint/2015/main" val="1"/>
+              </p:ext>
+            </p:extLst>
+          </p:nvPr>
+        </p:nvSpPr>
+        <p:spPr>
+          <a:xfrm rot="12508972">
+            <a:off x="5983073" y="-1032053"/>
+            <a:ext cx="3742610" cy="4439131"/>
+          </a:xfrm>
+          <a:custGeom>
+            <a:avLst/>
+            <a:gdLst>
+              <a:gd name="connsiteX0" fmla="*/ 4990147 w 4990147"/>
+              <a:gd name="connsiteY0" fmla="*/ 2229378 h 4439131"/>
+              <a:gd name="connsiteX1" fmla="*/ 917384 w 4990147"/>
+              <a:gd name="connsiteY1" fmla="*/ 4439131 h 4439131"/>
+              <a:gd name="connsiteX2" fmla="*/ 910814 w 4990147"/>
+              <a:gd name="connsiteY2" fmla="*/ 4434219 h 4439131"/>
+              <a:gd name="connsiteX3" fmla="*/ 0 w 4990147"/>
+              <a:gd name="connsiteY3" fmla="*/ 2502877 h 4439131"/>
+              <a:gd name="connsiteX4" fmla="*/ 2502877 w 4990147"/>
+              <a:gd name="connsiteY4" fmla="*/ 0 h 4439131"/>
+              <a:gd name="connsiteX5" fmla="*/ 4954904 w 4990147"/>
+              <a:gd name="connsiteY5" fmla="*/ 1998460 h 4439131"/>
+            </a:gdLst>
+            <a:ahLst/>
+            <a:cxnLst>
+              <a:cxn ang="0">
+                <a:pos x="connsiteX0" y="connsiteY0"/>
+              </a:cxn>
+              <a:cxn ang="0">
+                <a:pos x="connsiteX1" y="connsiteY1"/>
+              </a:cxn>
+              <a:cxn ang="0">
+                <a:pos x="connsiteX2" y="connsiteY2"/>
+              </a:cxn>
+              <a:cxn ang="0">
+                <a:pos x="connsiteX3" y="connsiteY3"/>
+              </a:cxn>
+              <a:cxn ang="0">
+                <a:pos x="connsiteX4" y="connsiteY4"/>
+              </a:cxn>
+              <a:cxn ang="0">
+                <a:pos x="connsiteX5" y="connsiteY5"/>
+              </a:cxn>
+            </a:cxnLst>
+            <a:rect l="l" t="t" r="r" b="b"/>
+            <a:pathLst>
+              <a:path w="4990147" h="4439131">
+                <a:moveTo>
+                  <a:pt x="4990147" y="2229378"/>
+                </a:moveTo>
+                <a:lnTo>
+                  <a:pt x="917384" y="4439131"/>
+                </a:lnTo>
+                <a:lnTo>
+                  <a:pt x="910814" y="4434219"/>
+                </a:lnTo>
+                <a:cubicBezTo>
+                  <a:pt x="354557" y="3975154"/>
+                  <a:pt x="0" y="3280421"/>
+                  <a:pt x="0" y="2502877"/>
+                </a:cubicBezTo>
+                <a:cubicBezTo>
+                  <a:pt x="0" y="1120576"/>
+                  <a:pt x="1120576" y="0"/>
+                  <a:pt x="2502877" y="0"/>
+                </a:cubicBezTo>
+                <a:cubicBezTo>
+                  <a:pt x="3712390" y="0"/>
+                  <a:pt x="4721520" y="857941"/>
+                  <a:pt x="4954904" y="1998460"/>
+                </a:cubicBezTo>
+                <a:close/>
+              </a:path>
+            </a:pathLst>
+          </a:custGeom>
+          <a:gradFill>
+            <a:gsLst>
+              <a:gs pos="0">
+                <a:schemeClr val="accent1">
+                  <a:alpha val="22000"/>
+                </a:schemeClr>
+              </a:gs>
+              <a:gs pos="87000">
+                <a:schemeClr val="accent1">
+                  <a:lumMod val="60000"/>
+                  <a:lumOff val="40000"/>
+                  <a:alpha val="2000"/>
+                </a:schemeClr>
+              </a:gs>
+            </a:gsLst>
+            <a:lin ang="8400000" scaled="0"/>
+          </a:gradFill>
+          <a:ln>
+            <a:noFill/>
+          </a:ln>
+        </p:spPr>
+        <p:style>
+          <a:lnRef idx="2">
+            <a:schemeClr val="accent1">
+              <a:shade val="50000"/>
+            </a:schemeClr>
+          </a:lnRef>
+          <a:fillRef idx="1">
+            <a:schemeClr val="accent1"/>
+          </a:fillRef>
+          <a:effectRef idx="0">
+            <a:schemeClr val="accent1"/>
+          </a:effectRef>
+          <a:fontRef idx="minor">
+            <a:schemeClr val="lt1"/>
+          </a:fontRef>
+        </p:style>
+        <p:txBody>
+          <a:bodyPr wrap="square" rtlCol="0" anchor="ctr">
+            <a:noAutofit/>
+          </a:bodyPr>
+          <a:lstStyle/>
+          <a:p>
+            <a:pPr algn="ctr"/>
+            <a:endParaRPr lang="en-US" dirty="0"/>
+          </a:p>
+        </p:txBody>
+      </p:sp>
       <p:sp>
         <p:nvSpPr>
           <p:cNvPr id="2" name="Title 1"/>
@@ -3101,12 +6454,25 @@
             <p:ph type="ctrTitle"/>
           </p:nvPr>
         </p:nvSpPr>
-        <p:spPr/>
-        <p:txBody>
-          <a:bodyPr/>
+        <p:spPr>
+          <a:xfrm>
+            <a:off x="2510118" y="735106"/>
+            <a:ext cx="7540322" cy="2928470"/>
+          </a:xfrm>
+        </p:spPr>
+        <p:txBody>
+          <a:bodyPr anchor="b">
+            <a:normAutofit/>
+          </a:bodyPr>
           <a:lstStyle/>
           <a:p>
+            <a:pPr algn="l"/>
             <a:r>
+              <a:rPr lang="pt-BR" sz="4200">
+                <a:solidFill>
+                  <a:srgbClr val="FFFFFF"/>
+                </a:solidFill>
+              </a:rPr>
               <a:t>Aula 15 - Projeto Final</a:t>
             </a:r>
           </a:p>
@@ -3122,14 +6488,23 @@
             <p:ph type="subTitle" idx="1"/>
           </p:nvPr>
         </p:nvSpPr>
-        <p:spPr/>
-        <p:txBody>
-          <a:bodyPr/>
+        <p:spPr>
+          <a:xfrm>
+            <a:off x="2537012" y="4870824"/>
+            <a:ext cx="7504463" cy="1458258"/>
+          </a:xfrm>
+        </p:spPr>
+        <p:txBody>
+          <a:bodyPr anchor="ctr">
+            <a:normAutofit/>
+          </a:bodyPr>
           <a:lstStyle/>
           <a:p>
+            <a:pPr algn="l"/>
             <a:r>
               <a:t>Integração Pandas + NumPy + Matplotlib + SciPy</a:t>
             </a:r>
+            <a:endParaRPr lang="pt-BR"/>
           </a:p>
         </p:txBody>
       </p:sp>
@@ -3142,15 +6517,333 @@
 </file>
 
 <file path=ppt/slides/slide2.xml><?xml version="1.0" encoding="utf-8"?>
-<p:sld xmlns:a="http://schemas.openxmlformats.org/drawingml/2006/main" xmlns:p="http://schemas.openxmlformats.org/presentationml/2006/main" xmlns:r="http://schemas.openxmlformats.org/officeDocument/2006/relationships">
+<p:sld xmlns:a="http://schemas.openxmlformats.org/drawingml/2006/main" xmlns:r="http://schemas.openxmlformats.org/officeDocument/2006/relationships" xmlns:p="http://schemas.openxmlformats.org/presentationml/2006/main">
   <p:cSld>
+    <p:bg>
+      <p:bgPr>
+        <a:solidFill>
+          <a:schemeClr val="bg1"/>
+        </a:solidFill>
+        <a:effectLst/>
+      </p:bgPr>
+    </p:bg>
     <p:spTree>
       <p:nvGrpSpPr>
         <p:cNvPr id="1" name=""/>
         <p:cNvGrpSpPr/>
         <p:nvPr/>
       </p:nvGrpSpPr>
-      <p:grpSpPr/>
+      <p:grpSpPr>
+        <a:xfrm>
+          <a:off x="0" y="0"/>
+          <a:ext cx="0" cy="0"/>
+          <a:chOff x="0" y="0"/>
+          <a:chExt cx="0" cy="0"/>
+        </a:xfrm>
+      </p:grpSpPr>
+      <p:sp useBgFill="1">
+        <p:nvSpPr>
+          <p:cNvPr id="9" name="Rectangle 8">
+            <a:extLst>
+              <a:ext uri="{FF2B5EF4-FFF2-40B4-BE49-F238E27FC236}">
+                <a16:creationId xmlns:a16="http://schemas.microsoft.com/office/drawing/2014/main" id="{BACC6370-2D7E-4714-9D71-7542949D7D5D}"/>
+              </a:ext>
+              <a:ext uri="{C183D7F6-B498-43B3-948B-1728B52AA6E4}">
+                <adec:decorative xmlns:adec="http://schemas.microsoft.com/office/drawing/2017/decorative" val="1"/>
+              </a:ext>
+            </a:extLst>
+          </p:cNvPr>
+          <p:cNvSpPr>
+            <a:spLocks noGrp="1" noRot="1" noChangeAspect="1" noMove="1" noResize="1" noEditPoints="1" noAdjustHandles="1" noChangeArrowheads="1" noChangeShapeType="1" noTextEdit="1"/>
+          </p:cNvSpPr>
+          <p:nvPr>
+            <p:extLst>
+              <p:ext uri="{386F3935-93C4-4BCD-93E2-E3B085C9AB24}">
+                <p16:designElem xmlns:p16="http://schemas.microsoft.com/office/powerpoint/2015/main" val="1"/>
+              </p:ext>
+            </p:extLst>
+          </p:nvPr>
+        </p:nvSpPr>
+        <p:spPr>
+          <a:xfrm>
+            <a:off x="1524000" y="0"/>
+            <a:ext cx="9144000" cy="6858000"/>
+          </a:xfrm>
+          <a:prstGeom prst="rect">
+            <a:avLst/>
+          </a:prstGeom>
+          <a:ln w="12700" cap="flat" cmpd="sng" algn="ctr">
+            <a:noFill/>
+            <a:prstDash val="solid"/>
+            <a:miter lim="800000"/>
+          </a:ln>
+          <a:effectLst/>
+          <a:extLst>
+            <a:ext uri="{91240B29-F687-4F45-9708-019B960494DF}">
+              <a14:hiddenLine xmlns:a14="http://schemas.microsoft.com/office/drawing/2010/main" w="12700" cap="flat" cmpd="sng" algn="ctr">
+                <a:solidFill>
+                  <a:schemeClr val="accent1">
+                    <a:shade val="50000"/>
+                  </a:schemeClr>
+                </a:solidFill>
+                <a:prstDash val="solid"/>
+                <a:miter lim="800000"/>
+              </a14:hiddenLine>
+            </a:ext>
+          </a:extLst>
+        </p:spPr>
+        <p:style>
+          <a:lnRef idx="2">
+            <a:schemeClr val="accent1">
+              <a:shade val="50000"/>
+            </a:schemeClr>
+          </a:lnRef>
+          <a:fillRef idx="1">
+            <a:schemeClr val="accent1"/>
+          </a:fillRef>
+          <a:effectRef idx="0">
+            <a:schemeClr val="accent1"/>
+          </a:effectRef>
+          <a:fontRef idx="minor">
+            <a:schemeClr val="lt1"/>
+          </a:fontRef>
+        </p:style>
+        <p:txBody>
+          <a:bodyPr rtlCol="0" anchor="ctr"/>
+          <a:lstStyle/>
+          <a:p>
+            <a:pPr algn="ctr"/>
+            <a:endParaRPr lang="en-US"/>
+          </a:p>
+        </p:txBody>
+      </p:sp>
+      <p:sp>
+        <p:nvSpPr>
+          <p:cNvPr id="11" name="Rectangle 10">
+            <a:extLst>
+              <a:ext uri="{FF2B5EF4-FFF2-40B4-BE49-F238E27FC236}">
+                <a16:creationId xmlns:a16="http://schemas.microsoft.com/office/drawing/2014/main" id="{F68B3F68-107C-434F-AA38-110D5EA91B85}"/>
+              </a:ext>
+              <a:ext uri="{C183D7F6-B498-43B3-948B-1728B52AA6E4}">
+                <adec:decorative xmlns:adec="http://schemas.microsoft.com/office/drawing/2017/decorative" val="1"/>
+              </a:ext>
+            </a:extLst>
+          </p:cNvPr>
+          <p:cNvSpPr>
+            <a:spLocks noGrp="1" noRot="1" noChangeAspect="1" noMove="1" noResize="1" noEditPoints="1" noAdjustHandles="1" noChangeArrowheads="1" noChangeShapeType="1" noTextEdit="1"/>
+          </p:cNvSpPr>
+          <p:nvPr>
+            <p:extLst>
+              <p:ext uri="{386F3935-93C4-4BCD-93E2-E3B085C9AB24}">
+                <p16:designElem xmlns:p16="http://schemas.microsoft.com/office/powerpoint/2015/main" val="1"/>
+              </p:ext>
+            </p:extLst>
+          </p:nvPr>
+        </p:nvSpPr>
+        <p:spPr>
+          <a:xfrm flipH="1">
+            <a:off x="1524002" y="1"/>
+            <a:ext cx="9143999" cy="2170031"/>
+          </a:xfrm>
+          <a:prstGeom prst="rect">
+            <a:avLst/>
+          </a:prstGeom>
+          <a:gradFill>
+            <a:gsLst>
+              <a:gs pos="0">
+                <a:srgbClr val="000000">
+                  <a:alpha val="96000"/>
+                </a:srgbClr>
+              </a:gs>
+              <a:gs pos="100000">
+                <a:schemeClr val="accent1">
+                  <a:lumMod val="75000"/>
+                </a:schemeClr>
+              </a:gs>
+            </a:gsLst>
+            <a:lin ang="19800000" scaled="0"/>
+          </a:gradFill>
+          <a:ln>
+            <a:noFill/>
+          </a:ln>
+        </p:spPr>
+        <p:style>
+          <a:lnRef idx="2">
+            <a:schemeClr val="accent1">
+              <a:shade val="50000"/>
+            </a:schemeClr>
+          </a:lnRef>
+          <a:fillRef idx="1">
+            <a:schemeClr val="accent1"/>
+          </a:fillRef>
+          <a:effectRef idx="0">
+            <a:schemeClr val="accent1"/>
+          </a:effectRef>
+          <a:fontRef idx="minor">
+            <a:schemeClr val="lt1"/>
+          </a:fontRef>
+        </p:style>
+        <p:txBody>
+          <a:bodyPr rtlCol="0" anchor="ctr"/>
+          <a:lstStyle/>
+          <a:p>
+            <a:pPr algn="ctr"/>
+            <a:endParaRPr lang="en-US"/>
+          </a:p>
+        </p:txBody>
+      </p:sp>
+      <p:sp>
+        <p:nvSpPr>
+          <p:cNvPr id="13" name="Rectangle 12">
+            <a:extLst>
+              <a:ext uri="{FF2B5EF4-FFF2-40B4-BE49-F238E27FC236}">
+                <a16:creationId xmlns:a16="http://schemas.microsoft.com/office/drawing/2014/main" id="{AAD0DBB9-1A4B-4391-81D4-CB19F9AB918A}"/>
+              </a:ext>
+              <a:ext uri="{C183D7F6-B498-43B3-948B-1728B52AA6E4}">
+                <adec:decorative xmlns:adec="http://schemas.microsoft.com/office/drawing/2017/decorative" val="1"/>
+              </a:ext>
+            </a:extLst>
+          </p:cNvPr>
+          <p:cNvSpPr>
+            <a:spLocks noGrp="1" noRot="1" noChangeAspect="1" noMove="1" noResize="1" noEditPoints="1" noAdjustHandles="1" noChangeArrowheads="1" noChangeShapeType="1" noTextEdit="1"/>
+          </p:cNvSpPr>
+          <p:nvPr>
+            <p:extLst>
+              <p:ext uri="{386F3935-93C4-4BCD-93E2-E3B085C9AB24}">
+                <p16:designElem xmlns:p16="http://schemas.microsoft.com/office/powerpoint/2015/main" val="1"/>
+              </p:ext>
+            </p:extLst>
+          </p:nvPr>
+        </p:nvSpPr>
+        <p:spPr>
+          <a:xfrm flipH="1">
+            <a:off x="7586114" y="1"/>
+            <a:ext cx="3072908" cy="2170661"/>
+          </a:xfrm>
+          <a:prstGeom prst="rect">
+            <a:avLst/>
+          </a:prstGeom>
+          <a:gradFill>
+            <a:gsLst>
+              <a:gs pos="19000">
+                <a:schemeClr val="accent1">
+                  <a:lumMod val="50000"/>
+                  <a:alpha val="68000"/>
+                </a:schemeClr>
+              </a:gs>
+              <a:gs pos="100000">
+                <a:schemeClr val="accent1">
+                  <a:alpha val="48000"/>
+                </a:schemeClr>
+              </a:gs>
+            </a:gsLst>
+            <a:lin ang="19200000" scaled="0"/>
+          </a:gradFill>
+          <a:ln>
+            <a:noFill/>
+          </a:ln>
+        </p:spPr>
+        <p:style>
+          <a:lnRef idx="2">
+            <a:schemeClr val="accent1">
+              <a:shade val="50000"/>
+            </a:schemeClr>
+          </a:lnRef>
+          <a:fillRef idx="1">
+            <a:schemeClr val="accent1"/>
+          </a:fillRef>
+          <a:effectRef idx="0">
+            <a:schemeClr val="accent1"/>
+          </a:effectRef>
+          <a:fontRef idx="minor">
+            <a:schemeClr val="lt1"/>
+          </a:fontRef>
+        </p:style>
+        <p:txBody>
+          <a:bodyPr rtlCol="0" anchor="ctr"/>
+          <a:lstStyle/>
+          <a:p>
+            <a:pPr algn="ctr"/>
+            <a:endParaRPr lang="en-US"/>
+          </a:p>
+        </p:txBody>
+      </p:sp>
+      <p:sp>
+        <p:nvSpPr>
+          <p:cNvPr id="15" name="Rectangle 14">
+            <a:extLst>
+              <a:ext uri="{FF2B5EF4-FFF2-40B4-BE49-F238E27FC236}">
+                <a16:creationId xmlns:a16="http://schemas.microsoft.com/office/drawing/2014/main" id="{063BBA22-50EA-4C4D-BE05-F1CE4E63AA56}"/>
+              </a:ext>
+              <a:ext uri="{C183D7F6-B498-43B3-948B-1728B52AA6E4}">
+                <adec:decorative xmlns:adec="http://schemas.microsoft.com/office/drawing/2017/decorative" val="1"/>
+              </a:ext>
+            </a:extLst>
+          </p:cNvPr>
+          <p:cNvSpPr>
+            <a:spLocks noGrp="1" noRot="1" noChangeAspect="1" noMove="1" noResize="1" noEditPoints="1" noAdjustHandles="1" noChangeArrowheads="1" noChangeShapeType="1" noTextEdit="1"/>
+          </p:cNvSpPr>
+          <p:nvPr>
+            <p:extLst>
+              <p:ext uri="{386F3935-93C4-4BCD-93E2-E3B085C9AB24}">
+                <p16:designElem xmlns:p16="http://schemas.microsoft.com/office/powerpoint/2015/main" val="1"/>
+              </p:ext>
+            </p:extLst>
+          </p:nvPr>
+        </p:nvSpPr>
+        <p:spPr>
+          <a:xfrm rot="16200000" flipH="1">
+            <a:off x="5010647" y="-3486043"/>
+            <a:ext cx="2170709" cy="9144000"/>
+          </a:xfrm>
+          <a:prstGeom prst="rect">
+            <a:avLst/>
+          </a:prstGeom>
+          <a:gradFill>
+            <a:gsLst>
+              <a:gs pos="23000">
+                <a:schemeClr val="accent1">
+                  <a:lumMod val="75000"/>
+                  <a:alpha val="16000"/>
+                </a:schemeClr>
+              </a:gs>
+              <a:gs pos="99000">
+                <a:srgbClr val="000000">
+                  <a:alpha val="45000"/>
+                </a:srgbClr>
+              </a:gs>
+            </a:gsLst>
+            <a:lin ang="21000000" scaled="0"/>
+          </a:gradFill>
+          <a:ln>
+            <a:noFill/>
+          </a:ln>
+        </p:spPr>
+        <p:style>
+          <a:lnRef idx="2">
+            <a:schemeClr val="accent1">
+              <a:shade val="50000"/>
+            </a:schemeClr>
+          </a:lnRef>
+          <a:fillRef idx="1">
+            <a:schemeClr val="accent1"/>
+          </a:fillRef>
+          <a:effectRef idx="0">
+            <a:schemeClr val="accent1"/>
+          </a:effectRef>
+          <a:fontRef idx="minor">
+            <a:schemeClr val="lt1"/>
+          </a:fontRef>
+        </p:style>
+        <p:txBody>
+          <a:bodyPr rtlCol="0" anchor="ctr"/>
+          <a:lstStyle/>
+          <a:p>
+            <a:pPr algn="ctr"/>
+            <a:endParaRPr lang="en-US" dirty="0"/>
+          </a:p>
+        </p:txBody>
+      </p:sp>
       <p:sp>
         <p:nvSpPr>
           <p:cNvPr id="2" name="Title 1"/>
@@ -3161,43 +6854,60 @@
             <p:ph type="title"/>
           </p:nvPr>
         </p:nvSpPr>
-        <p:spPr/>
-        <p:txBody>
-          <a:bodyPr/>
+        <p:spPr>
+          <a:xfrm>
+            <a:off x="2561674" y="348865"/>
+            <a:ext cx="7288583" cy="1576446"/>
+          </a:xfrm>
+        </p:spPr>
+        <p:txBody>
+          <a:bodyPr anchor="ctr">
+            <a:normAutofit/>
+          </a:bodyPr>
           <a:lstStyle/>
           <a:p>
             <a:r>
+              <a:rPr lang="pt-BR" sz="3500">
+                <a:solidFill>
+                  <a:srgbClr val="FFFFFF"/>
+                </a:solidFill>
+              </a:rPr>
               <a:t>Objetivos</a:t>
             </a:r>
           </a:p>
         </p:txBody>
       </p:sp>
-      <p:sp>
-        <p:nvSpPr>
-          <p:cNvPr id="3" name="Content Placeholder 2"/>
-          <p:cNvSpPr>
-            <a:spLocks noGrp="1"/>
-          </p:cNvSpPr>
+      <p:graphicFrame>
+        <p:nvGraphicFramePr>
+          <p:cNvPr id="5" name="Content Placeholder 2">
+            <a:extLst>
+              <a:ext uri="{FF2B5EF4-FFF2-40B4-BE49-F238E27FC236}">
+                <a16:creationId xmlns:a16="http://schemas.microsoft.com/office/drawing/2014/main" id="{EE051A2C-002E-3C2D-F2A6-45EDEF0B430C}"/>
+              </a:ext>
+            </a:extLst>
+          </p:cNvPr>
+          <p:cNvGraphicFramePr>
+            <a:graphicFrameLocks noGrp="1"/>
+          </p:cNvGraphicFramePr>
           <p:nvPr>
             <p:ph idx="1"/>
-          </p:nvPr>
-        </p:nvSpPr>
-        <p:spPr/>
-        <p:txBody>
-          <a:bodyPr/>
-          <a:lstStyle/>
-          <a:p>
-            <a:r>
-              <a:t>- Integrar bibliotecas</a:t>
-            </a:r>
-          </a:p>
-          <a:p>
-            <a:r>
-              <a:t>- Aplicar em estudo de caso</a:t>
-            </a:r>
-          </a:p>
-        </p:txBody>
-      </p:sp>
+            <p:extLst>
+              <p:ext uri="{D42A27DB-BD31-4B8C-83A1-F6EECF244321}">
+                <p14:modId xmlns:p14="http://schemas.microsoft.com/office/powerpoint/2010/main" val="1512570604"/>
+              </p:ext>
+            </p:extLst>
+          </p:nvPr>
+        </p:nvGraphicFramePr>
+        <p:xfrm>
+          <a:off x="2007043" y="2615980"/>
+          <a:ext cx="8195871" cy="3689405"/>
+        </p:xfrm>
+        <a:graphic>
+          <a:graphicData uri="http://schemas.openxmlformats.org/drawingml/2006/diagram">
+            <dgm:relIds xmlns:dgm="http://schemas.openxmlformats.org/drawingml/2006/diagram" xmlns:r="http://schemas.openxmlformats.org/officeDocument/2006/relationships" r:dm="rId2" r:lo="rId3" r:qs="rId4" r:cs="rId5"/>
+          </a:graphicData>
+        </a:graphic>
+      </p:graphicFrame>
     </p:spTree>
   </p:cSld>
   <p:clrMapOvr>
@@ -3207,15 +6917,550 @@
 </file>
 
 <file path=ppt/slides/slide3.xml><?xml version="1.0" encoding="utf-8"?>
-<p:sld xmlns:a="http://schemas.openxmlformats.org/drawingml/2006/main" xmlns:p="http://schemas.openxmlformats.org/presentationml/2006/main" xmlns:r="http://schemas.openxmlformats.org/officeDocument/2006/relationships">
+<p:sld xmlns:a="http://schemas.openxmlformats.org/drawingml/2006/main" xmlns:r="http://schemas.openxmlformats.org/officeDocument/2006/relationships" xmlns:p="http://schemas.openxmlformats.org/presentationml/2006/main">
   <p:cSld>
+    <p:bg>
+      <p:bgPr>
+        <a:solidFill>
+          <a:schemeClr val="bg1"/>
+        </a:solidFill>
+        <a:effectLst/>
+      </p:bgPr>
+    </p:bg>
     <p:spTree>
       <p:nvGrpSpPr>
         <p:cNvPr id="1" name=""/>
         <p:cNvGrpSpPr/>
         <p:nvPr/>
       </p:nvGrpSpPr>
-      <p:grpSpPr/>
+      <p:grpSpPr>
+        <a:xfrm>
+          <a:off x="0" y="0"/>
+          <a:ext cx="0" cy="0"/>
+          <a:chOff x="0" y="0"/>
+          <a:chExt cx="0" cy="0"/>
+        </a:xfrm>
+      </p:grpSpPr>
+      <p:sp useBgFill="1">
+        <p:nvSpPr>
+          <p:cNvPr id="8" name="Rectangle 7">
+            <a:extLst>
+              <a:ext uri="{FF2B5EF4-FFF2-40B4-BE49-F238E27FC236}">
+                <a16:creationId xmlns:a16="http://schemas.microsoft.com/office/drawing/2014/main" id="{6F5A5072-7B47-4D32-B52A-4EBBF590B8A5}"/>
+              </a:ext>
+              <a:ext uri="{C183D7F6-B498-43B3-948B-1728B52AA6E4}">
+                <adec:decorative xmlns:adec="http://schemas.microsoft.com/office/drawing/2017/decorative" val="1"/>
+              </a:ext>
+            </a:extLst>
+          </p:cNvPr>
+          <p:cNvSpPr>
+            <a:spLocks noGrp="1" noRot="1" noChangeAspect="1" noMove="1" noResize="1" noEditPoints="1" noAdjustHandles="1" noChangeArrowheads="1" noChangeShapeType="1" noTextEdit="1"/>
+          </p:cNvSpPr>
+          <p:nvPr>
+            <p:extLst>
+              <p:ext uri="{386F3935-93C4-4BCD-93E2-E3B085C9AB24}">
+                <p16:designElem xmlns:p16="http://schemas.microsoft.com/office/powerpoint/2015/main" val="1"/>
+              </p:ext>
+            </p:extLst>
+          </p:nvPr>
+        </p:nvSpPr>
+        <p:spPr>
+          <a:xfrm>
+            <a:off x="1524000" y="0"/>
+            <a:ext cx="9144000" cy="6858000"/>
+          </a:xfrm>
+          <a:prstGeom prst="rect">
+            <a:avLst/>
+          </a:prstGeom>
+          <a:ln w="12700" cap="flat" cmpd="sng" algn="ctr">
+            <a:noFill/>
+            <a:prstDash val="solid"/>
+            <a:miter lim="800000"/>
+          </a:ln>
+          <a:effectLst/>
+          <a:extLst>
+            <a:ext uri="{91240B29-F687-4F45-9708-019B960494DF}">
+              <a14:hiddenLine xmlns:a14="http://schemas.microsoft.com/office/drawing/2010/main" w="12700" cap="flat" cmpd="sng" algn="ctr">
+                <a:solidFill>
+                  <a:schemeClr val="accent1">
+                    <a:shade val="50000"/>
+                  </a:schemeClr>
+                </a:solidFill>
+                <a:prstDash val="solid"/>
+                <a:miter lim="800000"/>
+              </a14:hiddenLine>
+            </a:ext>
+          </a:extLst>
+        </p:spPr>
+        <p:style>
+          <a:lnRef idx="2">
+            <a:schemeClr val="accent1">
+              <a:shade val="50000"/>
+            </a:schemeClr>
+          </a:lnRef>
+          <a:fillRef idx="1">
+            <a:schemeClr val="accent1"/>
+          </a:fillRef>
+          <a:effectRef idx="0">
+            <a:schemeClr val="accent1"/>
+          </a:effectRef>
+          <a:fontRef idx="minor">
+            <a:schemeClr val="lt1"/>
+          </a:fontRef>
+        </p:style>
+        <p:txBody>
+          <a:bodyPr rtlCol="0" anchor="ctr"/>
+          <a:lstStyle/>
+          <a:p>
+            <a:pPr algn="ctr"/>
+            <a:endParaRPr lang="en-US"/>
+          </a:p>
+        </p:txBody>
+      </p:sp>
+      <p:sp>
+        <p:nvSpPr>
+          <p:cNvPr id="10" name="Rectangle 9">
+            <a:extLst>
+              <a:ext uri="{FF2B5EF4-FFF2-40B4-BE49-F238E27FC236}">
+                <a16:creationId xmlns:a16="http://schemas.microsoft.com/office/drawing/2014/main" id="{9715DAF0-AE1B-46C9-8A6B-DB2AA05AB91D}"/>
+              </a:ext>
+              <a:ext uri="{C183D7F6-B498-43B3-948B-1728B52AA6E4}">
+                <adec:decorative xmlns:adec="http://schemas.microsoft.com/office/drawing/2017/decorative" val="1"/>
+              </a:ext>
+            </a:extLst>
+          </p:cNvPr>
+          <p:cNvSpPr>
+            <a:spLocks noGrp="1" noRot="1" noChangeAspect="1" noMove="1" noResize="1" noEditPoints="1" noAdjustHandles="1" noChangeArrowheads="1" noChangeShapeType="1" noTextEdit="1"/>
+          </p:cNvSpPr>
+          <p:nvPr>
+            <p:extLst>
+              <p:ext uri="{386F3935-93C4-4BCD-93E2-E3B085C9AB24}">
+                <p16:designElem xmlns:p16="http://schemas.microsoft.com/office/powerpoint/2015/main" val="1"/>
+              </p:ext>
+            </p:extLst>
+          </p:nvPr>
+        </p:nvSpPr>
+        <p:spPr>
+          <a:xfrm rot="10800000">
+            <a:off x="1523999" y="-22693"/>
+            <a:ext cx="9143998" cy="4374129"/>
+          </a:xfrm>
+          <a:prstGeom prst="rect">
+            <a:avLst/>
+          </a:prstGeom>
+          <a:gradFill>
+            <a:gsLst>
+              <a:gs pos="0">
+                <a:schemeClr val="accent1">
+                  <a:lumMod val="75000"/>
+                </a:schemeClr>
+              </a:gs>
+              <a:gs pos="100000">
+                <a:srgbClr val="000000"/>
+              </a:gs>
+            </a:gsLst>
+            <a:lin ang="15000000" scaled="0"/>
+          </a:gradFill>
+          <a:ln>
+            <a:noFill/>
+          </a:ln>
+        </p:spPr>
+        <p:style>
+          <a:lnRef idx="2">
+            <a:schemeClr val="accent1">
+              <a:shade val="50000"/>
+            </a:schemeClr>
+          </a:lnRef>
+          <a:fillRef idx="1">
+            <a:schemeClr val="accent1"/>
+          </a:fillRef>
+          <a:effectRef idx="0">
+            <a:schemeClr val="accent1"/>
+          </a:effectRef>
+          <a:fontRef idx="minor">
+            <a:schemeClr val="lt1"/>
+          </a:fontRef>
+        </p:style>
+        <p:txBody>
+          <a:bodyPr rtlCol="0" anchor="ctr"/>
+          <a:lstStyle/>
+          <a:p>
+            <a:pPr algn="ctr"/>
+            <a:endParaRPr lang="en-US"/>
+          </a:p>
+        </p:txBody>
+      </p:sp>
+      <p:sp>
+        <p:nvSpPr>
+          <p:cNvPr id="12" name="Rectangle 11">
+            <a:extLst>
+              <a:ext uri="{FF2B5EF4-FFF2-40B4-BE49-F238E27FC236}">
+                <a16:creationId xmlns:a16="http://schemas.microsoft.com/office/drawing/2014/main" id="{6016219D-510E-4184-9090-6D5578A87BD1}"/>
+              </a:ext>
+              <a:ext uri="{C183D7F6-B498-43B3-948B-1728B52AA6E4}">
+                <adec:decorative xmlns:adec="http://schemas.microsoft.com/office/drawing/2017/decorative" val="1"/>
+              </a:ext>
+            </a:extLst>
+          </p:cNvPr>
+          <p:cNvSpPr>
+            <a:spLocks noGrp="1" noRot="1" noChangeAspect="1" noMove="1" noResize="1" noEditPoints="1" noAdjustHandles="1" noChangeArrowheads="1" noChangeShapeType="1" noTextEdit="1"/>
+          </p:cNvSpPr>
+          <p:nvPr>
+            <p:extLst>
+              <p:ext uri="{386F3935-93C4-4BCD-93E2-E3B085C9AB24}">
+                <p16:designElem xmlns:p16="http://schemas.microsoft.com/office/powerpoint/2015/main" val="1"/>
+              </p:ext>
+            </p:extLst>
+          </p:nvPr>
+        </p:nvSpPr>
+        <p:spPr>
+          <a:xfrm rot="5400000">
+            <a:off x="3908721" y="-2407841"/>
+            <a:ext cx="4374557" cy="9144000"/>
+          </a:xfrm>
+          <a:prstGeom prst="rect">
+            <a:avLst/>
+          </a:prstGeom>
+          <a:gradFill>
+            <a:gsLst>
+              <a:gs pos="40000">
+                <a:schemeClr val="accent1">
+                  <a:alpha val="0"/>
+                </a:schemeClr>
+              </a:gs>
+              <a:gs pos="100000">
+                <a:schemeClr val="accent1">
+                  <a:lumMod val="75000"/>
+                  <a:alpha val="52000"/>
+                </a:schemeClr>
+              </a:gs>
+            </a:gsLst>
+            <a:lin ang="2400000" scaled="0"/>
+          </a:gradFill>
+          <a:ln>
+            <a:noFill/>
+          </a:ln>
+        </p:spPr>
+        <p:style>
+          <a:lnRef idx="2">
+            <a:schemeClr val="accent1">
+              <a:shade val="50000"/>
+            </a:schemeClr>
+          </a:lnRef>
+          <a:fillRef idx="1">
+            <a:schemeClr val="accent1"/>
+          </a:fillRef>
+          <a:effectRef idx="0">
+            <a:schemeClr val="accent1"/>
+          </a:effectRef>
+          <a:fontRef idx="minor">
+            <a:schemeClr val="lt1"/>
+          </a:fontRef>
+        </p:style>
+        <p:txBody>
+          <a:bodyPr rtlCol="0" anchor="ctr"/>
+          <a:lstStyle/>
+          <a:p>
+            <a:pPr algn="ctr"/>
+            <a:endParaRPr lang="en-US"/>
+          </a:p>
+        </p:txBody>
+      </p:sp>
+      <p:sp>
+        <p:nvSpPr>
+          <p:cNvPr id="14" name="Rectangle 13">
+            <a:extLst>
+              <a:ext uri="{FF2B5EF4-FFF2-40B4-BE49-F238E27FC236}">
+                <a16:creationId xmlns:a16="http://schemas.microsoft.com/office/drawing/2014/main" id="{AFF4A713-7B75-4B21-90D7-5AB19547C728}"/>
+              </a:ext>
+              <a:ext uri="{C183D7F6-B498-43B3-948B-1728B52AA6E4}">
+                <adec:decorative xmlns:adec="http://schemas.microsoft.com/office/drawing/2017/decorative" val="1"/>
+              </a:ext>
+            </a:extLst>
+          </p:cNvPr>
+          <p:cNvSpPr>
+            <a:spLocks noGrp="1" noRot="1" noChangeAspect="1" noMove="1" noResize="1" noEditPoints="1" noAdjustHandles="1" noChangeArrowheads="1" noChangeShapeType="1" noTextEdit="1"/>
+          </p:cNvSpPr>
+          <p:nvPr>
+            <p:extLst>
+              <p:ext uri="{386F3935-93C4-4BCD-93E2-E3B085C9AB24}">
+                <p16:designElem xmlns:p16="http://schemas.microsoft.com/office/powerpoint/2015/main" val="1"/>
+              </p:ext>
+            </p:extLst>
+          </p:nvPr>
+        </p:nvSpPr>
+        <p:spPr>
+          <a:xfrm rot="5400000">
+            <a:off x="4079756" y="-2236808"/>
+            <a:ext cx="4374128" cy="8802359"/>
+          </a:xfrm>
+          <a:prstGeom prst="rect">
+            <a:avLst/>
+          </a:prstGeom>
+          <a:gradFill>
+            <a:gsLst>
+              <a:gs pos="17000">
+                <a:schemeClr val="accent1">
+                  <a:alpha val="0"/>
+                </a:schemeClr>
+              </a:gs>
+              <a:gs pos="100000">
+                <a:srgbClr val="000000">
+                  <a:alpha val="37000"/>
+                </a:srgbClr>
+              </a:gs>
+            </a:gsLst>
+            <a:lin ang="7800000" scaled="0"/>
+          </a:gradFill>
+          <a:ln>
+            <a:noFill/>
+          </a:ln>
+        </p:spPr>
+        <p:style>
+          <a:lnRef idx="2">
+            <a:schemeClr val="accent1">
+              <a:shade val="50000"/>
+            </a:schemeClr>
+          </a:lnRef>
+          <a:fillRef idx="1">
+            <a:schemeClr val="accent1"/>
+          </a:fillRef>
+          <a:effectRef idx="0">
+            <a:schemeClr val="accent1"/>
+          </a:effectRef>
+          <a:fontRef idx="minor">
+            <a:schemeClr val="lt1"/>
+          </a:fontRef>
+        </p:style>
+        <p:txBody>
+          <a:bodyPr rtlCol="0" anchor="ctr"/>
+          <a:lstStyle/>
+          <a:p>
+            <a:pPr algn="ctr"/>
+            <a:endParaRPr lang="en-US"/>
+          </a:p>
+        </p:txBody>
+      </p:sp>
+      <p:sp>
+        <p:nvSpPr>
+          <p:cNvPr id="16" name="Rectangle 15">
+            <a:extLst>
+              <a:ext uri="{FF2B5EF4-FFF2-40B4-BE49-F238E27FC236}">
+                <a16:creationId xmlns:a16="http://schemas.microsoft.com/office/drawing/2014/main" id="{DC631C0B-6DA6-4E57-8231-CE32B3434A7E}"/>
+              </a:ext>
+              <a:ext uri="{C183D7F6-B498-43B3-948B-1728B52AA6E4}">
+                <adec:decorative xmlns:adec="http://schemas.microsoft.com/office/drawing/2017/decorative" val="1"/>
+              </a:ext>
+            </a:extLst>
+          </p:cNvPr>
+          <p:cNvSpPr>
+            <a:spLocks noGrp="1" noRot="1" noChangeAspect="1" noMove="1" noResize="1" noEditPoints="1" noAdjustHandles="1" noChangeArrowheads="1" noChangeShapeType="1" noTextEdit="1"/>
+          </p:cNvSpPr>
+          <p:nvPr>
+            <p:extLst>
+              <p:ext uri="{386F3935-93C4-4BCD-93E2-E3B085C9AB24}">
+                <p16:designElem xmlns:p16="http://schemas.microsoft.com/office/powerpoint/2015/main" val="1"/>
+              </p:ext>
+            </p:extLst>
+          </p:nvPr>
+        </p:nvSpPr>
+        <p:spPr>
+          <a:xfrm>
+            <a:off x="1523998" y="-22690"/>
+            <a:ext cx="6406863" cy="4374126"/>
+          </a:xfrm>
+          <a:prstGeom prst="rect">
+            <a:avLst/>
+          </a:prstGeom>
+          <a:gradFill>
+            <a:gsLst>
+              <a:gs pos="0">
+                <a:schemeClr val="accent1">
+                  <a:lumMod val="50000"/>
+                  <a:alpha val="0"/>
+                </a:schemeClr>
+              </a:gs>
+              <a:gs pos="100000">
+                <a:srgbClr val="000000">
+                  <a:alpha val="25000"/>
+                </a:srgbClr>
+              </a:gs>
+            </a:gsLst>
+            <a:lin ang="18600000" scaled="0"/>
+          </a:gradFill>
+          <a:ln>
+            <a:noFill/>
+          </a:ln>
+        </p:spPr>
+        <p:style>
+          <a:lnRef idx="2">
+            <a:schemeClr val="accent1">
+              <a:shade val="50000"/>
+            </a:schemeClr>
+          </a:lnRef>
+          <a:fillRef idx="1">
+            <a:schemeClr val="accent1"/>
+          </a:fillRef>
+          <a:effectRef idx="0">
+            <a:schemeClr val="accent1"/>
+          </a:effectRef>
+          <a:fontRef idx="minor">
+            <a:schemeClr val="lt1"/>
+          </a:fontRef>
+        </p:style>
+        <p:txBody>
+          <a:bodyPr rtlCol="0" anchor="ctr"/>
+          <a:lstStyle/>
+          <a:p>
+            <a:pPr algn="ctr"/>
+            <a:endParaRPr lang="en-US"/>
+          </a:p>
+        </p:txBody>
+      </p:sp>
+      <p:sp>
+        <p:nvSpPr>
+          <p:cNvPr id="18" name="Freeform: Shape 17">
+            <a:extLst>
+              <a:ext uri="{FF2B5EF4-FFF2-40B4-BE49-F238E27FC236}">
+                <a16:creationId xmlns:a16="http://schemas.microsoft.com/office/drawing/2014/main" id="{C29501E6-A978-4A61-9689-9085AF97A53A}"/>
+              </a:ext>
+              <a:ext uri="{C183D7F6-B498-43B3-948B-1728B52AA6E4}">
+                <adec:decorative xmlns:adec="http://schemas.microsoft.com/office/drawing/2017/decorative" val="1"/>
+              </a:ext>
+            </a:extLst>
+          </p:cNvPr>
+          <p:cNvSpPr>
+            <a:spLocks noGrp="1" noRot="1" noChangeAspect="1" noMove="1" noResize="1" noEditPoints="1" noAdjustHandles="1" noChangeArrowheads="1" noChangeShapeType="1" noTextEdit="1"/>
+          </p:cNvSpPr>
+          <p:nvPr>
+            <p:extLst>
+              <p:ext uri="{386F3935-93C4-4BCD-93E2-E3B085C9AB24}">
+                <p16:designElem xmlns:p16="http://schemas.microsoft.com/office/powerpoint/2015/main" val="1"/>
+              </p:ext>
+            </p:extLst>
+          </p:nvPr>
+        </p:nvSpPr>
+        <p:spPr>
+          <a:xfrm rot="12508972">
+            <a:off x="5983073" y="-1032053"/>
+            <a:ext cx="3742610" cy="4439131"/>
+          </a:xfrm>
+          <a:custGeom>
+            <a:avLst/>
+            <a:gdLst>
+              <a:gd name="connsiteX0" fmla="*/ 4990147 w 4990147"/>
+              <a:gd name="connsiteY0" fmla="*/ 2229378 h 4439131"/>
+              <a:gd name="connsiteX1" fmla="*/ 917384 w 4990147"/>
+              <a:gd name="connsiteY1" fmla="*/ 4439131 h 4439131"/>
+              <a:gd name="connsiteX2" fmla="*/ 910814 w 4990147"/>
+              <a:gd name="connsiteY2" fmla="*/ 4434219 h 4439131"/>
+              <a:gd name="connsiteX3" fmla="*/ 0 w 4990147"/>
+              <a:gd name="connsiteY3" fmla="*/ 2502877 h 4439131"/>
+              <a:gd name="connsiteX4" fmla="*/ 2502877 w 4990147"/>
+              <a:gd name="connsiteY4" fmla="*/ 0 h 4439131"/>
+              <a:gd name="connsiteX5" fmla="*/ 4954904 w 4990147"/>
+              <a:gd name="connsiteY5" fmla="*/ 1998460 h 4439131"/>
+            </a:gdLst>
+            <a:ahLst/>
+            <a:cxnLst>
+              <a:cxn ang="0">
+                <a:pos x="connsiteX0" y="connsiteY0"/>
+              </a:cxn>
+              <a:cxn ang="0">
+                <a:pos x="connsiteX1" y="connsiteY1"/>
+              </a:cxn>
+              <a:cxn ang="0">
+                <a:pos x="connsiteX2" y="connsiteY2"/>
+              </a:cxn>
+              <a:cxn ang="0">
+                <a:pos x="connsiteX3" y="connsiteY3"/>
+              </a:cxn>
+              <a:cxn ang="0">
+                <a:pos x="connsiteX4" y="connsiteY4"/>
+              </a:cxn>
+              <a:cxn ang="0">
+                <a:pos x="connsiteX5" y="connsiteY5"/>
+              </a:cxn>
+            </a:cxnLst>
+            <a:rect l="l" t="t" r="r" b="b"/>
+            <a:pathLst>
+              <a:path w="4990147" h="4439131">
+                <a:moveTo>
+                  <a:pt x="4990147" y="2229378"/>
+                </a:moveTo>
+                <a:lnTo>
+                  <a:pt x="917384" y="4439131"/>
+                </a:lnTo>
+                <a:lnTo>
+                  <a:pt x="910814" y="4434219"/>
+                </a:lnTo>
+                <a:cubicBezTo>
+                  <a:pt x="354557" y="3975154"/>
+                  <a:pt x="0" y="3280421"/>
+                  <a:pt x="0" y="2502877"/>
+                </a:cubicBezTo>
+                <a:cubicBezTo>
+                  <a:pt x="0" y="1120576"/>
+                  <a:pt x="1120576" y="0"/>
+                  <a:pt x="2502877" y="0"/>
+                </a:cubicBezTo>
+                <a:cubicBezTo>
+                  <a:pt x="3712390" y="0"/>
+                  <a:pt x="4721520" y="857941"/>
+                  <a:pt x="4954904" y="1998460"/>
+                </a:cubicBezTo>
+                <a:close/>
+              </a:path>
+            </a:pathLst>
+          </a:custGeom>
+          <a:gradFill>
+            <a:gsLst>
+              <a:gs pos="0">
+                <a:schemeClr val="accent1">
+                  <a:alpha val="22000"/>
+                </a:schemeClr>
+              </a:gs>
+              <a:gs pos="87000">
+                <a:schemeClr val="accent1">
+                  <a:lumMod val="60000"/>
+                  <a:lumOff val="40000"/>
+                  <a:alpha val="2000"/>
+                </a:schemeClr>
+              </a:gs>
+            </a:gsLst>
+            <a:lin ang="8400000" scaled="0"/>
+          </a:gradFill>
+          <a:ln>
+            <a:noFill/>
+          </a:ln>
+        </p:spPr>
+        <p:style>
+          <a:lnRef idx="2">
+            <a:schemeClr val="accent1">
+              <a:shade val="50000"/>
+            </a:schemeClr>
+          </a:lnRef>
+          <a:fillRef idx="1">
+            <a:schemeClr val="accent1"/>
+          </a:fillRef>
+          <a:effectRef idx="0">
+            <a:schemeClr val="accent1"/>
+          </a:effectRef>
+          <a:fontRef idx="minor">
+            <a:schemeClr val="lt1"/>
+          </a:fontRef>
+        </p:style>
+        <p:txBody>
+          <a:bodyPr wrap="square" rtlCol="0" anchor="ctr">
+            <a:noAutofit/>
+          </a:bodyPr>
+          <a:lstStyle/>
+          <a:p>
+            <a:pPr algn="ctr"/>
+            <a:endParaRPr lang="en-US" dirty="0"/>
+          </a:p>
+        </p:txBody>
+      </p:sp>
       <p:sp>
         <p:nvSpPr>
           <p:cNvPr id="2" name="Title 1"/>
@@ -3226,14 +7471,36 @@
             <p:ph type="title"/>
           </p:nvPr>
         </p:nvSpPr>
-        <p:spPr/>
-        <p:txBody>
-          <a:bodyPr/>
+        <p:spPr>
+          <a:xfrm>
+            <a:off x="2510118" y="735106"/>
+            <a:ext cx="7540322" cy="2928470"/>
+          </a:xfrm>
+        </p:spPr>
+        <p:txBody>
+          <a:bodyPr vert="horz" lIns="91440" tIns="45720" rIns="91440" bIns="45720" rtlCol="0" anchor="b">
+            <a:normAutofit/>
+          </a:bodyPr>
           <a:lstStyle/>
           <a:p>
+            <a:pPr algn="l" defTabSz="914400">
+              <a:lnSpc>
+                <a:spcPct val="90000"/>
+              </a:lnSpc>
+            </a:pPr>
             <a:r>
+              <a:rPr lang="en-US" sz="4200" dirty="0" err="1">
+                <a:solidFill>
+                  <a:srgbClr val="FFFFFF"/>
+                </a:solidFill>
+              </a:rPr>
               <a:t>Aplicação</a:t>
             </a:r>
+            <a:endParaRPr lang="en-US" sz="4200" dirty="0">
+              <a:solidFill>
+                <a:srgbClr val="FFFFFF"/>
+              </a:solidFill>
+            </a:endParaRPr>
           </a:p>
         </p:txBody>
       </p:sp>
@@ -3247,13 +7514,30 @@
             <p:ph idx="1"/>
           </p:nvPr>
         </p:nvSpPr>
-        <p:spPr/>
-        <p:txBody>
-          <a:bodyPr/>
+        <p:spPr>
+          <a:xfrm>
+            <a:off x="2537012" y="4870824"/>
+            <a:ext cx="7504463" cy="1458258"/>
+          </a:xfrm>
+        </p:spPr>
+        <p:txBody>
+          <a:bodyPr vert="horz" lIns="91440" tIns="45720" rIns="91440" bIns="45720" rtlCol="0" anchor="ctr">
+            <a:normAutofit/>
+          </a:bodyPr>
           <a:lstStyle/>
           <a:p>
+            <a:pPr marL="0" indent="0" defTabSz="914400">
+              <a:lnSpc>
+                <a:spcPct val="90000"/>
+              </a:lnSpc>
+              <a:spcBef>
+                <a:spcPts val="1000"/>
+              </a:spcBef>
+              <a:buNone/>
+            </a:pPr>
             <a:r>
-              <a:t>Secagem de folhas medicinais</a:t>
+              <a:rPr lang="en-US" sz="2400"/>
+              <a:t>Secagem de folhas de plantas medicinais</a:t>
             </a:r>
           </a:p>
         </p:txBody>
@@ -3267,15 +7551,550 @@
 </file>
 
 <file path=ppt/slides/slide4.xml><?xml version="1.0" encoding="utf-8"?>
-<p:sld xmlns:a="http://schemas.openxmlformats.org/drawingml/2006/main" xmlns:p="http://schemas.openxmlformats.org/presentationml/2006/main" xmlns:r="http://schemas.openxmlformats.org/officeDocument/2006/relationships">
+<p:sld xmlns:a="http://schemas.openxmlformats.org/drawingml/2006/main" xmlns:r="http://schemas.openxmlformats.org/officeDocument/2006/relationships" xmlns:p="http://schemas.openxmlformats.org/presentationml/2006/main">
   <p:cSld>
+    <p:bg>
+      <p:bgPr>
+        <a:solidFill>
+          <a:schemeClr val="bg1"/>
+        </a:solidFill>
+        <a:effectLst/>
+      </p:bgPr>
+    </p:bg>
     <p:spTree>
       <p:nvGrpSpPr>
         <p:cNvPr id="1" name=""/>
         <p:cNvGrpSpPr/>
         <p:nvPr/>
       </p:nvGrpSpPr>
-      <p:grpSpPr/>
+      <p:grpSpPr>
+        <a:xfrm>
+          <a:off x="0" y="0"/>
+          <a:ext cx="0" cy="0"/>
+          <a:chOff x="0" y="0"/>
+          <a:chExt cx="0" cy="0"/>
+        </a:xfrm>
+      </p:grpSpPr>
+      <p:sp useBgFill="1">
+        <p:nvSpPr>
+          <p:cNvPr id="8" name="Rectangle 7">
+            <a:extLst>
+              <a:ext uri="{FF2B5EF4-FFF2-40B4-BE49-F238E27FC236}">
+                <a16:creationId xmlns:a16="http://schemas.microsoft.com/office/drawing/2014/main" id="{6F5A5072-7B47-4D32-B52A-4EBBF590B8A5}"/>
+              </a:ext>
+              <a:ext uri="{C183D7F6-B498-43B3-948B-1728B52AA6E4}">
+                <adec:decorative xmlns:adec="http://schemas.microsoft.com/office/drawing/2017/decorative" val="1"/>
+              </a:ext>
+            </a:extLst>
+          </p:cNvPr>
+          <p:cNvSpPr>
+            <a:spLocks noGrp="1" noRot="1" noChangeAspect="1" noMove="1" noResize="1" noEditPoints="1" noAdjustHandles="1" noChangeArrowheads="1" noChangeShapeType="1" noTextEdit="1"/>
+          </p:cNvSpPr>
+          <p:nvPr>
+            <p:extLst>
+              <p:ext uri="{386F3935-93C4-4BCD-93E2-E3B085C9AB24}">
+                <p16:designElem xmlns:p16="http://schemas.microsoft.com/office/powerpoint/2015/main" val="1"/>
+              </p:ext>
+            </p:extLst>
+          </p:nvPr>
+        </p:nvSpPr>
+        <p:spPr>
+          <a:xfrm>
+            <a:off x="1524000" y="0"/>
+            <a:ext cx="9144000" cy="6858000"/>
+          </a:xfrm>
+          <a:prstGeom prst="rect">
+            <a:avLst/>
+          </a:prstGeom>
+          <a:ln w="12700" cap="flat" cmpd="sng" algn="ctr">
+            <a:noFill/>
+            <a:prstDash val="solid"/>
+            <a:miter lim="800000"/>
+          </a:ln>
+          <a:effectLst/>
+          <a:extLst>
+            <a:ext uri="{91240B29-F687-4F45-9708-019B960494DF}">
+              <a14:hiddenLine xmlns:a14="http://schemas.microsoft.com/office/drawing/2010/main" w="12700" cap="flat" cmpd="sng" algn="ctr">
+                <a:solidFill>
+                  <a:schemeClr val="accent1">
+                    <a:shade val="50000"/>
+                  </a:schemeClr>
+                </a:solidFill>
+                <a:prstDash val="solid"/>
+                <a:miter lim="800000"/>
+              </a14:hiddenLine>
+            </a:ext>
+          </a:extLst>
+        </p:spPr>
+        <p:style>
+          <a:lnRef idx="2">
+            <a:schemeClr val="accent1">
+              <a:shade val="50000"/>
+            </a:schemeClr>
+          </a:lnRef>
+          <a:fillRef idx="1">
+            <a:schemeClr val="accent1"/>
+          </a:fillRef>
+          <a:effectRef idx="0">
+            <a:schemeClr val="accent1"/>
+          </a:effectRef>
+          <a:fontRef idx="minor">
+            <a:schemeClr val="lt1"/>
+          </a:fontRef>
+        </p:style>
+        <p:txBody>
+          <a:bodyPr rtlCol="0" anchor="ctr"/>
+          <a:lstStyle/>
+          <a:p>
+            <a:pPr algn="ctr"/>
+            <a:endParaRPr lang="en-US"/>
+          </a:p>
+        </p:txBody>
+      </p:sp>
+      <p:sp>
+        <p:nvSpPr>
+          <p:cNvPr id="10" name="Rectangle 9">
+            <a:extLst>
+              <a:ext uri="{FF2B5EF4-FFF2-40B4-BE49-F238E27FC236}">
+                <a16:creationId xmlns:a16="http://schemas.microsoft.com/office/drawing/2014/main" id="{9715DAF0-AE1B-46C9-8A6B-DB2AA05AB91D}"/>
+              </a:ext>
+              <a:ext uri="{C183D7F6-B498-43B3-948B-1728B52AA6E4}">
+                <adec:decorative xmlns:adec="http://schemas.microsoft.com/office/drawing/2017/decorative" val="1"/>
+              </a:ext>
+            </a:extLst>
+          </p:cNvPr>
+          <p:cNvSpPr>
+            <a:spLocks noGrp="1" noRot="1" noChangeAspect="1" noMove="1" noResize="1" noEditPoints="1" noAdjustHandles="1" noChangeArrowheads="1" noChangeShapeType="1" noTextEdit="1"/>
+          </p:cNvSpPr>
+          <p:nvPr>
+            <p:extLst>
+              <p:ext uri="{386F3935-93C4-4BCD-93E2-E3B085C9AB24}">
+                <p16:designElem xmlns:p16="http://schemas.microsoft.com/office/powerpoint/2015/main" val="1"/>
+              </p:ext>
+            </p:extLst>
+          </p:nvPr>
+        </p:nvSpPr>
+        <p:spPr>
+          <a:xfrm rot="10800000">
+            <a:off x="1523999" y="-22693"/>
+            <a:ext cx="9143998" cy="4374129"/>
+          </a:xfrm>
+          <a:prstGeom prst="rect">
+            <a:avLst/>
+          </a:prstGeom>
+          <a:gradFill>
+            <a:gsLst>
+              <a:gs pos="0">
+                <a:schemeClr val="accent1">
+                  <a:lumMod val="75000"/>
+                </a:schemeClr>
+              </a:gs>
+              <a:gs pos="100000">
+                <a:srgbClr val="000000"/>
+              </a:gs>
+            </a:gsLst>
+            <a:lin ang="15000000" scaled="0"/>
+          </a:gradFill>
+          <a:ln>
+            <a:noFill/>
+          </a:ln>
+        </p:spPr>
+        <p:style>
+          <a:lnRef idx="2">
+            <a:schemeClr val="accent1">
+              <a:shade val="50000"/>
+            </a:schemeClr>
+          </a:lnRef>
+          <a:fillRef idx="1">
+            <a:schemeClr val="accent1"/>
+          </a:fillRef>
+          <a:effectRef idx="0">
+            <a:schemeClr val="accent1"/>
+          </a:effectRef>
+          <a:fontRef idx="minor">
+            <a:schemeClr val="lt1"/>
+          </a:fontRef>
+        </p:style>
+        <p:txBody>
+          <a:bodyPr rtlCol="0" anchor="ctr"/>
+          <a:lstStyle/>
+          <a:p>
+            <a:pPr algn="ctr"/>
+            <a:endParaRPr lang="en-US"/>
+          </a:p>
+        </p:txBody>
+      </p:sp>
+      <p:sp>
+        <p:nvSpPr>
+          <p:cNvPr id="12" name="Rectangle 11">
+            <a:extLst>
+              <a:ext uri="{FF2B5EF4-FFF2-40B4-BE49-F238E27FC236}">
+                <a16:creationId xmlns:a16="http://schemas.microsoft.com/office/drawing/2014/main" id="{6016219D-510E-4184-9090-6D5578A87BD1}"/>
+              </a:ext>
+              <a:ext uri="{C183D7F6-B498-43B3-948B-1728B52AA6E4}">
+                <adec:decorative xmlns:adec="http://schemas.microsoft.com/office/drawing/2017/decorative" val="1"/>
+              </a:ext>
+            </a:extLst>
+          </p:cNvPr>
+          <p:cNvSpPr>
+            <a:spLocks noGrp="1" noRot="1" noChangeAspect="1" noMove="1" noResize="1" noEditPoints="1" noAdjustHandles="1" noChangeArrowheads="1" noChangeShapeType="1" noTextEdit="1"/>
+          </p:cNvSpPr>
+          <p:nvPr>
+            <p:extLst>
+              <p:ext uri="{386F3935-93C4-4BCD-93E2-E3B085C9AB24}">
+                <p16:designElem xmlns:p16="http://schemas.microsoft.com/office/powerpoint/2015/main" val="1"/>
+              </p:ext>
+            </p:extLst>
+          </p:nvPr>
+        </p:nvSpPr>
+        <p:spPr>
+          <a:xfrm rot="5400000">
+            <a:off x="3908721" y="-2407841"/>
+            <a:ext cx="4374557" cy="9144000"/>
+          </a:xfrm>
+          <a:prstGeom prst="rect">
+            <a:avLst/>
+          </a:prstGeom>
+          <a:gradFill>
+            <a:gsLst>
+              <a:gs pos="40000">
+                <a:schemeClr val="accent1">
+                  <a:alpha val="0"/>
+                </a:schemeClr>
+              </a:gs>
+              <a:gs pos="100000">
+                <a:schemeClr val="accent1">
+                  <a:lumMod val="75000"/>
+                  <a:alpha val="52000"/>
+                </a:schemeClr>
+              </a:gs>
+            </a:gsLst>
+            <a:lin ang="2400000" scaled="0"/>
+          </a:gradFill>
+          <a:ln>
+            <a:noFill/>
+          </a:ln>
+        </p:spPr>
+        <p:style>
+          <a:lnRef idx="2">
+            <a:schemeClr val="accent1">
+              <a:shade val="50000"/>
+            </a:schemeClr>
+          </a:lnRef>
+          <a:fillRef idx="1">
+            <a:schemeClr val="accent1"/>
+          </a:fillRef>
+          <a:effectRef idx="0">
+            <a:schemeClr val="accent1"/>
+          </a:effectRef>
+          <a:fontRef idx="minor">
+            <a:schemeClr val="lt1"/>
+          </a:fontRef>
+        </p:style>
+        <p:txBody>
+          <a:bodyPr rtlCol="0" anchor="ctr"/>
+          <a:lstStyle/>
+          <a:p>
+            <a:pPr algn="ctr"/>
+            <a:endParaRPr lang="en-US"/>
+          </a:p>
+        </p:txBody>
+      </p:sp>
+      <p:sp>
+        <p:nvSpPr>
+          <p:cNvPr id="14" name="Rectangle 13">
+            <a:extLst>
+              <a:ext uri="{FF2B5EF4-FFF2-40B4-BE49-F238E27FC236}">
+                <a16:creationId xmlns:a16="http://schemas.microsoft.com/office/drawing/2014/main" id="{AFF4A713-7B75-4B21-90D7-5AB19547C728}"/>
+              </a:ext>
+              <a:ext uri="{C183D7F6-B498-43B3-948B-1728B52AA6E4}">
+                <adec:decorative xmlns:adec="http://schemas.microsoft.com/office/drawing/2017/decorative" val="1"/>
+              </a:ext>
+            </a:extLst>
+          </p:cNvPr>
+          <p:cNvSpPr>
+            <a:spLocks noGrp="1" noRot="1" noChangeAspect="1" noMove="1" noResize="1" noEditPoints="1" noAdjustHandles="1" noChangeArrowheads="1" noChangeShapeType="1" noTextEdit="1"/>
+          </p:cNvSpPr>
+          <p:nvPr>
+            <p:extLst>
+              <p:ext uri="{386F3935-93C4-4BCD-93E2-E3B085C9AB24}">
+                <p16:designElem xmlns:p16="http://schemas.microsoft.com/office/powerpoint/2015/main" val="1"/>
+              </p:ext>
+            </p:extLst>
+          </p:nvPr>
+        </p:nvSpPr>
+        <p:spPr>
+          <a:xfrm rot="5400000">
+            <a:off x="4079756" y="-2236808"/>
+            <a:ext cx="4374128" cy="8802359"/>
+          </a:xfrm>
+          <a:prstGeom prst="rect">
+            <a:avLst/>
+          </a:prstGeom>
+          <a:gradFill>
+            <a:gsLst>
+              <a:gs pos="17000">
+                <a:schemeClr val="accent1">
+                  <a:alpha val="0"/>
+                </a:schemeClr>
+              </a:gs>
+              <a:gs pos="100000">
+                <a:srgbClr val="000000">
+                  <a:alpha val="37000"/>
+                </a:srgbClr>
+              </a:gs>
+            </a:gsLst>
+            <a:lin ang="7800000" scaled="0"/>
+          </a:gradFill>
+          <a:ln>
+            <a:noFill/>
+          </a:ln>
+        </p:spPr>
+        <p:style>
+          <a:lnRef idx="2">
+            <a:schemeClr val="accent1">
+              <a:shade val="50000"/>
+            </a:schemeClr>
+          </a:lnRef>
+          <a:fillRef idx="1">
+            <a:schemeClr val="accent1"/>
+          </a:fillRef>
+          <a:effectRef idx="0">
+            <a:schemeClr val="accent1"/>
+          </a:effectRef>
+          <a:fontRef idx="minor">
+            <a:schemeClr val="lt1"/>
+          </a:fontRef>
+        </p:style>
+        <p:txBody>
+          <a:bodyPr rtlCol="0" anchor="ctr"/>
+          <a:lstStyle/>
+          <a:p>
+            <a:pPr algn="ctr"/>
+            <a:endParaRPr lang="en-US"/>
+          </a:p>
+        </p:txBody>
+      </p:sp>
+      <p:sp>
+        <p:nvSpPr>
+          <p:cNvPr id="16" name="Rectangle 15">
+            <a:extLst>
+              <a:ext uri="{FF2B5EF4-FFF2-40B4-BE49-F238E27FC236}">
+                <a16:creationId xmlns:a16="http://schemas.microsoft.com/office/drawing/2014/main" id="{DC631C0B-6DA6-4E57-8231-CE32B3434A7E}"/>
+              </a:ext>
+              <a:ext uri="{C183D7F6-B498-43B3-948B-1728B52AA6E4}">
+                <adec:decorative xmlns:adec="http://schemas.microsoft.com/office/drawing/2017/decorative" val="1"/>
+              </a:ext>
+            </a:extLst>
+          </p:cNvPr>
+          <p:cNvSpPr>
+            <a:spLocks noGrp="1" noRot="1" noChangeAspect="1" noMove="1" noResize="1" noEditPoints="1" noAdjustHandles="1" noChangeArrowheads="1" noChangeShapeType="1" noTextEdit="1"/>
+          </p:cNvSpPr>
+          <p:nvPr>
+            <p:extLst>
+              <p:ext uri="{386F3935-93C4-4BCD-93E2-E3B085C9AB24}">
+                <p16:designElem xmlns:p16="http://schemas.microsoft.com/office/powerpoint/2015/main" val="1"/>
+              </p:ext>
+            </p:extLst>
+          </p:nvPr>
+        </p:nvSpPr>
+        <p:spPr>
+          <a:xfrm>
+            <a:off x="1523998" y="-22690"/>
+            <a:ext cx="6406863" cy="4374126"/>
+          </a:xfrm>
+          <a:prstGeom prst="rect">
+            <a:avLst/>
+          </a:prstGeom>
+          <a:gradFill>
+            <a:gsLst>
+              <a:gs pos="0">
+                <a:schemeClr val="accent1">
+                  <a:lumMod val="50000"/>
+                  <a:alpha val="0"/>
+                </a:schemeClr>
+              </a:gs>
+              <a:gs pos="100000">
+                <a:srgbClr val="000000">
+                  <a:alpha val="25000"/>
+                </a:srgbClr>
+              </a:gs>
+            </a:gsLst>
+            <a:lin ang="18600000" scaled="0"/>
+          </a:gradFill>
+          <a:ln>
+            <a:noFill/>
+          </a:ln>
+        </p:spPr>
+        <p:style>
+          <a:lnRef idx="2">
+            <a:schemeClr val="accent1">
+              <a:shade val="50000"/>
+            </a:schemeClr>
+          </a:lnRef>
+          <a:fillRef idx="1">
+            <a:schemeClr val="accent1"/>
+          </a:fillRef>
+          <a:effectRef idx="0">
+            <a:schemeClr val="accent1"/>
+          </a:effectRef>
+          <a:fontRef idx="minor">
+            <a:schemeClr val="lt1"/>
+          </a:fontRef>
+        </p:style>
+        <p:txBody>
+          <a:bodyPr rtlCol="0" anchor="ctr"/>
+          <a:lstStyle/>
+          <a:p>
+            <a:pPr algn="ctr"/>
+            <a:endParaRPr lang="en-US"/>
+          </a:p>
+        </p:txBody>
+      </p:sp>
+      <p:sp>
+        <p:nvSpPr>
+          <p:cNvPr id="18" name="Freeform: Shape 17">
+            <a:extLst>
+              <a:ext uri="{FF2B5EF4-FFF2-40B4-BE49-F238E27FC236}">
+                <a16:creationId xmlns:a16="http://schemas.microsoft.com/office/drawing/2014/main" id="{C29501E6-A978-4A61-9689-9085AF97A53A}"/>
+              </a:ext>
+              <a:ext uri="{C183D7F6-B498-43B3-948B-1728B52AA6E4}">
+                <adec:decorative xmlns:adec="http://schemas.microsoft.com/office/drawing/2017/decorative" val="1"/>
+              </a:ext>
+            </a:extLst>
+          </p:cNvPr>
+          <p:cNvSpPr>
+            <a:spLocks noGrp="1" noRot="1" noChangeAspect="1" noMove="1" noResize="1" noEditPoints="1" noAdjustHandles="1" noChangeArrowheads="1" noChangeShapeType="1" noTextEdit="1"/>
+          </p:cNvSpPr>
+          <p:nvPr>
+            <p:extLst>
+              <p:ext uri="{386F3935-93C4-4BCD-93E2-E3B085C9AB24}">
+                <p16:designElem xmlns:p16="http://schemas.microsoft.com/office/powerpoint/2015/main" val="1"/>
+              </p:ext>
+            </p:extLst>
+          </p:nvPr>
+        </p:nvSpPr>
+        <p:spPr>
+          <a:xfrm rot="12508972">
+            <a:off x="5983073" y="-1032053"/>
+            <a:ext cx="3742610" cy="4439131"/>
+          </a:xfrm>
+          <a:custGeom>
+            <a:avLst/>
+            <a:gdLst>
+              <a:gd name="connsiteX0" fmla="*/ 4990147 w 4990147"/>
+              <a:gd name="connsiteY0" fmla="*/ 2229378 h 4439131"/>
+              <a:gd name="connsiteX1" fmla="*/ 917384 w 4990147"/>
+              <a:gd name="connsiteY1" fmla="*/ 4439131 h 4439131"/>
+              <a:gd name="connsiteX2" fmla="*/ 910814 w 4990147"/>
+              <a:gd name="connsiteY2" fmla="*/ 4434219 h 4439131"/>
+              <a:gd name="connsiteX3" fmla="*/ 0 w 4990147"/>
+              <a:gd name="connsiteY3" fmla="*/ 2502877 h 4439131"/>
+              <a:gd name="connsiteX4" fmla="*/ 2502877 w 4990147"/>
+              <a:gd name="connsiteY4" fmla="*/ 0 h 4439131"/>
+              <a:gd name="connsiteX5" fmla="*/ 4954904 w 4990147"/>
+              <a:gd name="connsiteY5" fmla="*/ 1998460 h 4439131"/>
+            </a:gdLst>
+            <a:ahLst/>
+            <a:cxnLst>
+              <a:cxn ang="0">
+                <a:pos x="connsiteX0" y="connsiteY0"/>
+              </a:cxn>
+              <a:cxn ang="0">
+                <a:pos x="connsiteX1" y="connsiteY1"/>
+              </a:cxn>
+              <a:cxn ang="0">
+                <a:pos x="connsiteX2" y="connsiteY2"/>
+              </a:cxn>
+              <a:cxn ang="0">
+                <a:pos x="connsiteX3" y="connsiteY3"/>
+              </a:cxn>
+              <a:cxn ang="0">
+                <a:pos x="connsiteX4" y="connsiteY4"/>
+              </a:cxn>
+              <a:cxn ang="0">
+                <a:pos x="connsiteX5" y="connsiteY5"/>
+              </a:cxn>
+            </a:cxnLst>
+            <a:rect l="l" t="t" r="r" b="b"/>
+            <a:pathLst>
+              <a:path w="4990147" h="4439131">
+                <a:moveTo>
+                  <a:pt x="4990147" y="2229378"/>
+                </a:moveTo>
+                <a:lnTo>
+                  <a:pt x="917384" y="4439131"/>
+                </a:lnTo>
+                <a:lnTo>
+                  <a:pt x="910814" y="4434219"/>
+                </a:lnTo>
+                <a:cubicBezTo>
+                  <a:pt x="354557" y="3975154"/>
+                  <a:pt x="0" y="3280421"/>
+                  <a:pt x="0" y="2502877"/>
+                </a:cubicBezTo>
+                <a:cubicBezTo>
+                  <a:pt x="0" y="1120576"/>
+                  <a:pt x="1120576" y="0"/>
+                  <a:pt x="2502877" y="0"/>
+                </a:cubicBezTo>
+                <a:cubicBezTo>
+                  <a:pt x="3712390" y="0"/>
+                  <a:pt x="4721520" y="857941"/>
+                  <a:pt x="4954904" y="1998460"/>
+                </a:cubicBezTo>
+                <a:close/>
+              </a:path>
+            </a:pathLst>
+          </a:custGeom>
+          <a:gradFill>
+            <a:gsLst>
+              <a:gs pos="0">
+                <a:schemeClr val="accent1">
+                  <a:alpha val="22000"/>
+                </a:schemeClr>
+              </a:gs>
+              <a:gs pos="87000">
+                <a:schemeClr val="accent1">
+                  <a:lumMod val="60000"/>
+                  <a:lumOff val="40000"/>
+                  <a:alpha val="2000"/>
+                </a:schemeClr>
+              </a:gs>
+            </a:gsLst>
+            <a:lin ang="8400000" scaled="0"/>
+          </a:gradFill>
+          <a:ln>
+            <a:noFill/>
+          </a:ln>
+        </p:spPr>
+        <p:style>
+          <a:lnRef idx="2">
+            <a:schemeClr val="accent1">
+              <a:shade val="50000"/>
+            </a:schemeClr>
+          </a:lnRef>
+          <a:fillRef idx="1">
+            <a:schemeClr val="accent1"/>
+          </a:fillRef>
+          <a:effectRef idx="0">
+            <a:schemeClr val="accent1"/>
+          </a:effectRef>
+          <a:fontRef idx="minor">
+            <a:schemeClr val="lt1"/>
+          </a:fontRef>
+        </p:style>
+        <p:txBody>
+          <a:bodyPr wrap="square" rtlCol="0" anchor="ctr">
+            <a:noAutofit/>
+          </a:bodyPr>
+          <a:lstStyle/>
+          <a:p>
+            <a:pPr algn="ctr"/>
+            <a:endParaRPr lang="en-US" dirty="0"/>
+          </a:p>
+        </p:txBody>
+      </p:sp>
       <p:sp>
         <p:nvSpPr>
           <p:cNvPr id="2" name="Title 1"/>
@@ -3286,12 +8105,29 @@
             <p:ph type="title"/>
           </p:nvPr>
         </p:nvSpPr>
-        <p:spPr/>
-        <p:txBody>
-          <a:bodyPr/>
+        <p:spPr>
+          <a:xfrm>
+            <a:off x="2510118" y="735106"/>
+            <a:ext cx="7540322" cy="2928470"/>
+          </a:xfrm>
+        </p:spPr>
+        <p:txBody>
+          <a:bodyPr vert="horz" lIns="91440" tIns="45720" rIns="91440" bIns="45720" rtlCol="0" anchor="b">
+            <a:normAutofit/>
+          </a:bodyPr>
           <a:lstStyle/>
           <a:p>
+            <a:pPr algn="l" defTabSz="914400">
+              <a:lnSpc>
+                <a:spcPct val="90000"/>
+              </a:lnSpc>
+            </a:pPr>
             <a:r>
+              <a:rPr lang="en-US" sz="4200">
+                <a:solidFill>
+                  <a:srgbClr val="FFFFFF"/>
+                </a:solidFill>
+              </a:rPr>
               <a:t>Exercício</a:t>
             </a:r>
           </a:p>
@@ -3307,12 +8143,29 @@
             <p:ph idx="1"/>
           </p:nvPr>
         </p:nvSpPr>
-        <p:spPr/>
-        <p:txBody>
-          <a:bodyPr/>
+        <p:spPr>
+          <a:xfrm>
+            <a:off x="2537012" y="4870824"/>
+            <a:ext cx="7504463" cy="1458258"/>
+          </a:xfrm>
+        </p:spPr>
+        <p:txBody>
+          <a:bodyPr vert="horz" lIns="91440" tIns="45720" rIns="91440" bIns="45720" rtlCol="0" anchor="ctr">
+            <a:normAutofit/>
+          </a:bodyPr>
           <a:lstStyle/>
           <a:p>
+            <a:pPr marL="0" indent="0" defTabSz="914400">
+              <a:lnSpc>
+                <a:spcPct val="90000"/>
+              </a:lnSpc>
+              <a:spcBef>
+                <a:spcPts val="1000"/>
+              </a:spcBef>
+              <a:buNone/>
+            </a:pPr>
             <a:r>
+              <a:rPr lang="en-US" sz="2400"/>
               <a:t>Análise completa: importar, limpar, analisar, visualizar e ajustar modelo</a:t>
             </a:r>
           </a:p>
@@ -3323,6 +8176,98 @@
   <p:clrMapOvr>
     <a:masterClrMapping/>
   </p:clrMapOvr>
+  <p:timing>
+    <p:tnLst>
+      <p:par>
+        <p:cTn id="1" dur="indefinite" restart="never" nodeType="tmRoot">
+          <p:childTnLst>
+            <p:seq concurrent="1" nextAc="seek">
+              <p:cTn id="2" dur="indefinite" nodeType="mainSeq">
+                <p:childTnLst>
+                  <p:par>
+                    <p:cTn id="3" fill="hold">
+                      <p:stCondLst>
+                        <p:cond delay="indefinite"/>
+                        <p:cond evt="onBegin" delay="0">
+                          <p:tn val="2"/>
+                        </p:cond>
+                      </p:stCondLst>
+                      <p:childTnLst>
+                        <p:par>
+                          <p:cTn id="4" fill="hold">
+                            <p:stCondLst>
+                              <p:cond delay="0"/>
+                            </p:stCondLst>
+                            <p:childTnLst>
+                              <p:par>
+                                <p:cTn id="5" presetID="10" presetClass="entr" presetSubtype="0" fill="hold" grpId="0" nodeType="withEffect">
+                                  <p:stCondLst>
+                                    <p:cond delay="500"/>
+                                  </p:stCondLst>
+                                  <p:iterate type="lt">
+                                    <p:tmPct val="10000"/>
+                                  </p:iterate>
+                                  <p:childTnLst>
+                                    <p:set>
+                                      <p:cBhvr>
+                                        <p:cTn id="6" dur="1" fill="hold">
+                                          <p:stCondLst>
+                                            <p:cond delay="0"/>
+                                          </p:stCondLst>
+                                        </p:cTn>
+                                        <p:tgtEl>
+                                          <p:spTgt spid="2"/>
+                                        </p:tgtEl>
+                                        <p:attrNameLst>
+                                          <p:attrName>style.visibility</p:attrName>
+                                        </p:attrNameLst>
+                                      </p:cBhvr>
+                                      <p:to>
+                                        <p:strVal val="visible"/>
+                                      </p:to>
+                                    </p:set>
+                                    <p:animEffect transition="in" filter="fade">
+                                      <p:cBhvr>
+                                        <p:cTn id="7" dur="400"/>
+                                        <p:tgtEl>
+                                          <p:spTgt spid="2"/>
+                                        </p:tgtEl>
+                                      </p:cBhvr>
+                                    </p:animEffect>
+                                  </p:childTnLst>
+                                </p:cTn>
+                              </p:par>
+                            </p:childTnLst>
+                          </p:cTn>
+                        </p:par>
+                      </p:childTnLst>
+                    </p:cTn>
+                  </p:par>
+                </p:childTnLst>
+              </p:cTn>
+              <p:prevCondLst>
+                <p:cond evt="onPrev" delay="0">
+                  <p:tgtEl>
+                    <p:sldTgt/>
+                  </p:tgtEl>
+                </p:cond>
+              </p:prevCondLst>
+              <p:nextCondLst>
+                <p:cond evt="onNext" delay="0">
+                  <p:tgtEl>
+                    <p:sldTgt/>
+                  </p:tgtEl>
+                </p:cond>
+              </p:nextCondLst>
+            </p:seq>
+          </p:childTnLst>
+        </p:cTn>
+      </p:par>
+    </p:tnLst>
+    <p:bldLst>
+      <p:bldP spid="2" grpId="0"/>
+    </p:bldLst>
+  </p:timing>
 </p:sld>
 </file>
 
